--- a/algoritma-2/pertemuan-4(searching)/materi/Pencarian.pptx
+++ b/algoritma-2/pertemuan-4(searching)/materi/Pencarian.pptx
@@ -14,26 +14,27 @@
     <p:sldId id="272" r:id="rId6"/>
     <p:sldId id="273" r:id="rId7"/>
     <p:sldId id="274" r:id="rId8"/>
-    <p:sldId id="282" r:id="rId9"/>
-    <p:sldId id="275" r:id="rId10"/>
+    <p:sldId id="275" r:id="rId9"/>
+    <p:sldId id="282" r:id="rId10"/>
     <p:sldId id="258" r:id="rId11"/>
     <p:sldId id="277" r:id="rId13"/>
     <p:sldId id="278" r:id="rId14"/>
     <p:sldId id="279" r:id="rId15"/>
     <p:sldId id="280" r:id="rId16"/>
     <p:sldId id="281" r:id="rId17"/>
-    <p:sldId id="276" r:id="rId18"/>
-    <p:sldId id="259" r:id="rId19"/>
-    <p:sldId id="263" r:id="rId20"/>
-    <p:sldId id="260" r:id="rId21"/>
-    <p:sldId id="261" r:id="rId22"/>
-    <p:sldId id="262" r:id="rId23"/>
-    <p:sldId id="264" r:id="rId24"/>
-    <p:sldId id="265" r:id="rId25"/>
-    <p:sldId id="266" r:id="rId26"/>
-    <p:sldId id="267" r:id="rId27"/>
-    <p:sldId id="270" r:id="rId28"/>
-    <p:sldId id="283" r:id="rId29"/>
+    <p:sldId id="302" r:id="rId18"/>
+    <p:sldId id="276" r:id="rId19"/>
+    <p:sldId id="259" r:id="rId20"/>
+    <p:sldId id="263" r:id="rId21"/>
+    <p:sldId id="260" r:id="rId22"/>
+    <p:sldId id="261" r:id="rId23"/>
+    <p:sldId id="262" r:id="rId24"/>
+    <p:sldId id="264" r:id="rId25"/>
+    <p:sldId id="265" r:id="rId26"/>
+    <p:sldId id="266" r:id="rId27"/>
+    <p:sldId id="267" r:id="rId28"/>
+    <p:sldId id="270" r:id="rId29"/>
+    <p:sldId id="283" r:id="rId30"/>
   </p:sldIdLst>
   <p:sldSz cx="12192000" cy="6858000"/>
   <p:notesSz cx="7103745" cy="10234295"/>
@@ -835,6 +836,50 @@
 </file>
 
 <file path=ppt/notesSlides/notesSlide17.xml><?xml version="1.0" encoding="utf-8"?>
+<p:notes xmlns:a="http://schemas.openxmlformats.org/drawingml/2006/main" xmlns:r="http://schemas.openxmlformats.org/officeDocument/2006/relationships" xmlns:p="http://schemas.openxmlformats.org/presentationml/2006/main">
+  <p:cSld>
+    <p:spTree>
+      <p:nvGrpSpPr>
+        <p:cNvPr id="1" name=""/>
+        <p:cNvGrpSpPr/>
+        <p:nvPr/>
+      </p:nvGrpSpPr>
+      <p:grpSpPr/>
+      <p:sp>
+        <p:nvSpPr>
+          <p:cNvPr id="2" name="Slide Image Placeholder 1"/>
+          <p:cNvSpPr/>
+          <p:nvPr>
+            <p:ph type="sldImg" idx="2"/>
+          </p:nvPr>
+        </p:nvSpPr>
+        <p:spPr/>
+      </p:sp>
+      <p:sp>
+        <p:nvSpPr>
+          <p:cNvPr id="3" name="Text Placeholder 2"/>
+          <p:cNvSpPr/>
+          <p:nvPr>
+            <p:ph type="body" idx="3"/>
+          </p:nvPr>
+        </p:nvSpPr>
+        <p:spPr/>
+        <p:txBody>
+          <a:bodyPr/>
+          <a:p>
+            <a:endParaRPr lang="en-US"/>
+          </a:p>
+        </p:txBody>
+      </p:sp>
+    </p:spTree>
+  </p:cSld>
+  <p:clrMapOvr>
+    <a:masterClrMapping/>
+  </p:clrMapOvr>
+</p:notes>
+</file>
+
+<file path=ppt/notesSlides/notesSlide18.xml><?xml version="1.0" encoding="utf-8"?>
 <p:notes xmlns:a="http://schemas.openxmlformats.org/drawingml/2006/main" xmlns:r="http://schemas.openxmlformats.org/officeDocument/2006/relationships" xmlns:p="http://schemas.openxmlformats.org/presentationml/2006/main">
   <p:cSld>
     <p:spTree>
@@ -3765,10 +3810,10 @@
           <a:bodyPr/>
           <a:p>
             <a:r>
-              <a:rPr lang="" altLang="en-US"/>
+              <a:rPr lang="en-US" altLang="en-US"/>
               <a:t>Pencarian (Searching)</a:t>
             </a:r>
-            <a:endParaRPr lang="" altLang="en-US"/>
+            <a:endParaRPr lang="en-US" altLang="en-US"/>
           </a:p>
         </p:txBody>
       </p:sp>
@@ -3849,14 +3894,14 @@
               <a:buNone/>
             </a:pPr>
             <a:r>
-              <a:rPr lang="" altLang="en-US" sz="2400" b="1">
+              <a:rPr lang="en-US" altLang="en-US" sz="2400" b="1">
                 <a:solidFill>
                   <a:srgbClr val="FF0000"/>
                 </a:solidFill>
               </a:rPr>
               <a:t>Cari == data tengah, selesai</a:t>
             </a:r>
-            <a:endParaRPr lang="" altLang="en-US" sz="2400" b="1">
+            <a:endParaRPr lang="en-US" altLang="en-US" sz="2400" b="1">
               <a:solidFill>
                 <a:srgbClr val="FF0000"/>
               </a:solidFill>
@@ -3867,14 +3912,14 @@
               <a:buNone/>
             </a:pPr>
             <a:r>
-              <a:rPr lang="" altLang="en-US" sz="2400" b="1">
+              <a:rPr lang="en-US" altLang="en-US" sz="2400" b="1">
                 <a:solidFill>
                   <a:srgbClr val="FF0000"/>
                 </a:solidFill>
               </a:rPr>
               <a:t>Cari &lt; data tengah, buang kanan</a:t>
             </a:r>
-            <a:endParaRPr lang="" altLang="en-US" sz="2400" b="1">
+            <a:endParaRPr lang="en-US" altLang="en-US" sz="2400" b="1">
               <a:solidFill>
                 <a:srgbClr val="FF0000"/>
               </a:solidFill>
@@ -3885,7 +3930,7 @@
               <a:buNone/>
             </a:pPr>
             <a:r>
-              <a:rPr lang="" altLang="en-US" sz="2400" b="1">
+              <a:rPr lang="en-US" altLang="en-US" sz="2400" b="1">
                 <a:solidFill>
                   <a:srgbClr val="FF0000"/>
                 </a:solidFill>
@@ -3908,23 +3953,7 @@
                   <a:schemeClr val="tx1"/>
                 </a:solidFill>
               </a:rPr>
-              <a:t>Cari : </a:t>
-            </a:r>
-            <a:r>
-              <a:rPr lang="" altLang="en-US" sz="2400" b="1">
-                <a:solidFill>
-                  <a:schemeClr val="tx1"/>
-                </a:solidFill>
-              </a:rPr>
-              <a:t>4</a:t>
-            </a:r>
-            <a:r>
-              <a:rPr lang="en-US" altLang="en-US" sz="2400" b="1">
-                <a:solidFill>
-                  <a:schemeClr val="tx1"/>
-                </a:solidFill>
-              </a:rPr>
-              <a:t>0</a:t>
+              <a:t>Cari : 40</a:t>
             </a:r>
             <a:endParaRPr lang="en-US" altLang="en-US" sz="2400" b="1">
               <a:solidFill>
@@ -4356,16 +4385,7 @@
                 </a:solidFill>
                 <a:sym typeface="+mn-ea"/>
               </a:rPr>
-              <a:t>Cari == data tengah</a:t>
-            </a:r>
-            <a:r>
-              <a:rPr lang="" altLang="en-US" sz="2400" b="1">
-                <a:solidFill>
-                  <a:srgbClr val="FF0000"/>
-                </a:solidFill>
-                <a:sym typeface="+mn-ea"/>
-              </a:rPr>
-              <a:t>, selesai</a:t>
+              <a:t>Cari == data tengah, selesai</a:t>
             </a:r>
             <a:endParaRPr lang="en-US" altLang="en-US" sz="2400" b="1">
               <a:solidFill>
@@ -4384,25 +4404,7 @@
                 </a:solidFill>
                 <a:sym typeface="+mn-ea"/>
               </a:rPr>
-              <a:t>Cari &lt; data t</a:t>
-            </a:r>
-            <a:r>
-              <a:rPr lang="" altLang="en-US" sz="2400" b="1">
-                <a:solidFill>
-                  <a:srgbClr val="FF0000"/>
-                </a:solidFill>
-                <a:sym typeface="+mn-ea"/>
-              </a:rPr>
-              <a:t>e</a:t>
-            </a:r>
-            <a:r>
-              <a:rPr lang="en-US" altLang="en-US" sz="2400" b="1">
-                <a:solidFill>
-                  <a:srgbClr val="FF0000"/>
-                </a:solidFill>
-                <a:sym typeface="+mn-ea"/>
-              </a:rPr>
-              <a:t>ngah, buang kanan</a:t>
+              <a:t>Cari &lt; data tengah, buang kanan</a:t>
             </a:r>
             <a:endParaRPr lang="en-US" altLang="en-US" sz="2400" b="1">
               <a:solidFill>
@@ -4437,19 +4439,7 @@
               <a:rPr lang="en-US" altLang="en-US" sz="2400" b="1">
                 <a:sym typeface="+mn-ea"/>
               </a:rPr>
-              <a:t>Cari : </a:t>
-            </a:r>
-            <a:r>
-              <a:rPr lang="" altLang="en-US" sz="2400" b="1">
-                <a:sym typeface="+mn-ea"/>
-              </a:rPr>
-              <a:t>4</a:t>
-            </a:r>
-            <a:r>
-              <a:rPr lang="en-US" altLang="en-US" sz="2400" b="1">
-                <a:sym typeface="+mn-ea"/>
-              </a:rPr>
-              <a:t>0</a:t>
+              <a:t>Cari : 40</a:t>
             </a:r>
             <a:endParaRPr lang="en-US" altLang="en-US" sz="2400" b="1">
               <a:solidFill>
@@ -4678,16 +4668,7 @@
                 </a:solidFill>
                 <a:sym typeface="+mn-ea"/>
               </a:rPr>
-              <a:t>Cari == data tengah</a:t>
-            </a:r>
-            <a:r>
-              <a:rPr lang="" altLang="en-US" sz="2400" b="1">
-                <a:solidFill>
-                  <a:srgbClr val="FF0000"/>
-                </a:solidFill>
-                <a:sym typeface="+mn-ea"/>
-              </a:rPr>
-              <a:t>, selesai</a:t>
+              <a:t>Cari == data tengah, selesai</a:t>
             </a:r>
             <a:endParaRPr lang="en-US" altLang="en-US" sz="2400" b="1">
               <a:solidFill>
@@ -4706,25 +4687,7 @@
                 </a:solidFill>
                 <a:sym typeface="+mn-ea"/>
               </a:rPr>
-              <a:t>Cari &lt; data t</a:t>
-            </a:r>
-            <a:r>
-              <a:rPr lang="" altLang="en-US" sz="2400" b="1">
-                <a:solidFill>
-                  <a:srgbClr val="FF0000"/>
-                </a:solidFill>
-                <a:sym typeface="+mn-ea"/>
-              </a:rPr>
-              <a:t>e</a:t>
-            </a:r>
-            <a:r>
-              <a:rPr lang="en-US" altLang="en-US" sz="2400" b="1">
-                <a:solidFill>
-                  <a:srgbClr val="FF0000"/>
-                </a:solidFill>
-                <a:sym typeface="+mn-ea"/>
-              </a:rPr>
-              <a:t>ngah, buang kanan</a:t>
+              <a:t>Cari &lt; data tengah, buang kanan</a:t>
             </a:r>
             <a:endParaRPr lang="en-US" altLang="en-US" sz="2400" b="1">
               <a:solidFill>
@@ -4759,19 +4722,7 @@
               <a:rPr lang="en-US" altLang="en-US" sz="2400" b="1">
                 <a:sym typeface="+mn-ea"/>
               </a:rPr>
-              <a:t>Cari : </a:t>
-            </a:r>
-            <a:r>
-              <a:rPr lang="" altLang="en-US" sz="2400" b="1">
-                <a:sym typeface="+mn-ea"/>
-              </a:rPr>
-              <a:t>4</a:t>
-            </a:r>
-            <a:r>
-              <a:rPr lang="en-US" altLang="en-US" sz="2400" b="1">
-                <a:sym typeface="+mn-ea"/>
-              </a:rPr>
-              <a:t>0</a:t>
+              <a:t>Cari : 40</a:t>
             </a:r>
             <a:endParaRPr lang="en-US" altLang="en-US" sz="2400" b="1">
               <a:solidFill>
@@ -5000,16 +4951,7 @@
                 </a:solidFill>
                 <a:sym typeface="+mn-ea"/>
               </a:rPr>
-              <a:t>Cari == data tengah</a:t>
-            </a:r>
-            <a:r>
-              <a:rPr lang="" altLang="en-US" sz="2400" b="1">
-                <a:solidFill>
-                  <a:srgbClr val="FF0000"/>
-                </a:solidFill>
-                <a:sym typeface="+mn-ea"/>
-              </a:rPr>
-              <a:t>, selesai</a:t>
+              <a:t>Cari == data tengah, selesai</a:t>
             </a:r>
             <a:endParaRPr lang="en-US" altLang="en-US" sz="2400" b="1">
               <a:solidFill>
@@ -5028,25 +4970,7 @@
                 </a:solidFill>
                 <a:sym typeface="+mn-ea"/>
               </a:rPr>
-              <a:t>Cari &lt; data t</a:t>
-            </a:r>
-            <a:r>
-              <a:rPr lang="" altLang="en-US" sz="2400" b="1">
-                <a:solidFill>
-                  <a:srgbClr val="FF0000"/>
-                </a:solidFill>
-                <a:sym typeface="+mn-ea"/>
-              </a:rPr>
-              <a:t>e</a:t>
-            </a:r>
-            <a:r>
-              <a:rPr lang="en-US" altLang="en-US" sz="2400" b="1">
-                <a:solidFill>
-                  <a:srgbClr val="FF0000"/>
-                </a:solidFill>
-                <a:sym typeface="+mn-ea"/>
-              </a:rPr>
-              <a:t>ngah, buang kanan</a:t>
+              <a:t>Cari &lt; data tengah, buang kanan</a:t>
             </a:r>
             <a:endParaRPr lang="en-US" altLang="en-US" sz="2400" b="1">
               <a:solidFill>
@@ -5081,19 +5005,7 @@
               <a:rPr lang="en-US" altLang="en-US" sz="2400" b="1">
                 <a:sym typeface="+mn-ea"/>
               </a:rPr>
-              <a:t>Cari : </a:t>
-            </a:r>
-            <a:r>
-              <a:rPr lang="" altLang="en-US" sz="2400" b="1">
-                <a:sym typeface="+mn-ea"/>
-              </a:rPr>
-              <a:t>4</a:t>
-            </a:r>
-            <a:r>
-              <a:rPr lang="en-US" altLang="en-US" sz="2400" b="1">
-                <a:sym typeface="+mn-ea"/>
-              </a:rPr>
-              <a:t>0</a:t>
+              <a:t>Cari : 40</a:t>
             </a:r>
             <a:endParaRPr lang="en-US" altLang="en-US" sz="2400" b="1">
               <a:solidFill>
@@ -5220,16 +5132,7 @@
                 </a:solidFill>
                 <a:sym typeface="+mn-ea"/>
               </a:rPr>
-              <a:t>Cari == data tengah</a:t>
-            </a:r>
-            <a:r>
-              <a:rPr lang="" altLang="en-US" sz="2400" b="1">
-                <a:solidFill>
-                  <a:srgbClr val="FF0000"/>
-                </a:solidFill>
-                <a:sym typeface="+mn-ea"/>
-              </a:rPr>
-              <a:t>, selesai</a:t>
+              <a:t>Cari == data tengah, selesai</a:t>
             </a:r>
             <a:endParaRPr lang="en-US" altLang="en-US" sz="2400" b="1">
               <a:solidFill>
@@ -5248,25 +5151,7 @@
                 </a:solidFill>
                 <a:sym typeface="+mn-ea"/>
               </a:rPr>
-              <a:t>Cari &lt; data t</a:t>
-            </a:r>
-            <a:r>
-              <a:rPr lang="" altLang="en-US" sz="2400" b="1">
-                <a:solidFill>
-                  <a:srgbClr val="FF0000"/>
-                </a:solidFill>
-                <a:sym typeface="+mn-ea"/>
-              </a:rPr>
-              <a:t>e</a:t>
-            </a:r>
-            <a:r>
-              <a:rPr lang="en-US" altLang="en-US" sz="2400" b="1">
-                <a:solidFill>
-                  <a:srgbClr val="FF0000"/>
-                </a:solidFill>
-                <a:sym typeface="+mn-ea"/>
-              </a:rPr>
-              <a:t>ngah, buang kanan</a:t>
+              <a:t>Cari &lt; data tengah, buang kanan</a:t>
             </a:r>
             <a:endParaRPr lang="en-US" altLang="en-US" sz="2400" b="1">
               <a:solidFill>
@@ -5301,19 +5186,7 @@
               <a:rPr lang="en-US" altLang="en-US" sz="2400" b="1">
                 <a:sym typeface="+mn-ea"/>
               </a:rPr>
-              <a:t>Cari : </a:t>
-            </a:r>
-            <a:r>
-              <a:rPr lang="" altLang="en-US" sz="2400" b="1">
-                <a:sym typeface="+mn-ea"/>
-              </a:rPr>
-              <a:t>4</a:t>
-            </a:r>
-            <a:r>
-              <a:rPr lang="en-US" altLang="en-US" sz="2400" b="1">
-                <a:sym typeface="+mn-ea"/>
-              </a:rPr>
-              <a:t>0</a:t>
+              <a:t>Cari : 40</a:t>
             </a:r>
             <a:endParaRPr lang="en-US" altLang="en-US" sz="2400" b="1">
               <a:solidFill>
@@ -5430,36 +5303,90 @@
         <p:txBody>
           <a:bodyPr/>
           <a:p>
-            <a:pPr marL="0" indent="0">
+            <a:pPr marL="0" indent="0" algn="ctr">
               <a:buNone/>
             </a:pPr>
             <a:r>
-              <a:rPr lang="en-US" altLang="en-US"/>
-              <a:t>Data : [10, 20, 30, 40, 50, 60, 70, 80, 90, 100]</a:t>
-            </a:r>
-            <a:endParaRPr lang="en-US" altLang="en-US"/>
-          </a:p>
-          <a:p>
-            <a:pPr marL="0" indent="0">
+              <a:rPr lang="en-US" altLang="en-US" sz="2400" b="1">
+                <a:solidFill>
+                  <a:srgbClr val="FF0000"/>
+                </a:solidFill>
+                <a:sym typeface="+mn-ea"/>
+              </a:rPr>
+              <a:t>Cari == data tengah, selesai</a:t>
+            </a:r>
+            <a:endParaRPr lang="en-US" altLang="en-US" sz="2400" b="1">
+              <a:solidFill>
+                <a:srgbClr val="FF0000"/>
+              </a:solidFill>
+            </a:endParaRPr>
+          </a:p>
+          <a:p>
+            <a:pPr marL="0" indent="0" algn="ctr">
               <a:buNone/>
             </a:pPr>
             <a:r>
-              <a:rPr lang="en-US" altLang="en-US"/>
-              <a:t>Cari  : 20</a:t>
-            </a:r>
-            <a:endParaRPr lang="en-US" altLang="en-US"/>
-          </a:p>
-        </p:txBody>
-      </p:sp>
-      <p:sp>
-        <p:nvSpPr>
-          <p:cNvPr id="4" name="Rectangle 3"/>
-          <p:cNvSpPr/>
-          <p:nvPr/>
-        </p:nvSpPr>
-        <p:spPr>
-          <a:xfrm>
-            <a:off x="1272540" y="3792220"/>
+              <a:rPr lang="en-US" altLang="en-US" sz="2400" b="1">
+                <a:solidFill>
+                  <a:srgbClr val="FF0000"/>
+                </a:solidFill>
+                <a:sym typeface="+mn-ea"/>
+              </a:rPr>
+              <a:t>Cari &lt; data tengah, buang kanan</a:t>
+            </a:r>
+            <a:endParaRPr lang="en-US" altLang="en-US" sz="2400" b="1">
+              <a:solidFill>
+                <a:srgbClr val="FF0000"/>
+              </a:solidFill>
+            </a:endParaRPr>
+          </a:p>
+          <a:p>
+            <a:pPr marL="0" indent="0" algn="ctr">
+              <a:buNone/>
+            </a:pPr>
+            <a:r>
+              <a:rPr lang="en-US" altLang="en-US" sz="2400" b="1">
+                <a:solidFill>
+                  <a:srgbClr val="FF0000"/>
+                </a:solidFill>
+                <a:sym typeface="+mn-ea"/>
+              </a:rPr>
+              <a:t>Cari &gt; data tengah, buang kiri</a:t>
+            </a:r>
+            <a:endParaRPr lang="en-US" altLang="en-US" sz="2400" b="1">
+              <a:solidFill>
+                <a:srgbClr val="FF0000"/>
+              </a:solidFill>
+            </a:endParaRPr>
+          </a:p>
+          <a:p>
+            <a:pPr marL="0" indent="0" algn="ctr">
+              <a:buNone/>
+            </a:pPr>
+            <a:r>
+              <a:rPr lang="en-US" altLang="en-US" sz="2400" b="1">
+                <a:sym typeface="+mn-ea"/>
+              </a:rPr>
+              <a:t>Cari : 40</a:t>
+            </a:r>
+            <a:endParaRPr lang="en-US" altLang="en-US" sz="2400" b="1">
+              <a:solidFill>
+                <a:schemeClr val="tx1"/>
+              </a:solidFill>
+              <a:sym typeface="+mn-ea"/>
+            </a:endParaRPr>
+          </a:p>
+        </p:txBody>
+      </p:sp>
+      <p:sp>
+        <p:nvSpPr>
+          <p:cNvPr id="7" name="Rectangle 6"/>
+          <p:cNvSpPr/>
+          <p:nvPr/>
+        </p:nvSpPr>
+        <p:spPr>
+          <a:xfrm>
+            <a:off x="4251960" y="3792220"/>
             <a:ext cx="993140" cy="993140"/>
           </a:xfrm>
           <a:prstGeom prst="rect">
@@ -5491,591 +5418,15 @@
                 <a:solidFill>
                   <a:schemeClr val="bg1"/>
                 </a:solidFill>
-              </a:rPr>
-              <a:t>10</a:t>
+                <a:sym typeface="+mn-ea"/>
+              </a:rPr>
+              <a:t>40</a:t>
             </a:r>
             <a:endParaRPr lang="en-US" altLang="en-US" sz="2800" b="1">
               <a:solidFill>
                 <a:schemeClr val="bg1"/>
               </a:solidFill>
-            </a:endParaRPr>
-          </a:p>
-        </p:txBody>
-      </p:sp>
-      <p:sp>
-        <p:nvSpPr>
-          <p:cNvPr id="5" name="Rectangle 4"/>
-          <p:cNvSpPr/>
-          <p:nvPr/>
-        </p:nvSpPr>
-        <p:spPr>
-          <a:xfrm>
-            <a:off x="2265680" y="3792220"/>
-            <a:ext cx="993140" cy="993140"/>
-          </a:xfrm>
-          <a:prstGeom prst="rect">
-            <a:avLst/>
-          </a:prstGeom>
-        </p:spPr>
-        <p:style>
-          <a:lnRef idx="2">
-            <a:schemeClr val="accent6"/>
-          </a:lnRef>
-          <a:fillRef idx="1">
-            <a:schemeClr val="lt1"/>
-          </a:fillRef>
-          <a:effectRef idx="0">
-            <a:schemeClr val="accent6"/>
-          </a:effectRef>
-          <a:fontRef idx="minor">
-            <a:schemeClr val="dk1"/>
-          </a:fontRef>
-        </p:style>
-        <p:txBody>
-          <a:bodyPr rtlCol="0" anchor="ctr"/>
-          <a:p>
-            <a:pPr algn="ctr"/>
-            <a:r>
-              <a:rPr lang="en-US" altLang="en-US" sz="2800" b="1">
-                <a:solidFill>
-                  <a:schemeClr val="accent1"/>
-                </a:solidFill>
-                <a:sym typeface="+mn-ea"/>
-              </a:rPr>
-              <a:t>20</a:t>
-            </a:r>
-            <a:endParaRPr lang="en-US" altLang="en-US" sz="2800" b="1">
-              <a:solidFill>
-                <a:schemeClr val="accent1"/>
-              </a:solidFill>
               <a:sym typeface="+mn-ea"/>
-            </a:endParaRPr>
-          </a:p>
-        </p:txBody>
-      </p:sp>
-      <p:sp>
-        <p:nvSpPr>
-          <p:cNvPr id="6" name="Rectangle 5"/>
-          <p:cNvSpPr/>
-          <p:nvPr/>
-        </p:nvSpPr>
-        <p:spPr>
-          <a:xfrm>
-            <a:off x="3258820" y="3792220"/>
-            <a:ext cx="993140" cy="993140"/>
-          </a:xfrm>
-          <a:prstGeom prst="rect">
-            <a:avLst/>
-          </a:prstGeom>
-        </p:spPr>
-        <p:style>
-          <a:lnRef idx="2">
-            <a:schemeClr val="accent6"/>
-          </a:lnRef>
-          <a:fillRef idx="1">
-            <a:schemeClr val="lt1"/>
-          </a:fillRef>
-          <a:effectRef idx="0">
-            <a:schemeClr val="accent6"/>
-          </a:effectRef>
-          <a:fontRef idx="minor">
-            <a:schemeClr val="dk1"/>
-          </a:fontRef>
-        </p:style>
-        <p:txBody>
-          <a:bodyPr rtlCol="0" anchor="ctr"/>
-          <a:p>
-            <a:pPr algn="ctr"/>
-            <a:r>
-              <a:rPr lang="en-US" altLang="en-US" sz="2800" b="1">
-                <a:solidFill>
-                  <a:schemeClr val="accent1"/>
-                </a:solidFill>
-                <a:sym typeface="+mn-ea"/>
-              </a:rPr>
-              <a:t>30</a:t>
-            </a:r>
-            <a:endParaRPr lang="en-US" altLang="en-US" sz="2800" b="1">
-              <a:solidFill>
-                <a:schemeClr val="accent1"/>
-              </a:solidFill>
-              <a:sym typeface="+mn-ea"/>
-            </a:endParaRPr>
-          </a:p>
-        </p:txBody>
-      </p:sp>
-      <p:sp>
-        <p:nvSpPr>
-          <p:cNvPr id="7" name="Rectangle 6"/>
-          <p:cNvSpPr/>
-          <p:nvPr/>
-        </p:nvSpPr>
-        <p:spPr>
-          <a:xfrm>
-            <a:off x="4251960" y="3792220"/>
-            <a:ext cx="993140" cy="993140"/>
-          </a:xfrm>
-          <a:prstGeom prst="rect">
-            <a:avLst/>
-          </a:prstGeom>
-        </p:spPr>
-        <p:style>
-          <a:lnRef idx="2">
-            <a:schemeClr val="accent6"/>
-          </a:lnRef>
-          <a:fillRef idx="1">
-            <a:schemeClr val="lt1"/>
-          </a:fillRef>
-          <a:effectRef idx="0">
-            <a:schemeClr val="accent6"/>
-          </a:effectRef>
-          <a:fontRef idx="minor">
-            <a:schemeClr val="dk1"/>
-          </a:fontRef>
-        </p:style>
-        <p:txBody>
-          <a:bodyPr rtlCol="0" anchor="ctr"/>
-          <a:p>
-            <a:pPr algn="ctr"/>
-            <a:r>
-              <a:rPr lang="en-US" altLang="en-US" sz="2800" b="1">
-                <a:solidFill>
-                  <a:schemeClr val="accent1"/>
-                </a:solidFill>
-                <a:sym typeface="+mn-ea"/>
-              </a:rPr>
-              <a:t>40</a:t>
-            </a:r>
-            <a:endParaRPr lang="en-US" altLang="en-US" sz="2800" b="1">
-              <a:solidFill>
-                <a:schemeClr val="accent1"/>
-              </a:solidFill>
-              <a:sym typeface="+mn-ea"/>
-            </a:endParaRPr>
-          </a:p>
-        </p:txBody>
-      </p:sp>
-      <p:sp>
-        <p:nvSpPr>
-          <p:cNvPr id="8" name="Rectangle 7"/>
-          <p:cNvSpPr/>
-          <p:nvPr/>
-        </p:nvSpPr>
-        <p:spPr>
-          <a:xfrm>
-            <a:off x="5245100" y="3792220"/>
-            <a:ext cx="993140" cy="993140"/>
-          </a:xfrm>
-          <a:prstGeom prst="rect">
-            <a:avLst/>
-          </a:prstGeom>
-        </p:spPr>
-        <p:style>
-          <a:lnRef idx="2">
-            <a:schemeClr val="accent6"/>
-          </a:lnRef>
-          <a:fillRef idx="1">
-            <a:schemeClr val="lt1"/>
-          </a:fillRef>
-          <a:effectRef idx="0">
-            <a:schemeClr val="accent6"/>
-          </a:effectRef>
-          <a:fontRef idx="minor">
-            <a:schemeClr val="dk1"/>
-          </a:fontRef>
-        </p:style>
-        <p:txBody>
-          <a:bodyPr rtlCol="0" anchor="ctr"/>
-          <a:p>
-            <a:pPr algn="ctr"/>
-            <a:r>
-              <a:rPr lang="en-US" altLang="en-US" sz="2800" b="1">
-                <a:solidFill>
-                  <a:schemeClr val="accent1"/>
-                </a:solidFill>
-                <a:sym typeface="+mn-ea"/>
-              </a:rPr>
-              <a:t>50</a:t>
-            </a:r>
-            <a:endParaRPr lang="en-US" altLang="en-US" sz="2800" b="1">
-              <a:solidFill>
-                <a:schemeClr val="accent1"/>
-              </a:solidFill>
-              <a:sym typeface="+mn-ea"/>
-            </a:endParaRPr>
-          </a:p>
-        </p:txBody>
-      </p:sp>
-      <p:sp>
-        <p:nvSpPr>
-          <p:cNvPr id="9" name="Rectangle 8"/>
-          <p:cNvSpPr/>
-          <p:nvPr/>
-        </p:nvSpPr>
-        <p:spPr>
-          <a:xfrm>
-            <a:off x="6238240" y="3792220"/>
-            <a:ext cx="993140" cy="993140"/>
-          </a:xfrm>
-          <a:prstGeom prst="rect">
-            <a:avLst/>
-          </a:prstGeom>
-          <a:ln>
-            <a:solidFill>
-              <a:schemeClr val="accent6"/>
-            </a:solidFill>
-          </a:ln>
-        </p:spPr>
-        <p:style>
-          <a:lnRef idx="3">
-            <a:schemeClr val="lt1"/>
-          </a:lnRef>
-          <a:fillRef idx="1">
-            <a:schemeClr val="accent6"/>
-          </a:fillRef>
-          <a:effectRef idx="1">
-            <a:schemeClr val="accent6"/>
-          </a:effectRef>
-          <a:fontRef idx="minor">
-            <a:schemeClr val="lt1"/>
-          </a:fontRef>
-        </p:style>
-        <p:txBody>
-          <a:bodyPr rtlCol="0" anchor="ctr"/>
-          <a:p>
-            <a:pPr algn="ctr"/>
-            <a:r>
-              <a:rPr lang="en-US" altLang="en-US" sz="2800" b="1">
-                <a:solidFill>
-                  <a:schemeClr val="bg1"/>
-                </a:solidFill>
-                <a:sym typeface="+mn-ea"/>
-              </a:rPr>
-              <a:t>60</a:t>
-            </a:r>
-            <a:endParaRPr lang="en-US" altLang="en-US" sz="2800" b="1">
-              <a:solidFill>
-                <a:schemeClr val="bg1"/>
-              </a:solidFill>
-              <a:sym typeface="+mn-ea"/>
-            </a:endParaRPr>
-          </a:p>
-        </p:txBody>
-      </p:sp>
-      <p:sp>
-        <p:nvSpPr>
-          <p:cNvPr id="11" name="Rectangle 10"/>
-          <p:cNvSpPr/>
-          <p:nvPr/>
-        </p:nvSpPr>
-        <p:spPr>
-          <a:xfrm>
-            <a:off x="7231380" y="3792220"/>
-            <a:ext cx="993140" cy="993140"/>
-          </a:xfrm>
-          <a:prstGeom prst="rect">
-            <a:avLst/>
-          </a:prstGeom>
-        </p:spPr>
-        <p:style>
-          <a:lnRef idx="2">
-            <a:schemeClr val="accent6"/>
-          </a:lnRef>
-          <a:fillRef idx="1">
-            <a:schemeClr val="lt1"/>
-          </a:fillRef>
-          <a:effectRef idx="0">
-            <a:schemeClr val="accent6"/>
-          </a:effectRef>
-          <a:fontRef idx="minor">
-            <a:schemeClr val="dk1"/>
-          </a:fontRef>
-        </p:style>
-        <p:txBody>
-          <a:bodyPr rtlCol="0" anchor="ctr"/>
-          <a:p>
-            <a:pPr algn="ctr"/>
-            <a:r>
-              <a:rPr lang="en-US" altLang="en-US" sz="2800" b="1">
-                <a:solidFill>
-                  <a:schemeClr val="accent1"/>
-                </a:solidFill>
-                <a:sym typeface="+mn-ea"/>
-              </a:rPr>
-              <a:t>70</a:t>
-            </a:r>
-            <a:endParaRPr lang="en-US" altLang="en-US" sz="2800" b="1">
-              <a:solidFill>
-                <a:schemeClr val="accent1"/>
-              </a:solidFill>
-              <a:sym typeface="+mn-ea"/>
-            </a:endParaRPr>
-          </a:p>
-        </p:txBody>
-      </p:sp>
-      <p:sp>
-        <p:nvSpPr>
-          <p:cNvPr id="16" name="Rectangle 15"/>
-          <p:cNvSpPr/>
-          <p:nvPr/>
-        </p:nvSpPr>
-        <p:spPr>
-          <a:xfrm>
-            <a:off x="8224520" y="3792220"/>
-            <a:ext cx="993140" cy="993140"/>
-          </a:xfrm>
-          <a:prstGeom prst="rect">
-            <a:avLst/>
-          </a:prstGeom>
-        </p:spPr>
-        <p:style>
-          <a:lnRef idx="2">
-            <a:schemeClr val="accent6"/>
-          </a:lnRef>
-          <a:fillRef idx="1">
-            <a:schemeClr val="lt1"/>
-          </a:fillRef>
-          <a:effectRef idx="0">
-            <a:schemeClr val="accent6"/>
-          </a:effectRef>
-          <a:fontRef idx="minor">
-            <a:schemeClr val="dk1"/>
-          </a:fontRef>
-        </p:style>
-        <p:txBody>
-          <a:bodyPr rtlCol="0" anchor="ctr"/>
-          <a:p>
-            <a:pPr algn="ctr"/>
-            <a:r>
-              <a:rPr lang="en-US" altLang="en-US" sz="2800" b="1">
-                <a:solidFill>
-                  <a:schemeClr val="accent1"/>
-                </a:solidFill>
-                <a:sym typeface="+mn-ea"/>
-              </a:rPr>
-              <a:t>80</a:t>
-            </a:r>
-            <a:endParaRPr lang="en-US" altLang="en-US" sz="2800" b="1">
-              <a:solidFill>
-                <a:schemeClr val="accent1"/>
-              </a:solidFill>
-              <a:sym typeface="+mn-ea"/>
-            </a:endParaRPr>
-          </a:p>
-        </p:txBody>
-      </p:sp>
-      <p:sp>
-        <p:nvSpPr>
-          <p:cNvPr id="17" name="Rectangle 16"/>
-          <p:cNvSpPr/>
-          <p:nvPr/>
-        </p:nvSpPr>
-        <p:spPr>
-          <a:xfrm>
-            <a:off x="9217660" y="3792220"/>
-            <a:ext cx="993140" cy="993140"/>
-          </a:xfrm>
-          <a:prstGeom prst="rect">
-            <a:avLst/>
-          </a:prstGeom>
-        </p:spPr>
-        <p:style>
-          <a:lnRef idx="2">
-            <a:schemeClr val="accent6"/>
-          </a:lnRef>
-          <a:fillRef idx="1">
-            <a:schemeClr val="lt1"/>
-          </a:fillRef>
-          <a:effectRef idx="0">
-            <a:schemeClr val="accent6"/>
-          </a:effectRef>
-          <a:fontRef idx="minor">
-            <a:schemeClr val="dk1"/>
-          </a:fontRef>
-        </p:style>
-        <p:txBody>
-          <a:bodyPr rtlCol="0" anchor="ctr"/>
-          <a:p>
-            <a:pPr algn="ctr"/>
-            <a:r>
-              <a:rPr lang="en-US" altLang="en-US" sz="2800" b="1">
-                <a:solidFill>
-                  <a:schemeClr val="accent1"/>
-                </a:solidFill>
-                <a:sym typeface="+mn-ea"/>
-              </a:rPr>
-              <a:t>90</a:t>
-            </a:r>
-            <a:endParaRPr lang="en-US" altLang="en-US" sz="2800" b="1">
-              <a:solidFill>
-                <a:schemeClr val="accent1"/>
-              </a:solidFill>
-              <a:sym typeface="+mn-ea"/>
-            </a:endParaRPr>
-          </a:p>
-        </p:txBody>
-      </p:sp>
-      <p:sp>
-        <p:nvSpPr>
-          <p:cNvPr id="18" name="Rectangle 17"/>
-          <p:cNvSpPr/>
-          <p:nvPr/>
-        </p:nvSpPr>
-        <p:spPr>
-          <a:xfrm>
-            <a:off x="10210800" y="3792220"/>
-            <a:ext cx="993140" cy="993140"/>
-          </a:xfrm>
-          <a:prstGeom prst="rect">
-            <a:avLst/>
-          </a:prstGeom>
-        </p:spPr>
-        <p:style>
-          <a:lnRef idx="2">
-            <a:schemeClr val="accent5">
-              <a:shade val="50000"/>
-            </a:schemeClr>
-          </a:lnRef>
-          <a:fillRef idx="1">
-            <a:schemeClr val="accent5"/>
-          </a:fillRef>
-          <a:effectRef idx="0">
-            <a:schemeClr val="accent5"/>
-          </a:effectRef>
-          <a:fontRef idx="minor">
-            <a:schemeClr val="lt1"/>
-          </a:fontRef>
-        </p:style>
-        <p:txBody>
-          <a:bodyPr rtlCol="0" anchor="ctr"/>
-          <a:p>
-            <a:pPr algn="ctr"/>
-            <a:r>
-              <a:rPr lang="en-US" altLang="en-US" sz="2800" b="1">
-                <a:solidFill>
-                  <a:schemeClr val="bg1"/>
-                </a:solidFill>
-                <a:sym typeface="+mn-ea"/>
-              </a:rPr>
-              <a:t>100</a:t>
-            </a:r>
-            <a:endParaRPr lang="en-US" altLang="en-US" sz="2800" b="1">
-              <a:solidFill>
-                <a:schemeClr val="bg1"/>
-              </a:solidFill>
-              <a:sym typeface="+mn-ea"/>
-            </a:endParaRPr>
-          </a:p>
-        </p:txBody>
-      </p:sp>
-      <p:sp>
-        <p:nvSpPr>
-          <p:cNvPr id="20" name="Text Box 19"/>
-          <p:cNvSpPr txBox="1"/>
-          <p:nvPr/>
-        </p:nvSpPr>
-        <p:spPr>
-          <a:xfrm>
-            <a:off x="4914265" y="5082540"/>
-            <a:ext cx="3474720" cy="460375"/>
-          </a:xfrm>
-          <a:prstGeom prst="rect">
-            <a:avLst/>
-          </a:prstGeom>
-          <a:noFill/>
-        </p:spPr>
-        <p:txBody>
-          <a:bodyPr wrap="square" rtlCol="0">
-            <a:spAutoFit/>
-            <a:scene3d>
-              <a:camera prst="orthographicFront"/>
-              <a:lightRig rig="threePt" dir="t"/>
-            </a:scene3d>
-          </a:bodyPr>
-          <a:p>
-            <a:pPr algn="ctr"/>
-            <a:r>
-              <a:rPr lang="en-US" altLang="en-US" sz="2400" b="1">
-                <a:solidFill>
-                  <a:schemeClr val="accent1"/>
-                </a:solidFill>
-                <a:effectLst>
-                  <a:outerShdw blurRad="38100" dist="25400" dir="5400000" algn="ctr" rotWithShape="0">
-                    <a:srgbClr val="6E747A">
-                      <a:alpha val="43000"/>
-                    </a:srgbClr>
-                  </a:outerShdw>
-                </a:effectLst>
-              </a:rPr>
-              <a:t>Mid = (Low + High) / 2</a:t>
-            </a:r>
-            <a:endParaRPr lang="en-US" altLang="en-US" sz="2400" b="1">
-              <a:solidFill>
-                <a:schemeClr val="accent1"/>
-              </a:solidFill>
-              <a:effectLst>
-                <a:outerShdw blurRad="38100" dist="25400" dir="5400000" algn="ctr" rotWithShape="0">
-                  <a:srgbClr val="6E747A">
-                    <a:alpha val="43000"/>
-                  </a:srgbClr>
-                </a:outerShdw>
-              </a:effectLst>
-            </a:endParaRPr>
-          </a:p>
-        </p:txBody>
-      </p:sp>
-      <p:sp>
-        <p:nvSpPr>
-          <p:cNvPr id="21" name="Text Box 20"/>
-          <p:cNvSpPr txBox="1"/>
-          <p:nvPr/>
-        </p:nvSpPr>
-        <p:spPr>
-          <a:xfrm>
-            <a:off x="4913630" y="5716905"/>
-            <a:ext cx="3311525" cy="460375"/>
-          </a:xfrm>
-          <a:prstGeom prst="rect">
-            <a:avLst/>
-          </a:prstGeom>
-          <a:noFill/>
-        </p:spPr>
-        <p:txBody>
-          <a:bodyPr wrap="square" rtlCol="0">
-            <a:spAutoFit/>
-            <a:scene3d>
-              <a:camera prst="orthographicFront"/>
-              <a:lightRig rig="threePt" dir="t"/>
-            </a:scene3d>
-          </a:bodyPr>
-          <a:p>
-            <a:pPr algn="ctr"/>
-            <a:r>
-              <a:rPr lang="en-US" altLang="en-US" sz="2400" b="1">
-                <a:solidFill>
-                  <a:schemeClr val="accent1"/>
-                </a:solidFill>
-                <a:effectLst>
-                  <a:outerShdw blurRad="38100" dist="25400" dir="5400000" algn="ctr" rotWithShape="0">
-                    <a:srgbClr val="6E747A">
-                      <a:alpha val="43000"/>
-                    </a:srgbClr>
-                  </a:outerShdw>
-                </a:effectLst>
-              </a:rPr>
-              <a:t>Mid = (0 + 10) / 2 = 5</a:t>
-            </a:r>
-            <a:endParaRPr lang="en-US" altLang="en-US" sz="2400" b="1">
-              <a:solidFill>
-                <a:schemeClr val="accent1"/>
-              </a:solidFill>
-              <a:effectLst>
-                <a:outerShdw blurRad="38100" dist="25400" dir="5400000" algn="ctr" rotWithShape="0">
-                  <a:srgbClr val="6E747A">
-                    <a:alpha val="43000"/>
-                  </a:srgbClr>
-                </a:outerShdw>
-              </a:effectLst>
             </a:endParaRPr>
           </a:p>
         </p:txBody>
@@ -6139,9 +5490,7 @@
               <a:buNone/>
             </a:pPr>
             <a:r>
-              <a:rPr lang="en-US" altLang="en-US">
-                <a:sym typeface="+mn-ea"/>
-              </a:rPr>
+              <a:rPr lang="en-US" altLang="en-US"/>
               <a:t>Data : [10, 20, 30, 40, 50, 60, 70, 80, 90, 100]</a:t>
             </a:r>
             <a:endParaRPr lang="en-US" altLang="en-US"/>
@@ -6151,9 +5500,7 @@
               <a:buNone/>
             </a:pPr>
             <a:r>
-              <a:rPr lang="en-US" altLang="en-US">
-                <a:sym typeface="+mn-ea"/>
-              </a:rPr>
+              <a:rPr lang="en-US" altLang="en-US"/>
               <a:t>Cari  : 20</a:t>
             </a:r>
             <a:endParaRPr lang="en-US" altLang="en-US"/>
@@ -6201,17 +5548,9 @@
                   <a:schemeClr val="bg1"/>
                 </a:solidFill>
               </a:rPr>
-              <a:t>1</a:t>
-            </a:r>
-            <a:r>
-              <a:rPr lang="" altLang="en-US" sz="2800" b="1">
-                <a:solidFill>
-                  <a:schemeClr val="bg1"/>
-                </a:solidFill>
-              </a:rPr>
-              <a:t>0</a:t>
-            </a:r>
-            <a:endParaRPr lang="" altLang="en-US" sz="2800" b="1">
+              <a:t>10</a:t>
+            </a:r>
+            <a:endParaRPr lang="en-US" altLang="en-US" sz="2800" b="1">
               <a:solidFill>
                 <a:schemeClr val="bg1"/>
               </a:solidFill>
@@ -6259,18 +5598,9 @@
                 </a:solidFill>
                 <a:sym typeface="+mn-ea"/>
               </a:rPr>
-              <a:t>2</a:t>
-            </a:r>
-            <a:r>
-              <a:rPr lang="" altLang="en-US" sz="2800" b="1">
-                <a:solidFill>
-                  <a:schemeClr val="accent1"/>
-                </a:solidFill>
-                <a:sym typeface="+mn-ea"/>
-              </a:rPr>
-              <a:t>0</a:t>
-            </a:r>
-            <a:endParaRPr lang="" altLang="en-US" sz="2800" b="1">
+              <a:t>20</a:t>
+            </a:r>
+            <a:endParaRPr lang="en-US" altLang="en-US" sz="2800" b="1">
               <a:solidFill>
                 <a:schemeClr val="accent1"/>
               </a:solidFill>
@@ -6319,18 +5649,9 @@
                 </a:solidFill>
                 <a:sym typeface="+mn-ea"/>
               </a:rPr>
-              <a:t>3</a:t>
-            </a:r>
-            <a:r>
-              <a:rPr lang="" altLang="en-US" sz="2800" b="1">
-                <a:solidFill>
-                  <a:schemeClr val="accent1"/>
-                </a:solidFill>
-                <a:sym typeface="+mn-ea"/>
-              </a:rPr>
-              <a:t>0</a:t>
-            </a:r>
-            <a:endParaRPr lang="" altLang="en-US" sz="2800" b="1">
+              <a:t>30</a:t>
+            </a:r>
+            <a:endParaRPr lang="en-US" altLang="en-US" sz="2800" b="1">
               <a:solidFill>
                 <a:schemeClr val="accent1"/>
               </a:solidFill>
@@ -6379,18 +5700,9 @@
                 </a:solidFill>
                 <a:sym typeface="+mn-ea"/>
               </a:rPr>
-              <a:t>4</a:t>
-            </a:r>
-            <a:r>
-              <a:rPr lang="" altLang="en-US" sz="2800" b="1">
-                <a:solidFill>
-                  <a:schemeClr val="accent1"/>
-                </a:solidFill>
-                <a:sym typeface="+mn-ea"/>
-              </a:rPr>
-              <a:t>0</a:t>
-            </a:r>
-            <a:endParaRPr lang="" altLang="en-US" sz="2800" b="1">
+              <a:t>40</a:t>
+            </a:r>
+            <a:endParaRPr lang="en-US" altLang="en-US" sz="2800" b="1">
               <a:solidFill>
                 <a:schemeClr val="accent1"/>
               </a:solidFill>
@@ -6439,18 +5751,9 @@
                 </a:solidFill>
                 <a:sym typeface="+mn-ea"/>
               </a:rPr>
-              <a:t>5</a:t>
-            </a:r>
-            <a:r>
-              <a:rPr lang="" altLang="en-US" sz="2800" b="1">
-                <a:solidFill>
-                  <a:schemeClr val="accent1"/>
-                </a:solidFill>
-                <a:sym typeface="+mn-ea"/>
-              </a:rPr>
-              <a:t>0</a:t>
-            </a:r>
-            <a:endParaRPr lang="" altLang="en-US" sz="2800" b="1">
+              <a:t>50</a:t>
+            </a:r>
+            <a:endParaRPr lang="en-US" altLang="en-US" sz="2800" b="1">
               <a:solidFill>
                 <a:schemeClr val="accent1"/>
               </a:solidFill>
@@ -6504,18 +5807,9 @@
                 </a:solidFill>
                 <a:sym typeface="+mn-ea"/>
               </a:rPr>
-              <a:t>6</a:t>
-            </a:r>
-            <a:r>
-              <a:rPr lang="" altLang="en-US" sz="2800" b="1">
-                <a:solidFill>
-                  <a:schemeClr val="bg1"/>
-                </a:solidFill>
-                <a:sym typeface="+mn-ea"/>
-              </a:rPr>
-              <a:t>0</a:t>
-            </a:r>
-            <a:endParaRPr lang="" altLang="en-US" sz="2800" b="1">
+              <a:t>60</a:t>
+            </a:r>
+            <a:endParaRPr lang="en-US" altLang="en-US" sz="2800" b="1">
               <a:solidFill>
                 <a:schemeClr val="bg1"/>
               </a:solidFill>
@@ -6564,18 +5858,9 @@
                 </a:solidFill>
                 <a:sym typeface="+mn-ea"/>
               </a:rPr>
-              <a:t>7</a:t>
-            </a:r>
-            <a:r>
-              <a:rPr lang="" altLang="en-US" sz="2800" b="1">
-                <a:solidFill>
-                  <a:schemeClr val="accent1"/>
-                </a:solidFill>
-                <a:sym typeface="+mn-ea"/>
-              </a:rPr>
-              <a:t>0</a:t>
-            </a:r>
-            <a:endParaRPr lang="" altLang="en-US" sz="2800" b="1">
+              <a:t>70</a:t>
+            </a:r>
+            <a:endParaRPr lang="en-US" altLang="en-US" sz="2800" b="1">
               <a:solidFill>
                 <a:schemeClr val="accent1"/>
               </a:solidFill>
@@ -6624,18 +5909,9 @@
                 </a:solidFill>
                 <a:sym typeface="+mn-ea"/>
               </a:rPr>
-              <a:t>8</a:t>
-            </a:r>
-            <a:r>
-              <a:rPr lang="" altLang="en-US" sz="2800" b="1">
-                <a:solidFill>
-                  <a:schemeClr val="accent1"/>
-                </a:solidFill>
-                <a:sym typeface="+mn-ea"/>
-              </a:rPr>
-              <a:t>0</a:t>
-            </a:r>
-            <a:endParaRPr lang="" altLang="en-US" sz="2800" b="1">
+              <a:t>80</a:t>
+            </a:r>
+            <a:endParaRPr lang="en-US" altLang="en-US" sz="2800" b="1">
               <a:solidFill>
                 <a:schemeClr val="accent1"/>
               </a:solidFill>
@@ -6684,18 +5960,9 @@
                 </a:solidFill>
                 <a:sym typeface="+mn-ea"/>
               </a:rPr>
-              <a:t>9</a:t>
-            </a:r>
-            <a:r>
-              <a:rPr lang="" altLang="en-US" sz="2800" b="1">
-                <a:solidFill>
-                  <a:schemeClr val="accent1"/>
-                </a:solidFill>
-                <a:sym typeface="+mn-ea"/>
-              </a:rPr>
-              <a:t>0</a:t>
-            </a:r>
-            <a:endParaRPr lang="" altLang="en-US" sz="2800" b="1">
+              <a:t>90</a:t>
+            </a:r>
+            <a:endParaRPr lang="en-US" altLang="en-US" sz="2800" b="1">
               <a:solidFill>
                 <a:schemeClr val="accent1"/>
               </a:solidFill>
@@ -6746,18 +6013,9 @@
                 </a:solidFill>
                 <a:sym typeface="+mn-ea"/>
               </a:rPr>
-              <a:t>10</a:t>
-            </a:r>
-            <a:r>
-              <a:rPr lang="" altLang="en-US" sz="2800" b="1">
-                <a:solidFill>
-                  <a:schemeClr val="bg1"/>
-                </a:solidFill>
-                <a:sym typeface="+mn-ea"/>
-              </a:rPr>
-              <a:t>0</a:t>
-            </a:r>
-            <a:endParaRPr lang="" altLang="en-US" sz="2800" b="1">
+              <a:t>100</a:t>
+            </a:r>
+            <a:endParaRPr lang="en-US" altLang="en-US" sz="2800" b="1">
               <a:solidFill>
                 <a:schemeClr val="bg1"/>
               </a:solidFill>
@@ -6774,7 +6032,7 @@
         </p:nvSpPr>
         <p:spPr>
           <a:xfrm>
-            <a:off x="4997450" y="5082540"/>
+            <a:off x="4914265" y="5082540"/>
             <a:ext cx="3474720" cy="460375"/>
           </a:xfrm>
           <a:prstGeom prst="rect">
@@ -6793,7 +6051,7 @@
           <a:p>
             <a:pPr algn="ctr"/>
             <a:r>
-              <a:rPr lang="" altLang="en-US" sz="2400" b="1">
+              <a:rPr lang="en-US" altLang="en-US" sz="2400" b="1">
                 <a:solidFill>
                   <a:schemeClr val="accent1"/>
                 </a:solidFill>
@@ -6805,9 +6063,9 @@
                   </a:outerShdw>
                 </a:effectLst>
               </a:rPr>
-              <a:t>20 == 60 ?</a:t>
-            </a:r>
-            <a:endParaRPr lang="" altLang="en-US" sz="2400" b="1">
+              <a:t>Mid = (Low + High) / 2</a:t>
+            </a:r>
+            <a:endParaRPr lang="en-US" altLang="en-US" sz="2400" b="1">
               <a:solidFill>
                 <a:schemeClr val="accent1"/>
               </a:solidFill>
@@ -6824,14 +6082,14 @@
       </p:sp>
       <p:sp>
         <p:nvSpPr>
-          <p:cNvPr id="13" name="Text Box 12"/>
+          <p:cNvPr id="21" name="Text Box 20"/>
           <p:cNvSpPr txBox="1"/>
           <p:nvPr/>
         </p:nvSpPr>
         <p:spPr>
           <a:xfrm>
-            <a:off x="4997450" y="5542915"/>
-            <a:ext cx="3474720" cy="460375"/>
+            <a:off x="4913630" y="5716905"/>
+            <a:ext cx="3311525" cy="460375"/>
           </a:xfrm>
           <a:prstGeom prst="rect">
             <a:avLst/>
@@ -6849,9 +6107,9 @@
           <a:p>
             <a:pPr algn="ctr"/>
             <a:r>
-              <a:rPr lang="" altLang="en-US" sz="2400" b="1">
-                <a:solidFill>
-                  <a:srgbClr val="FF0000"/>
+              <a:rPr lang="en-US" altLang="en-US" sz="2400" b="1">
+                <a:solidFill>
+                  <a:schemeClr val="accent1"/>
                 </a:solidFill>
                 <a:effectLst>
                   <a:outerShdw blurRad="38100" dist="25400" dir="5400000" algn="ctr" rotWithShape="0">
@@ -6861,153 +6119,7 @@
                   </a:outerShdw>
                 </a:effectLst>
               </a:rPr>
-              <a:t>20 &lt; 60 ?</a:t>
-            </a:r>
-            <a:endParaRPr lang="" altLang="en-US" sz="2400" b="1">
-              <a:solidFill>
-                <a:srgbClr val="FF0000"/>
-              </a:solidFill>
-              <a:effectLst>
-                <a:outerShdw blurRad="38100" dist="25400" dir="5400000" algn="ctr" rotWithShape="0">
-                  <a:srgbClr val="6E747A">
-                    <a:alpha val="43000"/>
-                  </a:srgbClr>
-                </a:outerShdw>
-              </a:effectLst>
-            </a:endParaRPr>
-          </a:p>
-        </p:txBody>
-      </p:sp>
-      <p:sp>
-        <p:nvSpPr>
-          <p:cNvPr id="14" name="Text Box 13"/>
-          <p:cNvSpPr txBox="1"/>
-          <p:nvPr/>
-        </p:nvSpPr>
-        <p:spPr>
-          <a:xfrm>
-            <a:off x="4997450" y="6003290"/>
-            <a:ext cx="3474720" cy="460375"/>
-          </a:xfrm>
-          <a:prstGeom prst="rect">
-            <a:avLst/>
-          </a:prstGeom>
-          <a:noFill/>
-        </p:spPr>
-        <p:txBody>
-          <a:bodyPr wrap="square" rtlCol="0">
-            <a:spAutoFit/>
-            <a:scene3d>
-              <a:camera prst="orthographicFront"/>
-              <a:lightRig rig="threePt" dir="t"/>
-            </a:scene3d>
-          </a:bodyPr>
-          <a:p>
-            <a:pPr algn="ctr"/>
-            <a:r>
-              <a:rPr lang="en-US" altLang="en-US" sz="2400" b="1">
-                <a:solidFill>
-                  <a:schemeClr val="accent1"/>
-                </a:solidFill>
-                <a:effectLst>
-                  <a:outerShdw blurRad="38100" dist="25400" dir="5400000" algn="ctr" rotWithShape="0">
-                    <a:srgbClr val="6E747A">
-                      <a:alpha val="43000"/>
-                    </a:srgbClr>
-                  </a:outerShdw>
-                </a:effectLst>
-              </a:rPr>
-              <a:t>2</a:t>
-            </a:r>
-            <a:r>
-              <a:rPr lang="" altLang="en-US" sz="2400" b="1">
-                <a:solidFill>
-                  <a:schemeClr val="accent1"/>
-                </a:solidFill>
-                <a:effectLst>
-                  <a:outerShdw blurRad="38100" dist="25400" dir="5400000" algn="ctr" rotWithShape="0">
-                    <a:srgbClr val="6E747A">
-                      <a:alpha val="43000"/>
-                    </a:srgbClr>
-                  </a:outerShdw>
-                </a:effectLst>
-              </a:rPr>
-              <a:t>0</a:t>
-            </a:r>
-            <a:r>
-              <a:rPr lang="en-US" altLang="en-US" sz="2400" b="1">
-                <a:solidFill>
-                  <a:schemeClr val="accent1"/>
-                </a:solidFill>
-                <a:effectLst>
-                  <a:outerShdw blurRad="38100" dist="25400" dir="5400000" algn="ctr" rotWithShape="0">
-                    <a:srgbClr val="6E747A">
-                      <a:alpha val="43000"/>
-                    </a:srgbClr>
-                  </a:outerShdw>
-                </a:effectLst>
-              </a:rPr>
-              <a:t> </a:t>
-            </a:r>
-            <a:r>
-              <a:rPr lang="" altLang="en-US" sz="2400" b="1">
-                <a:solidFill>
-                  <a:schemeClr val="accent1"/>
-                </a:solidFill>
-                <a:effectLst>
-                  <a:outerShdw blurRad="38100" dist="25400" dir="5400000" algn="ctr" rotWithShape="0">
-                    <a:srgbClr val="6E747A">
-                      <a:alpha val="43000"/>
-                    </a:srgbClr>
-                  </a:outerShdw>
-                </a:effectLst>
-              </a:rPr>
-              <a:t>&gt;</a:t>
-            </a:r>
-            <a:r>
-              <a:rPr lang="en-US" altLang="en-US" sz="2400" b="1">
-                <a:solidFill>
-                  <a:schemeClr val="accent1"/>
-                </a:solidFill>
-                <a:effectLst>
-                  <a:outerShdw blurRad="38100" dist="25400" dir="5400000" algn="ctr" rotWithShape="0">
-                    <a:srgbClr val="6E747A">
-                      <a:alpha val="43000"/>
-                    </a:srgbClr>
-                  </a:outerShdw>
-                </a:effectLst>
-              </a:rPr>
-              <a:t> 6</a:t>
-            </a:r>
-            <a:r>
-              <a:rPr lang="" altLang="en-US" sz="2400" b="1">
-                <a:solidFill>
-                  <a:schemeClr val="accent1"/>
-                </a:solidFill>
-                <a:effectLst>
-                  <a:outerShdw blurRad="38100" dist="25400" dir="5400000" algn="ctr" rotWithShape="0">
-                    <a:srgbClr val="6E747A">
-                      <a:alpha val="43000"/>
-                    </a:srgbClr>
-                  </a:outerShdw>
-                </a:effectLst>
-              </a:rPr>
-              <a:t>0</a:t>
-            </a:r>
-            <a:r>
-              <a:rPr lang="en-US" altLang="en-US" sz="2400" b="1">
-                <a:solidFill>
-                  <a:schemeClr val="accent1"/>
-                </a:solidFill>
-                <a:effectLst>
-                  <a:outerShdw blurRad="38100" dist="25400" dir="5400000" algn="ctr" rotWithShape="0">
-                    <a:srgbClr val="6E747A">
-                      <a:alpha val="43000"/>
-                    </a:srgbClr>
-                  </a:outerShdw>
-                </a:effectLst>
-              </a:rPr>
-              <a:t> ?</a:t>
+              <a:t>Mid = (0 + 10) / 2 = 5</a:t>
             </a:r>
             <a:endParaRPr lang="en-US" altLang="en-US" sz="2400" b="1">
               <a:solidFill>
@@ -7623,14 +6735,14 @@
       </p:sp>
       <p:sp>
         <p:nvSpPr>
-          <p:cNvPr id="10" name="Text Box 9"/>
+          <p:cNvPr id="20" name="Text Box 19"/>
           <p:cNvSpPr txBox="1"/>
           <p:nvPr/>
         </p:nvSpPr>
         <p:spPr>
           <a:xfrm>
-            <a:off x="4871720" y="5082540"/>
-            <a:ext cx="2233295" cy="1198880"/>
+            <a:off x="4997450" y="5082540"/>
+            <a:ext cx="3474720" cy="460375"/>
           </a:xfrm>
           <a:prstGeom prst="rect">
             <a:avLst/>
@@ -7646,7 +6758,7 @@
             </a:scene3d>
           </a:bodyPr>
           <a:p>
-            <a:pPr algn="l"/>
+            <a:pPr algn="ctr"/>
             <a:r>
               <a:rPr lang="en-US" altLang="en-US" sz="2400" b="1">
                 <a:solidFill>
@@ -7660,7 +6772,7 @@
                   </a:outerShdw>
                 </a:effectLst>
               </a:rPr>
-              <a:t>high = mid - 1</a:t>
+              <a:t>20 == 60 ?</a:t>
             </a:r>
             <a:endParaRPr lang="en-US" altLang="en-US" sz="2400" b="1">
               <a:solidFill>
@@ -7675,12 +6787,38 @@
               </a:effectLst>
             </a:endParaRPr>
           </a:p>
-          <a:p>
-            <a:pPr algn="l"/>
+        </p:txBody>
+      </p:sp>
+      <p:sp>
+        <p:nvSpPr>
+          <p:cNvPr id="13" name="Text Box 12"/>
+          <p:cNvSpPr txBox="1"/>
+          <p:nvPr/>
+        </p:nvSpPr>
+        <p:spPr>
+          <a:xfrm>
+            <a:off x="4997450" y="5542915"/>
+            <a:ext cx="3474720" cy="460375"/>
+          </a:xfrm>
+          <a:prstGeom prst="rect">
+            <a:avLst/>
+          </a:prstGeom>
+          <a:noFill/>
+        </p:spPr>
+        <p:txBody>
+          <a:bodyPr wrap="square" rtlCol="0">
+            <a:spAutoFit/>
+            <a:scene3d>
+              <a:camera prst="orthographicFront"/>
+              <a:lightRig rig="threePt" dir="t"/>
+            </a:scene3d>
+          </a:bodyPr>
+          <a:p>
+            <a:pPr algn="ctr"/>
             <a:r>
               <a:rPr lang="en-US" altLang="en-US" sz="2400" b="1">
                 <a:solidFill>
-                  <a:schemeClr val="accent1"/>
+                  <a:srgbClr val="FF0000"/>
                 </a:solidFill>
                 <a:effectLst>
                   <a:outerShdw blurRad="38100" dist="25400" dir="5400000" algn="ctr" rotWithShape="0">
@@ -7690,11 +6828,11 @@
                   </a:outerShdw>
                 </a:effectLst>
               </a:rPr>
-              <a:t>         = 5 - 1</a:t>
+              <a:t>20 &lt; 60 ?</a:t>
             </a:r>
             <a:endParaRPr lang="en-US" altLang="en-US" sz="2400" b="1">
               <a:solidFill>
-                <a:schemeClr val="accent1"/>
+                <a:srgbClr val="FF0000"/>
               </a:solidFill>
               <a:effectLst>
                 <a:outerShdw blurRad="38100" dist="25400" dir="5400000" algn="ctr" rotWithShape="0">
@@ -7705,8 +6843,34 @@
               </a:effectLst>
             </a:endParaRPr>
           </a:p>
-          <a:p>
-            <a:pPr algn="l"/>
+        </p:txBody>
+      </p:sp>
+      <p:sp>
+        <p:nvSpPr>
+          <p:cNvPr id="14" name="Text Box 13"/>
+          <p:cNvSpPr txBox="1"/>
+          <p:nvPr/>
+        </p:nvSpPr>
+        <p:spPr>
+          <a:xfrm>
+            <a:off x="4997450" y="6003290"/>
+            <a:ext cx="3474720" cy="460375"/>
+          </a:xfrm>
+          <a:prstGeom prst="rect">
+            <a:avLst/>
+          </a:prstGeom>
+          <a:noFill/>
+        </p:spPr>
+        <p:txBody>
+          <a:bodyPr wrap="square" rtlCol="0">
+            <a:spAutoFit/>
+            <a:scene3d>
+              <a:camera prst="orthographicFront"/>
+              <a:lightRig rig="threePt" dir="t"/>
+            </a:scene3d>
+          </a:bodyPr>
+          <a:p>
+            <a:pPr algn="ctr"/>
             <a:r>
               <a:rPr lang="en-US" altLang="en-US" sz="2400" b="1">
                 <a:solidFill>
@@ -7720,123 +6884,7 @@
                   </a:outerShdw>
                 </a:effectLst>
               </a:rPr>
-              <a:t>         = 4</a:t>
-            </a:r>
-            <a:endParaRPr lang="en-US" altLang="en-US" sz="2400" b="1">
-              <a:solidFill>
-                <a:schemeClr val="accent1"/>
-              </a:solidFill>
-              <a:effectLst>
-                <a:outerShdw blurRad="38100" dist="25400" dir="5400000" algn="ctr" rotWithShape="0">
-                  <a:srgbClr val="6E747A">
-                    <a:alpha val="43000"/>
-                  </a:srgbClr>
-                </a:outerShdw>
-              </a:effectLst>
-            </a:endParaRPr>
-          </a:p>
-        </p:txBody>
-      </p:sp>
-      <p:sp>
-        <p:nvSpPr>
-          <p:cNvPr id="12" name="Text Box 11"/>
-          <p:cNvSpPr txBox="1"/>
-          <p:nvPr/>
-        </p:nvSpPr>
-        <p:spPr>
-          <a:xfrm>
-            <a:off x="1272540" y="5082540"/>
-            <a:ext cx="3226435" cy="1198880"/>
-          </a:xfrm>
-          <a:prstGeom prst="rect">
-            <a:avLst/>
-          </a:prstGeom>
-          <a:noFill/>
-        </p:spPr>
-        <p:txBody>
-          <a:bodyPr wrap="square" rtlCol="0">
-            <a:spAutoFit/>
-            <a:scene3d>
-              <a:camera prst="orthographicFront"/>
-              <a:lightRig rig="threePt" dir="t"/>
-            </a:scene3d>
-          </a:bodyPr>
-          <a:p>
-            <a:pPr algn="l"/>
-            <a:r>
-              <a:rPr lang="en-US" altLang="en-US" sz="2400" b="1">
-                <a:solidFill>
-                  <a:schemeClr val="accent1"/>
-                </a:solidFill>
-                <a:effectLst>
-                  <a:outerShdw blurRad="38100" dist="25400" dir="5400000" algn="ctr" rotWithShape="0">
-                    <a:srgbClr val="6E747A">
-                      <a:alpha val="43000"/>
-                    </a:srgbClr>
-                  </a:outerShdw>
-                </a:effectLst>
-              </a:rPr>
-              <a:t>mid = (low + high) / 2</a:t>
-            </a:r>
-            <a:endParaRPr lang="en-US" altLang="en-US" sz="2400" b="1">
-              <a:solidFill>
-                <a:schemeClr val="accent1"/>
-              </a:solidFill>
-              <a:effectLst>
-                <a:outerShdw blurRad="38100" dist="25400" dir="5400000" algn="ctr" rotWithShape="0">
-                  <a:srgbClr val="6E747A">
-                    <a:alpha val="43000"/>
-                  </a:srgbClr>
-                </a:outerShdw>
-              </a:effectLst>
-            </a:endParaRPr>
-          </a:p>
-          <a:p>
-            <a:pPr algn="l"/>
-            <a:r>
-              <a:rPr lang="en-US" altLang="en-US" sz="2400" b="1">
-                <a:solidFill>
-                  <a:schemeClr val="accent1"/>
-                </a:solidFill>
-                <a:effectLst>
-                  <a:outerShdw blurRad="38100" dist="25400" dir="5400000" algn="ctr" rotWithShape="0">
-                    <a:srgbClr val="6E747A">
-                      <a:alpha val="43000"/>
-                    </a:srgbClr>
-                  </a:outerShdw>
-                </a:effectLst>
-              </a:rPr>
-              <a:t>       = (0 - 4) / 2</a:t>
-            </a:r>
-            <a:endParaRPr lang="en-US" altLang="en-US" sz="2400" b="1">
-              <a:solidFill>
-                <a:schemeClr val="accent1"/>
-              </a:solidFill>
-              <a:effectLst>
-                <a:outerShdw blurRad="38100" dist="25400" dir="5400000" algn="ctr" rotWithShape="0">
-                  <a:srgbClr val="6E747A">
-                    <a:alpha val="43000"/>
-                  </a:srgbClr>
-                </a:outerShdw>
-              </a:effectLst>
-            </a:endParaRPr>
-          </a:p>
-          <a:p>
-            <a:pPr algn="l"/>
-            <a:r>
-              <a:rPr lang="en-US" altLang="en-US" sz="2400" b="1">
-                <a:solidFill>
-                  <a:schemeClr val="accent1"/>
-                </a:solidFill>
-                <a:effectLst>
-                  <a:outerShdw blurRad="38100" dist="25400" dir="5400000" algn="ctr" rotWithShape="0">
-                    <a:srgbClr val="6E747A">
-                      <a:alpha val="43000"/>
-                    </a:srgbClr>
-                  </a:outerShdw>
-                </a:effectLst>
-              </a:rPr>
-              <a:t>       = 2</a:t>
+              <a:t>20 &gt; 60 ?</a:t>
             </a:r>
             <a:endParaRPr lang="en-US" altLang="en-US" sz="2400" b="1">
               <a:solidFill>
@@ -7974,17 +7022,9 @@
                   <a:schemeClr val="bg1"/>
                 </a:solidFill>
               </a:rPr>
-              <a:t>1</a:t>
-            </a:r>
-            <a:r>
-              <a:rPr lang="" altLang="en-US" sz="2800" b="1">
-                <a:solidFill>
-                  <a:schemeClr val="bg1"/>
-                </a:solidFill>
-              </a:rPr>
-              <a:t>0</a:t>
-            </a:r>
-            <a:endParaRPr lang="" altLang="en-US" sz="2800" b="1">
+              <a:t>10</a:t>
+            </a:r>
+            <a:endParaRPr lang="en-US" altLang="en-US" sz="2800" b="1">
               <a:solidFill>
                 <a:schemeClr val="bg1"/>
               </a:solidFill>
@@ -8032,18 +7072,9 @@
                 </a:solidFill>
                 <a:sym typeface="+mn-ea"/>
               </a:rPr>
-              <a:t>2</a:t>
-            </a:r>
-            <a:r>
-              <a:rPr lang="" altLang="en-US" sz="2800" b="1">
-                <a:solidFill>
-                  <a:schemeClr val="accent1"/>
-                </a:solidFill>
-                <a:sym typeface="+mn-ea"/>
-              </a:rPr>
-              <a:t>0</a:t>
-            </a:r>
-            <a:endParaRPr lang="" altLang="en-US" sz="2800" b="1">
+              <a:t>20</a:t>
+            </a:r>
+            <a:endParaRPr lang="en-US" altLang="en-US" sz="2800" b="1">
               <a:solidFill>
                 <a:schemeClr val="accent1"/>
               </a:solidFill>
@@ -8069,14 +7100,170 @@
         </p:spPr>
         <p:style>
           <a:lnRef idx="2">
-            <a:schemeClr val="accent6">
-              <a:shade val="50000"/>
-            </a:schemeClr>
+            <a:schemeClr val="accent6"/>
           </a:lnRef>
           <a:fillRef idx="1">
-            <a:schemeClr val="accent6"/>
+            <a:schemeClr val="lt1"/>
           </a:fillRef>
           <a:effectRef idx="0">
+            <a:schemeClr val="accent6"/>
+          </a:effectRef>
+          <a:fontRef idx="minor">
+            <a:schemeClr val="dk1"/>
+          </a:fontRef>
+        </p:style>
+        <p:txBody>
+          <a:bodyPr rtlCol="0" anchor="ctr"/>
+          <a:p>
+            <a:pPr algn="ctr"/>
+            <a:r>
+              <a:rPr lang="en-US" altLang="en-US" sz="2800" b="1">
+                <a:solidFill>
+                  <a:schemeClr val="accent1"/>
+                </a:solidFill>
+                <a:sym typeface="+mn-ea"/>
+              </a:rPr>
+              <a:t>30</a:t>
+            </a:r>
+            <a:endParaRPr lang="en-US" altLang="en-US" sz="2800" b="1">
+              <a:solidFill>
+                <a:schemeClr val="accent1"/>
+              </a:solidFill>
+              <a:sym typeface="+mn-ea"/>
+            </a:endParaRPr>
+          </a:p>
+        </p:txBody>
+      </p:sp>
+      <p:sp>
+        <p:nvSpPr>
+          <p:cNvPr id="7" name="Rectangle 6"/>
+          <p:cNvSpPr/>
+          <p:nvPr/>
+        </p:nvSpPr>
+        <p:spPr>
+          <a:xfrm>
+            <a:off x="4251960" y="3792220"/>
+            <a:ext cx="993140" cy="993140"/>
+          </a:xfrm>
+          <a:prstGeom prst="rect">
+            <a:avLst/>
+          </a:prstGeom>
+        </p:spPr>
+        <p:style>
+          <a:lnRef idx="2">
+            <a:schemeClr val="accent6"/>
+          </a:lnRef>
+          <a:fillRef idx="1">
+            <a:schemeClr val="lt1"/>
+          </a:fillRef>
+          <a:effectRef idx="0">
+            <a:schemeClr val="accent6"/>
+          </a:effectRef>
+          <a:fontRef idx="minor">
+            <a:schemeClr val="dk1"/>
+          </a:fontRef>
+        </p:style>
+        <p:txBody>
+          <a:bodyPr rtlCol="0" anchor="ctr"/>
+          <a:p>
+            <a:pPr algn="ctr"/>
+            <a:r>
+              <a:rPr lang="en-US" altLang="en-US" sz="2800" b="1">
+                <a:solidFill>
+                  <a:schemeClr val="accent1"/>
+                </a:solidFill>
+                <a:sym typeface="+mn-ea"/>
+              </a:rPr>
+              <a:t>40</a:t>
+            </a:r>
+            <a:endParaRPr lang="en-US" altLang="en-US" sz="2800" b="1">
+              <a:solidFill>
+                <a:schemeClr val="accent1"/>
+              </a:solidFill>
+              <a:sym typeface="+mn-ea"/>
+            </a:endParaRPr>
+          </a:p>
+        </p:txBody>
+      </p:sp>
+      <p:sp>
+        <p:nvSpPr>
+          <p:cNvPr id="8" name="Rectangle 7"/>
+          <p:cNvSpPr/>
+          <p:nvPr/>
+        </p:nvSpPr>
+        <p:spPr>
+          <a:xfrm>
+            <a:off x="5245100" y="3792220"/>
+            <a:ext cx="993140" cy="993140"/>
+          </a:xfrm>
+          <a:prstGeom prst="rect">
+            <a:avLst/>
+          </a:prstGeom>
+        </p:spPr>
+        <p:style>
+          <a:lnRef idx="2">
+            <a:schemeClr val="accent6"/>
+          </a:lnRef>
+          <a:fillRef idx="1">
+            <a:schemeClr val="lt1"/>
+          </a:fillRef>
+          <a:effectRef idx="0">
+            <a:schemeClr val="accent6"/>
+          </a:effectRef>
+          <a:fontRef idx="minor">
+            <a:schemeClr val="dk1"/>
+          </a:fontRef>
+        </p:style>
+        <p:txBody>
+          <a:bodyPr rtlCol="0" anchor="ctr"/>
+          <a:p>
+            <a:pPr algn="ctr"/>
+            <a:r>
+              <a:rPr lang="en-US" altLang="en-US" sz="2800" b="1">
+                <a:solidFill>
+                  <a:schemeClr val="accent1"/>
+                </a:solidFill>
+                <a:sym typeface="+mn-ea"/>
+              </a:rPr>
+              <a:t>50</a:t>
+            </a:r>
+            <a:endParaRPr lang="en-US" altLang="en-US" sz="2800" b="1">
+              <a:solidFill>
+                <a:schemeClr val="accent1"/>
+              </a:solidFill>
+              <a:sym typeface="+mn-ea"/>
+            </a:endParaRPr>
+          </a:p>
+        </p:txBody>
+      </p:sp>
+      <p:sp>
+        <p:nvSpPr>
+          <p:cNvPr id="9" name="Rectangle 8"/>
+          <p:cNvSpPr/>
+          <p:nvPr/>
+        </p:nvSpPr>
+        <p:spPr>
+          <a:xfrm>
+            <a:off x="6238240" y="3792220"/>
+            <a:ext cx="993140" cy="993140"/>
+          </a:xfrm>
+          <a:prstGeom prst="rect">
+            <a:avLst/>
+          </a:prstGeom>
+          <a:ln>
+            <a:solidFill>
+              <a:schemeClr val="accent6"/>
+            </a:solidFill>
+          </a:ln>
+        </p:spPr>
+        <p:style>
+          <a:lnRef idx="3">
+            <a:schemeClr val="lt1"/>
+          </a:lnRef>
+          <a:fillRef idx="1">
+            <a:schemeClr val="accent6"/>
+          </a:fillRef>
+          <a:effectRef idx="1">
             <a:schemeClr val="accent6"/>
           </a:effectRef>
           <a:fontRef idx="minor">
@@ -8094,18 +7281,9 @@
                 </a:solidFill>
                 <a:sym typeface="+mn-ea"/>
               </a:rPr>
-              <a:t>3</a:t>
-            </a:r>
-            <a:r>
-              <a:rPr lang="" altLang="en-US" sz="2800" b="1">
-                <a:solidFill>
-                  <a:schemeClr val="bg1"/>
-                </a:solidFill>
-                <a:sym typeface="+mn-ea"/>
-              </a:rPr>
-              <a:t>0</a:t>
-            </a:r>
-            <a:endParaRPr lang="" altLang="en-US" sz="2800" b="1">
+              <a:t>60</a:t>
+            </a:r>
+            <a:endParaRPr lang="en-US" altLang="en-US" sz="2800" b="1">
               <a:solidFill>
                 <a:schemeClr val="bg1"/>
               </a:solidFill>
@@ -8116,13 +7294,13 @@
       </p:sp>
       <p:sp>
         <p:nvSpPr>
-          <p:cNvPr id="7" name="Rectangle 6"/>
-          <p:cNvSpPr/>
-          <p:nvPr/>
-        </p:nvSpPr>
-        <p:spPr>
-          <a:xfrm>
-            <a:off x="4251960" y="3792220"/>
+          <p:cNvPr id="11" name="Rectangle 10"/>
+          <p:cNvSpPr/>
+          <p:nvPr/>
+        </p:nvSpPr>
+        <p:spPr>
+          <a:xfrm>
+            <a:off x="7231380" y="3792220"/>
             <a:ext cx="993140" cy="993140"/>
           </a:xfrm>
           <a:prstGeom prst="rect">
@@ -8154,18 +7332,60 @@
                 </a:solidFill>
                 <a:sym typeface="+mn-ea"/>
               </a:rPr>
-              <a:t>4</a:t>
-            </a:r>
-            <a:r>
-              <a:rPr lang="" altLang="en-US" sz="2800" b="1">
+              <a:t>70</a:t>
+            </a:r>
+            <a:endParaRPr lang="en-US" altLang="en-US" sz="2800" b="1">
+              <a:solidFill>
+                <a:schemeClr val="accent1"/>
+              </a:solidFill>
+              <a:sym typeface="+mn-ea"/>
+            </a:endParaRPr>
+          </a:p>
+        </p:txBody>
+      </p:sp>
+      <p:sp>
+        <p:nvSpPr>
+          <p:cNvPr id="16" name="Rectangle 15"/>
+          <p:cNvSpPr/>
+          <p:nvPr/>
+        </p:nvSpPr>
+        <p:spPr>
+          <a:xfrm>
+            <a:off x="8224520" y="3792220"/>
+            <a:ext cx="993140" cy="993140"/>
+          </a:xfrm>
+          <a:prstGeom prst="rect">
+            <a:avLst/>
+          </a:prstGeom>
+        </p:spPr>
+        <p:style>
+          <a:lnRef idx="2">
+            <a:schemeClr val="accent6"/>
+          </a:lnRef>
+          <a:fillRef idx="1">
+            <a:schemeClr val="lt1"/>
+          </a:fillRef>
+          <a:effectRef idx="0">
+            <a:schemeClr val="accent6"/>
+          </a:effectRef>
+          <a:fontRef idx="minor">
+            <a:schemeClr val="dk1"/>
+          </a:fontRef>
+        </p:style>
+        <p:txBody>
+          <a:bodyPr rtlCol="0" anchor="ctr"/>
+          <a:p>
+            <a:pPr algn="ctr"/>
+            <a:r>
+              <a:rPr lang="en-US" altLang="en-US" sz="2800" b="1">
                 <a:solidFill>
                   <a:schemeClr val="accent1"/>
                 </a:solidFill>
                 <a:sym typeface="+mn-ea"/>
               </a:rPr>
-              <a:t>0</a:t>
-            </a:r>
-            <a:endParaRPr lang="" altLang="en-US" sz="2800" b="1">
+              <a:t>80</a:t>
+            </a:r>
+            <a:endParaRPr lang="en-US" altLang="en-US" sz="2800" b="1">
               <a:solidFill>
                 <a:schemeClr val="accent1"/>
               </a:solidFill>
@@ -8176,13 +7396,64 @@
       </p:sp>
       <p:sp>
         <p:nvSpPr>
-          <p:cNvPr id="8" name="Rectangle 7"/>
-          <p:cNvSpPr/>
-          <p:nvPr/>
-        </p:nvSpPr>
-        <p:spPr>
-          <a:xfrm>
-            <a:off x="5245100" y="3792220"/>
+          <p:cNvPr id="17" name="Rectangle 16"/>
+          <p:cNvSpPr/>
+          <p:nvPr/>
+        </p:nvSpPr>
+        <p:spPr>
+          <a:xfrm>
+            <a:off x="9217660" y="3792220"/>
+            <a:ext cx="993140" cy="993140"/>
+          </a:xfrm>
+          <a:prstGeom prst="rect">
+            <a:avLst/>
+          </a:prstGeom>
+        </p:spPr>
+        <p:style>
+          <a:lnRef idx="2">
+            <a:schemeClr val="accent6"/>
+          </a:lnRef>
+          <a:fillRef idx="1">
+            <a:schemeClr val="lt1"/>
+          </a:fillRef>
+          <a:effectRef idx="0">
+            <a:schemeClr val="accent6"/>
+          </a:effectRef>
+          <a:fontRef idx="minor">
+            <a:schemeClr val="dk1"/>
+          </a:fontRef>
+        </p:style>
+        <p:txBody>
+          <a:bodyPr rtlCol="0" anchor="ctr"/>
+          <a:p>
+            <a:pPr algn="ctr"/>
+            <a:r>
+              <a:rPr lang="en-US" altLang="en-US" sz="2800" b="1">
+                <a:solidFill>
+                  <a:schemeClr val="accent1"/>
+                </a:solidFill>
+                <a:sym typeface="+mn-ea"/>
+              </a:rPr>
+              <a:t>90</a:t>
+            </a:r>
+            <a:endParaRPr lang="en-US" altLang="en-US" sz="2800" b="1">
+              <a:solidFill>
+                <a:schemeClr val="accent1"/>
+              </a:solidFill>
+              <a:sym typeface="+mn-ea"/>
+            </a:endParaRPr>
+          </a:p>
+        </p:txBody>
+      </p:sp>
+      <p:sp>
+        <p:nvSpPr>
+          <p:cNvPr id="18" name="Rectangle 17"/>
+          <p:cNvSpPr/>
+          <p:nvPr/>
+        </p:nvSpPr>
+        <p:spPr>
+          <a:xfrm>
+            <a:off x="10210800" y="3792220"/>
             <a:ext cx="993140" cy="993140"/>
           </a:xfrm>
           <a:prstGeom prst="rect">
@@ -8216,320 +7487,11 @@
                 </a:solidFill>
                 <a:sym typeface="+mn-ea"/>
               </a:rPr>
-              <a:t>5</a:t>
-            </a:r>
-            <a:r>
-              <a:rPr lang="" altLang="en-US" sz="2800" b="1">
-                <a:solidFill>
-                  <a:schemeClr val="bg1"/>
-                </a:solidFill>
-                <a:sym typeface="+mn-ea"/>
-              </a:rPr>
-              <a:t>0</a:t>
-            </a:r>
-            <a:endParaRPr lang="" altLang="en-US" sz="2800" b="1">
+              <a:t>100</a:t>
+            </a:r>
+            <a:endParaRPr lang="en-US" altLang="en-US" sz="2800" b="1">
               <a:solidFill>
                 <a:schemeClr val="bg1"/>
-              </a:solidFill>
-              <a:sym typeface="+mn-ea"/>
-            </a:endParaRPr>
-          </a:p>
-        </p:txBody>
-      </p:sp>
-      <p:sp>
-        <p:nvSpPr>
-          <p:cNvPr id="9" name="Rectangle 8"/>
-          <p:cNvSpPr/>
-          <p:nvPr/>
-        </p:nvSpPr>
-        <p:spPr>
-          <a:xfrm>
-            <a:off x="6238240" y="3792220"/>
-            <a:ext cx="993140" cy="993140"/>
-          </a:xfrm>
-          <a:prstGeom prst="rect">
-            <a:avLst/>
-          </a:prstGeom>
-        </p:spPr>
-        <p:style>
-          <a:lnRef idx="2">
-            <a:schemeClr val="accent6"/>
-          </a:lnRef>
-          <a:fillRef idx="1">
-            <a:schemeClr val="lt1"/>
-          </a:fillRef>
-          <a:effectRef idx="0">
-            <a:schemeClr val="accent6"/>
-          </a:effectRef>
-          <a:fontRef idx="minor">
-            <a:schemeClr val="dk1"/>
-          </a:fontRef>
-        </p:style>
-        <p:txBody>
-          <a:bodyPr rtlCol="0" anchor="ctr"/>
-          <a:p>
-            <a:pPr algn="ctr"/>
-            <a:r>
-              <a:rPr lang="en-US" altLang="en-US" sz="2800" b="1">
-                <a:solidFill>
-                  <a:schemeClr val="accent1"/>
-                </a:solidFill>
-                <a:sym typeface="+mn-ea"/>
-              </a:rPr>
-              <a:t>6</a:t>
-            </a:r>
-            <a:r>
-              <a:rPr lang="" altLang="en-US" sz="2800" b="1">
-                <a:solidFill>
-                  <a:schemeClr val="accent1"/>
-                </a:solidFill>
-                <a:sym typeface="+mn-ea"/>
-              </a:rPr>
-              <a:t>0</a:t>
-            </a:r>
-            <a:endParaRPr lang="" altLang="en-US" sz="2800" b="1">
-              <a:solidFill>
-                <a:schemeClr val="accent1"/>
-              </a:solidFill>
-              <a:sym typeface="+mn-ea"/>
-            </a:endParaRPr>
-          </a:p>
-        </p:txBody>
-      </p:sp>
-      <p:sp>
-        <p:nvSpPr>
-          <p:cNvPr id="11" name="Rectangle 10"/>
-          <p:cNvSpPr/>
-          <p:nvPr/>
-        </p:nvSpPr>
-        <p:spPr>
-          <a:xfrm>
-            <a:off x="7231380" y="3792220"/>
-            <a:ext cx="993140" cy="993140"/>
-          </a:xfrm>
-          <a:prstGeom prst="rect">
-            <a:avLst/>
-          </a:prstGeom>
-        </p:spPr>
-        <p:style>
-          <a:lnRef idx="2">
-            <a:schemeClr val="accent6"/>
-          </a:lnRef>
-          <a:fillRef idx="1">
-            <a:schemeClr val="lt1"/>
-          </a:fillRef>
-          <a:effectRef idx="0">
-            <a:schemeClr val="accent6"/>
-          </a:effectRef>
-          <a:fontRef idx="minor">
-            <a:schemeClr val="dk1"/>
-          </a:fontRef>
-        </p:style>
-        <p:txBody>
-          <a:bodyPr rtlCol="0" anchor="ctr"/>
-          <a:p>
-            <a:pPr algn="ctr"/>
-            <a:r>
-              <a:rPr lang="en-US" altLang="en-US" sz="2800" b="1">
-                <a:solidFill>
-                  <a:schemeClr val="accent1"/>
-                </a:solidFill>
-                <a:sym typeface="+mn-ea"/>
-              </a:rPr>
-              <a:t>7</a:t>
-            </a:r>
-            <a:r>
-              <a:rPr lang="" altLang="en-US" sz="2800" b="1">
-                <a:solidFill>
-                  <a:schemeClr val="accent1"/>
-                </a:solidFill>
-                <a:sym typeface="+mn-ea"/>
-              </a:rPr>
-              <a:t>0</a:t>
-            </a:r>
-            <a:endParaRPr lang="" altLang="en-US" sz="2800" b="1">
-              <a:solidFill>
-                <a:schemeClr val="accent1"/>
-              </a:solidFill>
-              <a:sym typeface="+mn-ea"/>
-            </a:endParaRPr>
-          </a:p>
-        </p:txBody>
-      </p:sp>
-      <p:sp>
-        <p:nvSpPr>
-          <p:cNvPr id="16" name="Rectangle 15"/>
-          <p:cNvSpPr/>
-          <p:nvPr/>
-        </p:nvSpPr>
-        <p:spPr>
-          <a:xfrm>
-            <a:off x="8224520" y="3792220"/>
-            <a:ext cx="993140" cy="993140"/>
-          </a:xfrm>
-          <a:prstGeom prst="rect">
-            <a:avLst/>
-          </a:prstGeom>
-        </p:spPr>
-        <p:style>
-          <a:lnRef idx="2">
-            <a:schemeClr val="accent6"/>
-          </a:lnRef>
-          <a:fillRef idx="1">
-            <a:schemeClr val="lt1"/>
-          </a:fillRef>
-          <a:effectRef idx="0">
-            <a:schemeClr val="accent6"/>
-          </a:effectRef>
-          <a:fontRef idx="minor">
-            <a:schemeClr val="dk1"/>
-          </a:fontRef>
-        </p:style>
-        <p:txBody>
-          <a:bodyPr rtlCol="0" anchor="ctr"/>
-          <a:p>
-            <a:pPr algn="ctr"/>
-            <a:r>
-              <a:rPr lang="en-US" altLang="en-US" sz="2800" b="1">
-                <a:solidFill>
-                  <a:schemeClr val="accent1"/>
-                </a:solidFill>
-                <a:sym typeface="+mn-ea"/>
-              </a:rPr>
-              <a:t>8</a:t>
-            </a:r>
-            <a:r>
-              <a:rPr lang="" altLang="en-US" sz="2800" b="1">
-                <a:solidFill>
-                  <a:schemeClr val="accent1"/>
-                </a:solidFill>
-                <a:sym typeface="+mn-ea"/>
-              </a:rPr>
-              <a:t>0</a:t>
-            </a:r>
-            <a:endParaRPr lang="" altLang="en-US" sz="2800" b="1">
-              <a:solidFill>
-                <a:schemeClr val="accent1"/>
-              </a:solidFill>
-              <a:sym typeface="+mn-ea"/>
-            </a:endParaRPr>
-          </a:p>
-        </p:txBody>
-      </p:sp>
-      <p:sp>
-        <p:nvSpPr>
-          <p:cNvPr id="17" name="Rectangle 16"/>
-          <p:cNvSpPr/>
-          <p:nvPr/>
-        </p:nvSpPr>
-        <p:spPr>
-          <a:xfrm>
-            <a:off x="9217660" y="3792220"/>
-            <a:ext cx="993140" cy="993140"/>
-          </a:xfrm>
-          <a:prstGeom prst="rect">
-            <a:avLst/>
-          </a:prstGeom>
-        </p:spPr>
-        <p:style>
-          <a:lnRef idx="2">
-            <a:schemeClr val="accent6"/>
-          </a:lnRef>
-          <a:fillRef idx="1">
-            <a:schemeClr val="lt1"/>
-          </a:fillRef>
-          <a:effectRef idx="0">
-            <a:schemeClr val="accent6"/>
-          </a:effectRef>
-          <a:fontRef idx="minor">
-            <a:schemeClr val="dk1"/>
-          </a:fontRef>
-        </p:style>
-        <p:txBody>
-          <a:bodyPr rtlCol="0" anchor="ctr"/>
-          <a:p>
-            <a:pPr algn="ctr"/>
-            <a:r>
-              <a:rPr lang="en-US" altLang="en-US" sz="2800" b="1">
-                <a:solidFill>
-                  <a:schemeClr val="accent1"/>
-                </a:solidFill>
-                <a:sym typeface="+mn-ea"/>
-              </a:rPr>
-              <a:t>9</a:t>
-            </a:r>
-            <a:r>
-              <a:rPr lang="" altLang="en-US" sz="2800" b="1">
-                <a:solidFill>
-                  <a:schemeClr val="accent1"/>
-                </a:solidFill>
-                <a:sym typeface="+mn-ea"/>
-              </a:rPr>
-              <a:t>0</a:t>
-            </a:r>
-            <a:endParaRPr lang="" altLang="en-US" sz="2800" b="1">
-              <a:solidFill>
-                <a:schemeClr val="accent1"/>
-              </a:solidFill>
-              <a:sym typeface="+mn-ea"/>
-            </a:endParaRPr>
-          </a:p>
-        </p:txBody>
-      </p:sp>
-      <p:sp>
-        <p:nvSpPr>
-          <p:cNvPr id="18" name="Rectangle 17"/>
-          <p:cNvSpPr/>
-          <p:nvPr/>
-        </p:nvSpPr>
-        <p:spPr>
-          <a:xfrm>
-            <a:off x="10210800" y="3792220"/>
-            <a:ext cx="993140" cy="993140"/>
-          </a:xfrm>
-          <a:prstGeom prst="rect">
-            <a:avLst/>
-          </a:prstGeom>
-        </p:spPr>
-        <p:style>
-          <a:lnRef idx="2">
-            <a:schemeClr val="accent6"/>
-          </a:lnRef>
-          <a:fillRef idx="1">
-            <a:schemeClr val="lt1"/>
-          </a:fillRef>
-          <a:effectRef idx="0">
-            <a:schemeClr val="accent6"/>
-          </a:effectRef>
-          <a:fontRef idx="minor">
-            <a:schemeClr val="dk1"/>
-          </a:fontRef>
-        </p:style>
-        <p:txBody>
-          <a:bodyPr rtlCol="0" anchor="ctr"/>
-          <a:p>
-            <a:pPr algn="ctr"/>
-            <a:r>
-              <a:rPr lang="en-US" altLang="en-US" sz="2800" b="1">
-                <a:solidFill>
-                  <a:schemeClr val="accent1"/>
-                </a:solidFill>
-                <a:sym typeface="+mn-ea"/>
-              </a:rPr>
-              <a:t>10</a:t>
-            </a:r>
-            <a:r>
-              <a:rPr lang="" altLang="en-US" sz="2800" b="1">
-                <a:solidFill>
-                  <a:schemeClr val="accent1"/>
-                </a:solidFill>
-                <a:sym typeface="+mn-ea"/>
-              </a:rPr>
-              <a:t>0</a:t>
-            </a:r>
-            <a:endParaRPr lang="" altLang="en-US" sz="2800" b="1">
-              <a:solidFill>
-                <a:schemeClr val="accent1"/>
               </a:solidFill>
               <a:sym typeface="+mn-ea"/>
             </a:endParaRPr>
@@ -8563,7 +7525,7 @@
           <a:p>
             <a:pPr algn="l"/>
             <a:r>
-              <a:rPr lang="" altLang="en-US" sz="2400" b="1">
+              <a:rPr lang="en-US" altLang="en-US" sz="2400" b="1">
                 <a:solidFill>
                   <a:schemeClr val="accent1"/>
                 </a:solidFill>
@@ -8577,7 +7539,7 @@
               </a:rPr>
               <a:t>high = mid - 1</a:t>
             </a:r>
-            <a:endParaRPr lang="" altLang="en-US" sz="2400" b="1">
+            <a:endParaRPr lang="en-US" altLang="en-US" sz="2400" b="1">
               <a:solidFill>
                 <a:schemeClr val="accent1"/>
               </a:solidFill>
@@ -8593,7 +7555,7 @@
           <a:p>
             <a:pPr algn="l"/>
             <a:r>
-              <a:rPr lang="" altLang="en-US" sz="2400" b="1">
+              <a:rPr lang="en-US" altLang="en-US" sz="2400" b="1">
                 <a:solidFill>
                   <a:schemeClr val="accent1"/>
                 </a:solidFill>
@@ -8607,7 +7569,7 @@
               </a:rPr>
               <a:t>         = 5 - 1</a:t>
             </a:r>
-            <a:endParaRPr lang="" altLang="en-US" sz="2400" b="1">
+            <a:endParaRPr lang="en-US" altLang="en-US" sz="2400" b="1">
               <a:solidFill>
                 <a:schemeClr val="accent1"/>
               </a:solidFill>
@@ -8623,7 +7585,7 @@
           <a:p>
             <a:pPr algn="l"/>
             <a:r>
-              <a:rPr lang="" altLang="en-US" sz="2400" b="1">
+              <a:rPr lang="en-US" altLang="en-US" sz="2400" b="1">
                 <a:solidFill>
                   <a:schemeClr val="accent1"/>
                 </a:solidFill>
@@ -8637,7 +7599,7 @@
               </a:rPr>
               <a:t>         = 4</a:t>
             </a:r>
-            <a:endParaRPr lang="" altLang="en-US" sz="2400" b="1">
+            <a:endParaRPr lang="en-US" altLang="en-US" sz="2400" b="1">
               <a:solidFill>
                 <a:schemeClr val="accent1"/>
               </a:solidFill>
@@ -8679,7 +7641,7 @@
           <a:p>
             <a:pPr algn="l"/>
             <a:r>
-              <a:rPr lang="" altLang="en-US" sz="2400" b="1">
+              <a:rPr lang="en-US" altLang="en-US" sz="2400" b="1">
                 <a:solidFill>
                   <a:schemeClr val="accent1"/>
                 </a:solidFill>
@@ -8691,8 +7653,23 @@
                   </a:outerShdw>
                 </a:effectLst>
               </a:rPr>
-              <a:t>mid</a:t>
-            </a:r>
+              <a:t>mid = (low + high) / 2</a:t>
+            </a:r>
+            <a:endParaRPr lang="en-US" altLang="en-US" sz="2400" b="1">
+              <a:solidFill>
+                <a:schemeClr val="accent1"/>
+              </a:solidFill>
+              <a:effectLst>
+                <a:outerShdw blurRad="38100" dist="25400" dir="5400000" algn="ctr" rotWithShape="0">
+                  <a:srgbClr val="6E747A">
+                    <a:alpha val="43000"/>
+                  </a:srgbClr>
+                </a:outerShdw>
+              </a:effectLst>
+            </a:endParaRPr>
+          </a:p>
+          <a:p>
+            <a:pPr algn="l"/>
             <a:r>
               <a:rPr lang="en-US" altLang="en-US" sz="2400" b="1">
                 <a:solidFill>
@@ -8706,10 +7683,25 @@
                   </a:outerShdw>
                 </a:effectLst>
               </a:rPr>
-              <a:t> = </a:t>
-            </a:r>
-            <a:r>
-              <a:rPr lang="" altLang="en-US" sz="2400" b="1">
+              <a:t>       = (0 + 4) / 2</a:t>
+            </a:r>
+            <a:endParaRPr lang="en-US" altLang="en-US" sz="2400" b="1">
+              <a:solidFill>
+                <a:schemeClr val="accent1"/>
+              </a:solidFill>
+              <a:effectLst>
+                <a:outerShdw blurRad="38100" dist="25400" dir="5400000" algn="ctr" rotWithShape="0">
+                  <a:srgbClr val="6E747A">
+                    <a:alpha val="43000"/>
+                  </a:srgbClr>
+                </a:outerShdw>
+              </a:effectLst>
+            </a:endParaRPr>
+          </a:p>
+          <a:p>
+            <a:pPr algn="l"/>
+            <a:r>
+              <a:rPr lang="en-US" altLang="en-US" sz="2400" b="1">
                 <a:solidFill>
                   <a:schemeClr val="accent1"/>
                 </a:solidFill>
@@ -8721,219 +7713,9 @@
                   </a:outerShdw>
                 </a:effectLst>
               </a:rPr>
-              <a:t>(</a:t>
-            </a:r>
-            <a:r>
-              <a:rPr lang="" altLang="en-US" sz="2400" b="1">
-                <a:solidFill>
-                  <a:schemeClr val="accent1"/>
-                </a:solidFill>
-                <a:effectLst>
-                  <a:outerShdw blurRad="38100" dist="25400" dir="5400000" algn="ctr" rotWithShape="0">
-                    <a:srgbClr val="6E747A">
-                      <a:alpha val="43000"/>
-                    </a:srgbClr>
-                  </a:outerShdw>
-                </a:effectLst>
-              </a:rPr>
-              <a:t>low</a:t>
-            </a:r>
-            <a:r>
-              <a:rPr lang="en-US" altLang="en-US" sz="2400" b="1">
-                <a:solidFill>
-                  <a:schemeClr val="accent1"/>
-                </a:solidFill>
-                <a:effectLst>
-                  <a:outerShdw blurRad="38100" dist="25400" dir="5400000" algn="ctr" rotWithShape="0">
-                    <a:srgbClr val="6E747A">
-                      <a:alpha val="43000"/>
-                    </a:srgbClr>
-                  </a:outerShdw>
-                </a:effectLst>
-              </a:rPr>
-              <a:t> </a:t>
-            </a:r>
-            <a:r>
-              <a:rPr lang="" altLang="en-US" sz="2400" b="1">
-                <a:solidFill>
-                  <a:schemeClr val="accent1"/>
-                </a:solidFill>
-                <a:effectLst>
-                  <a:outerShdw blurRad="38100" dist="25400" dir="5400000" algn="ctr" rotWithShape="0">
-                    <a:srgbClr val="6E747A">
-                      <a:alpha val="43000"/>
-                    </a:srgbClr>
-                  </a:outerShdw>
-                </a:effectLst>
-              </a:rPr>
-              <a:t>+</a:t>
-            </a:r>
-            <a:r>
-              <a:rPr lang="en-US" altLang="en-US" sz="2400" b="1">
-                <a:solidFill>
-                  <a:schemeClr val="accent1"/>
-                </a:solidFill>
-                <a:effectLst>
-                  <a:outerShdw blurRad="38100" dist="25400" dir="5400000" algn="ctr" rotWithShape="0">
-                    <a:srgbClr val="6E747A">
-                      <a:alpha val="43000"/>
-                    </a:srgbClr>
-                  </a:outerShdw>
-                </a:effectLst>
-              </a:rPr>
-              <a:t> </a:t>
-            </a:r>
-            <a:r>
-              <a:rPr lang="" altLang="en-US" sz="2400" b="1">
-                <a:solidFill>
-                  <a:schemeClr val="accent1"/>
-                </a:solidFill>
-                <a:effectLst>
-                  <a:outerShdw blurRad="38100" dist="25400" dir="5400000" algn="ctr" rotWithShape="0">
-                    <a:srgbClr val="6E747A">
-                      <a:alpha val="43000"/>
-                    </a:srgbClr>
-                  </a:outerShdw>
-                </a:effectLst>
-              </a:rPr>
-              <a:t>high) / 2</a:t>
+              <a:t>       = 2</a:t>
             </a:r>
             <a:endParaRPr lang="en-US" altLang="en-US" sz="2400" b="1">
-              <a:solidFill>
-                <a:schemeClr val="accent1"/>
-              </a:solidFill>
-              <a:effectLst>
-                <a:outerShdw blurRad="38100" dist="25400" dir="5400000" algn="ctr" rotWithShape="0">
-                  <a:srgbClr val="6E747A">
-                    <a:alpha val="43000"/>
-                  </a:srgbClr>
-                </a:outerShdw>
-              </a:effectLst>
-            </a:endParaRPr>
-          </a:p>
-          <a:p>
-            <a:pPr algn="l"/>
-            <a:r>
-              <a:rPr lang="en-US" altLang="en-US" sz="2400" b="1">
-                <a:solidFill>
-                  <a:schemeClr val="accent1"/>
-                </a:solidFill>
-                <a:effectLst>
-                  <a:outerShdw blurRad="38100" dist="25400" dir="5400000" algn="ctr" rotWithShape="0">
-                    <a:srgbClr val="6E747A">
-                      <a:alpha val="43000"/>
-                    </a:srgbClr>
-                  </a:outerShdw>
-                </a:effectLst>
-              </a:rPr>
-              <a:t>       = </a:t>
-            </a:r>
-            <a:r>
-              <a:rPr lang="" altLang="en-US" sz="2400" b="1">
-                <a:solidFill>
-                  <a:schemeClr val="accent1"/>
-                </a:solidFill>
-                <a:effectLst>
-                  <a:outerShdw blurRad="38100" dist="25400" dir="5400000" algn="ctr" rotWithShape="0">
-                    <a:srgbClr val="6E747A">
-                      <a:alpha val="43000"/>
-                    </a:srgbClr>
-                  </a:outerShdw>
-                </a:effectLst>
-              </a:rPr>
-              <a:t>(</a:t>
-            </a:r>
-            <a:r>
-              <a:rPr lang="" altLang="en-US" sz="2400" b="1">
-                <a:solidFill>
-                  <a:schemeClr val="accent1"/>
-                </a:solidFill>
-                <a:effectLst>
-                  <a:outerShdw blurRad="38100" dist="25400" dir="5400000" algn="ctr" rotWithShape="0">
-                    <a:srgbClr val="6E747A">
-                      <a:alpha val="43000"/>
-                    </a:srgbClr>
-                  </a:outerShdw>
-                </a:effectLst>
-              </a:rPr>
-              <a:t>0</a:t>
-            </a:r>
-            <a:r>
-              <a:rPr lang="en-US" altLang="en-US" sz="2400" b="1">
-                <a:solidFill>
-                  <a:schemeClr val="accent1"/>
-                </a:solidFill>
-                <a:effectLst>
-                  <a:outerShdw blurRad="38100" dist="25400" dir="5400000" algn="ctr" rotWithShape="0">
-                    <a:srgbClr val="6E747A">
-                      <a:alpha val="43000"/>
-                    </a:srgbClr>
-                  </a:outerShdw>
-                </a:effectLst>
-              </a:rPr>
-              <a:t> - </a:t>
-            </a:r>
-            <a:r>
-              <a:rPr lang="" altLang="en-US" sz="2400" b="1">
-                <a:solidFill>
-                  <a:schemeClr val="accent1"/>
-                </a:solidFill>
-                <a:effectLst>
-                  <a:outerShdw blurRad="38100" dist="25400" dir="5400000" algn="ctr" rotWithShape="0">
-                    <a:srgbClr val="6E747A">
-                      <a:alpha val="43000"/>
-                    </a:srgbClr>
-                  </a:outerShdw>
-                </a:effectLst>
-              </a:rPr>
-              <a:t>4) / 2</a:t>
-            </a:r>
-            <a:endParaRPr lang="en-US" altLang="en-US" sz="2400" b="1">
-              <a:solidFill>
-                <a:schemeClr val="accent1"/>
-              </a:solidFill>
-              <a:effectLst>
-                <a:outerShdw blurRad="38100" dist="25400" dir="5400000" algn="ctr" rotWithShape="0">
-                  <a:srgbClr val="6E747A">
-                    <a:alpha val="43000"/>
-                  </a:srgbClr>
-                </a:outerShdw>
-              </a:effectLst>
-            </a:endParaRPr>
-          </a:p>
-          <a:p>
-            <a:pPr algn="l"/>
-            <a:r>
-              <a:rPr lang="en-US" altLang="en-US" sz="2400" b="1">
-                <a:solidFill>
-                  <a:schemeClr val="accent1"/>
-                </a:solidFill>
-                <a:effectLst>
-                  <a:outerShdw blurRad="38100" dist="25400" dir="5400000" algn="ctr" rotWithShape="0">
-                    <a:srgbClr val="6E747A">
-                      <a:alpha val="43000"/>
-                    </a:srgbClr>
-                  </a:outerShdw>
-                </a:effectLst>
-              </a:rPr>
-              <a:t>       = </a:t>
-            </a:r>
-            <a:r>
-              <a:rPr lang="" altLang="en-US" sz="2400" b="1">
-                <a:solidFill>
-                  <a:schemeClr val="accent1"/>
-                </a:solidFill>
-                <a:effectLst>
-                  <a:outerShdw blurRad="38100" dist="25400" dir="5400000" algn="ctr" rotWithShape="0">
-                    <a:srgbClr val="6E747A">
-                      <a:alpha val="43000"/>
-                    </a:srgbClr>
-                  </a:outerShdw>
-                </a:effectLst>
-              </a:rPr>
-              <a:t>2</a:t>
-            </a:r>
-            <a:endParaRPr lang="" altLang="en-US" sz="2400" b="1">
               <a:solidFill>
                 <a:schemeClr val="accent1"/>
               </a:solidFill>
@@ -9544,14 +8326,14 @@
       </p:sp>
       <p:sp>
         <p:nvSpPr>
-          <p:cNvPr id="12" name="Text Box 11"/>
+          <p:cNvPr id="10" name="Text Box 9"/>
           <p:cNvSpPr txBox="1"/>
           <p:nvPr/>
         </p:nvSpPr>
         <p:spPr>
           <a:xfrm>
-            <a:off x="1272540" y="5082540"/>
-            <a:ext cx="3226435" cy="1198880"/>
+            <a:off x="4871720" y="5082540"/>
+            <a:ext cx="2233295" cy="1198880"/>
           </a:xfrm>
           <a:prstGeom prst="rect">
             <a:avLst/>
@@ -9567,9 +8349,9 @@
             </a:scene3d>
           </a:bodyPr>
           <a:p>
-            <a:pPr algn="ctr"/>
-            <a:r>
-              <a:rPr lang="" altLang="en-US" sz="2400" b="1">
+            <a:pPr algn="l"/>
+            <a:r>
+              <a:rPr lang="en-US" altLang="en-US" sz="2400" b="1">
                 <a:solidFill>
                   <a:schemeClr val="accent1"/>
                 </a:solidFill>
@@ -9581,9 +8363,9 @@
                   </a:outerShdw>
                 </a:effectLst>
               </a:rPr>
-              <a:t>20 == 30 ?</a:t>
-            </a:r>
-            <a:endParaRPr lang="" altLang="en-US" sz="2400" b="1">
+              <a:t>high = mid - 1</a:t>
+            </a:r>
+            <a:endParaRPr lang="en-US" altLang="en-US" sz="2400" b="1">
               <a:solidFill>
                 <a:schemeClr val="accent1"/>
               </a:solidFill>
@@ -9597,11 +8379,11 @@
             </a:endParaRPr>
           </a:p>
           <a:p>
-            <a:pPr algn="ctr"/>
-            <a:r>
-              <a:rPr lang="" altLang="en-US" sz="2400" b="1">
-                <a:solidFill>
-                  <a:srgbClr val="FF0000"/>
+            <a:pPr algn="l"/>
+            <a:r>
+              <a:rPr lang="en-US" altLang="en-US" sz="2400" b="1">
+                <a:solidFill>
+                  <a:schemeClr val="accent1"/>
                 </a:solidFill>
                 <a:effectLst>
                   <a:outerShdw blurRad="38100" dist="25400" dir="5400000" algn="ctr" rotWithShape="0">
@@ -9611,11 +8393,11 @@
                   </a:outerShdw>
                 </a:effectLst>
               </a:rPr>
-              <a:t>20 &lt; 30 ?</a:t>
-            </a:r>
-            <a:endParaRPr lang="" altLang="en-US" sz="2400" b="1">
-              <a:solidFill>
-                <a:srgbClr val="FF0000"/>
+              <a:t>         = 5 - 1</a:t>
+            </a:r>
+            <a:endParaRPr lang="en-US" altLang="en-US" sz="2400" b="1">
+              <a:solidFill>
+                <a:schemeClr val="accent1"/>
               </a:solidFill>
               <a:effectLst>
                 <a:outerShdw blurRad="38100" dist="25400" dir="5400000" algn="ctr" rotWithShape="0">
@@ -9627,9 +8409,9 @@
             </a:endParaRPr>
           </a:p>
           <a:p>
-            <a:pPr algn="ctr"/>
-            <a:r>
-              <a:rPr lang="" altLang="en-US" sz="2400" b="1">
+            <a:pPr algn="l"/>
+            <a:r>
+              <a:rPr lang="en-US" altLang="en-US" sz="2400" b="1">
                 <a:solidFill>
                   <a:schemeClr val="accent1"/>
                 </a:solidFill>
@@ -9641,9 +8423,155 @@
                   </a:outerShdw>
                 </a:effectLst>
               </a:rPr>
-              <a:t>20 &gt; 30 ?</a:t>
-            </a:r>
-            <a:endParaRPr lang="" altLang="en-US" sz="2400" b="1">
+              <a:t>         = 4</a:t>
+            </a:r>
+            <a:endParaRPr lang="en-US" altLang="en-US" sz="2400" b="1">
+              <a:solidFill>
+                <a:schemeClr val="accent1"/>
+              </a:solidFill>
+              <a:effectLst>
+                <a:outerShdw blurRad="38100" dist="25400" dir="5400000" algn="ctr" rotWithShape="0">
+                  <a:srgbClr val="6E747A">
+                    <a:alpha val="43000"/>
+                  </a:srgbClr>
+                </a:outerShdw>
+              </a:effectLst>
+            </a:endParaRPr>
+          </a:p>
+        </p:txBody>
+      </p:sp>
+      <p:sp>
+        <p:nvSpPr>
+          <p:cNvPr id="12" name="Text Box 11"/>
+          <p:cNvSpPr txBox="1"/>
+          <p:nvPr/>
+        </p:nvSpPr>
+        <p:spPr>
+          <a:xfrm>
+            <a:off x="1272540" y="5082540"/>
+            <a:ext cx="3226435" cy="1198880"/>
+          </a:xfrm>
+          <a:prstGeom prst="rect">
+            <a:avLst/>
+          </a:prstGeom>
+          <a:noFill/>
+        </p:spPr>
+        <p:txBody>
+          <a:bodyPr wrap="square" rtlCol="0">
+            <a:spAutoFit/>
+            <a:scene3d>
+              <a:camera prst="orthographicFront"/>
+              <a:lightRig rig="threePt" dir="t"/>
+            </a:scene3d>
+          </a:bodyPr>
+          <a:p>
+            <a:pPr algn="l"/>
+            <a:r>
+              <a:rPr lang="en-US" altLang="en-US" sz="2400" b="1">
+                <a:solidFill>
+                  <a:schemeClr val="accent1"/>
+                </a:solidFill>
+                <a:effectLst>
+                  <a:outerShdw blurRad="38100" dist="25400" dir="5400000" algn="ctr" rotWithShape="0">
+                    <a:srgbClr val="6E747A">
+                      <a:alpha val="43000"/>
+                    </a:srgbClr>
+                  </a:outerShdw>
+                </a:effectLst>
+              </a:rPr>
+              <a:t>mid = (low + high) / 2</a:t>
+            </a:r>
+            <a:endParaRPr lang="en-US" altLang="en-US" sz="2400" b="1">
+              <a:solidFill>
+                <a:schemeClr val="accent1"/>
+              </a:solidFill>
+              <a:effectLst>
+                <a:outerShdw blurRad="38100" dist="25400" dir="5400000" algn="ctr" rotWithShape="0">
+                  <a:srgbClr val="6E747A">
+                    <a:alpha val="43000"/>
+                  </a:srgbClr>
+                </a:outerShdw>
+              </a:effectLst>
+            </a:endParaRPr>
+          </a:p>
+          <a:p>
+            <a:pPr algn="l"/>
+            <a:r>
+              <a:rPr lang="en-US" altLang="en-US" sz="2400" b="1">
+                <a:solidFill>
+                  <a:schemeClr val="accent1"/>
+                </a:solidFill>
+                <a:effectLst>
+                  <a:outerShdw blurRad="38100" dist="25400" dir="5400000" algn="ctr" rotWithShape="0">
+                    <a:srgbClr val="6E747A">
+                      <a:alpha val="43000"/>
+                    </a:srgbClr>
+                  </a:outerShdw>
+                </a:effectLst>
+              </a:rPr>
+              <a:t>       = (0 </a:t>
+            </a:r>
+            <a:r>
+              <a:rPr lang="" altLang="en-US" sz="2400" b="1">
+                <a:solidFill>
+                  <a:schemeClr val="accent1"/>
+                </a:solidFill>
+                <a:effectLst>
+                  <a:outerShdw blurRad="38100" dist="25400" dir="5400000" algn="ctr" rotWithShape="0">
+                    <a:srgbClr val="6E747A">
+                      <a:alpha val="43000"/>
+                    </a:srgbClr>
+                  </a:outerShdw>
+                </a:effectLst>
+              </a:rPr>
+              <a:t>+</a:t>
+            </a:r>
+            <a:r>
+              <a:rPr lang="en-US" altLang="en-US" sz="2400" b="1">
+                <a:solidFill>
+                  <a:schemeClr val="accent1"/>
+                </a:solidFill>
+                <a:effectLst>
+                  <a:outerShdw blurRad="38100" dist="25400" dir="5400000" algn="ctr" rotWithShape="0">
+                    <a:srgbClr val="6E747A">
+                      <a:alpha val="43000"/>
+                    </a:srgbClr>
+                  </a:outerShdw>
+                </a:effectLst>
+              </a:rPr>
+              <a:t> 4) / 2</a:t>
+            </a:r>
+            <a:endParaRPr lang="en-US" altLang="en-US" sz="2400" b="1">
+              <a:solidFill>
+                <a:schemeClr val="accent1"/>
+              </a:solidFill>
+              <a:effectLst>
+                <a:outerShdw blurRad="38100" dist="25400" dir="5400000" algn="ctr" rotWithShape="0">
+                  <a:srgbClr val="6E747A">
+                    <a:alpha val="43000"/>
+                  </a:srgbClr>
+                </a:outerShdw>
+              </a:effectLst>
+            </a:endParaRPr>
+          </a:p>
+          <a:p>
+            <a:pPr algn="l"/>
+            <a:r>
+              <a:rPr lang="en-US" altLang="en-US" sz="2400" b="1">
+                <a:solidFill>
+                  <a:schemeClr val="accent1"/>
+                </a:solidFill>
+                <a:effectLst>
+                  <a:outerShdw blurRad="38100" dist="25400" dir="5400000" algn="ctr" rotWithShape="0">
+                    <a:srgbClr val="6E747A">
+                      <a:alpha val="43000"/>
+                    </a:srgbClr>
+                  </a:outerShdw>
+                </a:effectLst>
+              </a:rPr>
+              <a:t>       = 2</a:t>
+            </a:r>
+            <a:endParaRPr lang="en-US" altLang="en-US" sz="2400" b="1">
               <a:solidFill>
                 <a:schemeClr val="accent1"/>
               </a:solidFill>
@@ -9692,10 +8620,10 @@
           <a:p>
             <a:pPr algn="ctr"/>
             <a:r>
-              <a:rPr lang="" altLang="en-US"/>
+              <a:rPr lang="en-US" altLang="en-US"/>
               <a:t>Sequential Search</a:t>
             </a:r>
-            <a:endParaRPr lang="" altLang="en-US"/>
+            <a:endParaRPr lang="en-US" altLang="en-US"/>
           </a:p>
         </p:txBody>
       </p:sp>
@@ -9717,20 +8645,20 @@
               <a:buNone/>
             </a:pPr>
             <a:r>
-              <a:rPr lang="" altLang="en-US"/>
+              <a:rPr lang="en-US" altLang="en-US"/>
               <a:t>Data : [20, 30, 15, 12, 10, 5]</a:t>
             </a:r>
-            <a:endParaRPr lang="" altLang="en-US"/>
+            <a:endParaRPr lang="en-US" altLang="en-US"/>
           </a:p>
           <a:p>
             <a:pPr marL="0" indent="0">
               <a:buNone/>
             </a:pPr>
             <a:r>
-              <a:rPr lang="" altLang="en-US"/>
+              <a:rPr lang="en-US" altLang="en-US"/>
               <a:t>Cari  : 12</a:t>
             </a:r>
-            <a:endParaRPr lang="" altLang="en-US"/>
+            <a:endParaRPr lang="en-US" altLang="en-US"/>
           </a:p>
         </p:txBody>
       </p:sp>
@@ -9796,14 +8724,14 @@
               <a:p>
                 <a:pPr algn="ctr"/>
                 <a:r>
-                  <a:rPr lang="" altLang="en-US" sz="2800" b="1">
+                  <a:rPr lang="en-US" altLang="en-US" sz="2800" b="1">
                     <a:solidFill>
                       <a:schemeClr val="accent1"/>
                     </a:solidFill>
                   </a:rPr>
                   <a:t>20</a:t>
                 </a:r>
-                <a:endParaRPr lang="" altLang="en-US" sz="2800" b="1">
+                <a:endParaRPr lang="en-US" altLang="en-US" sz="2800" b="1">
                   <a:solidFill>
                     <a:schemeClr val="accent1"/>
                   </a:solidFill>
@@ -9845,22 +8773,13 @@
               <a:p>
                 <a:pPr algn="ctr"/>
                 <a:r>
-                  <a:rPr lang="" altLang="en-US" sz="2800" b="1">
-                    <a:solidFill>
-                      <a:schemeClr val="accent1"/>
-                    </a:solidFill>
-                    <a:sym typeface="+mn-ea"/>
-                  </a:rPr>
-                  <a:t>3</a:t>
-                </a:r>
-                <a:r>
                   <a:rPr lang="en-US" altLang="en-US" sz="2800" b="1">
                     <a:solidFill>
                       <a:schemeClr val="accent1"/>
                     </a:solidFill>
                     <a:sym typeface="+mn-ea"/>
                   </a:rPr>
-                  <a:t>0</a:t>
+                  <a:t>30</a:t>
                 </a:r>
                 <a:endParaRPr lang="en-US" altLang="en-US" sz="2800" b="1">
                   <a:solidFill>
@@ -9905,7 +8824,7 @@
               <a:p>
                 <a:pPr algn="ctr"/>
                 <a:r>
-                  <a:rPr lang="" altLang="en-US" sz="2800" b="1">
+                  <a:rPr lang="en-US" altLang="en-US" sz="2800" b="1">
                     <a:solidFill>
                       <a:schemeClr val="accent1"/>
                     </a:solidFill>
@@ -9913,7 +8832,7 @@
                   </a:rPr>
                   <a:t>15</a:t>
                 </a:r>
-                <a:endParaRPr lang="" altLang="en-US" sz="2800" b="1">
+                <a:endParaRPr lang="en-US" altLang="en-US" sz="2800" b="1">
                   <a:solidFill>
                     <a:schemeClr val="accent1"/>
                   </a:solidFill>
@@ -9956,7 +8875,7 @@
               <a:p>
                 <a:pPr algn="ctr"/>
                 <a:r>
-                  <a:rPr lang="" altLang="en-US" sz="2800" b="1">
+                  <a:rPr lang="en-US" altLang="en-US" sz="2800" b="1">
                     <a:solidFill>
                       <a:srgbClr val="FF0000"/>
                     </a:solidFill>
@@ -9964,7 +8883,7 @@
                   </a:rPr>
                   <a:t>12</a:t>
                 </a:r>
-                <a:endParaRPr lang="" altLang="en-US" sz="2800" b="1">
+                <a:endParaRPr lang="en-US" altLang="en-US" sz="2800" b="1">
                   <a:solidFill>
                     <a:srgbClr val="FF0000"/>
                   </a:solidFill>
@@ -10007,22 +8926,13 @@
               <a:p>
                 <a:pPr algn="ctr"/>
                 <a:r>
-                  <a:rPr lang="" altLang="en-US" sz="2800" b="1">
-                    <a:solidFill>
-                      <a:schemeClr val="accent1"/>
-                    </a:solidFill>
-                    <a:sym typeface="+mn-ea"/>
-                  </a:rPr>
-                  <a:t>1</a:t>
-                </a:r>
-                <a:r>
                   <a:rPr lang="en-US" altLang="en-US" sz="2800" b="1">
                     <a:solidFill>
                       <a:schemeClr val="accent1"/>
                     </a:solidFill>
                     <a:sym typeface="+mn-ea"/>
                   </a:rPr>
-                  <a:t>0</a:t>
+                  <a:t>10</a:t>
                 </a:r>
                 <a:endParaRPr lang="en-US" altLang="en-US" sz="2800" b="1">
                   <a:solidFill>
@@ -10067,7 +8977,7 @@
               <a:p>
                 <a:pPr algn="ctr"/>
                 <a:r>
-                  <a:rPr lang="" altLang="en-US" sz="2800" b="1">
+                  <a:rPr lang="en-US" altLang="en-US" sz="2800" b="1">
                     <a:solidFill>
                       <a:schemeClr val="accent1"/>
                     </a:solidFill>
@@ -10075,7 +8985,7 @@
                   </a:rPr>
                   <a:t>5</a:t>
                 </a:r>
-                <a:endParaRPr lang="" altLang="en-US" sz="2800" b="1">
+                <a:endParaRPr lang="en-US" altLang="en-US" sz="2800" b="1">
                   <a:solidFill>
                     <a:schemeClr val="accent1"/>
                   </a:solidFill>
@@ -10787,14 +9697,14 @@
       </p:sp>
       <p:sp>
         <p:nvSpPr>
-          <p:cNvPr id="10" name="Text Box 9"/>
+          <p:cNvPr id="12" name="Text Box 11"/>
           <p:cNvSpPr txBox="1"/>
           <p:nvPr/>
         </p:nvSpPr>
         <p:spPr>
           <a:xfrm>
-            <a:off x="4871720" y="5082540"/>
-            <a:ext cx="2233295" cy="1198880"/>
+            <a:off x="1272540" y="5082540"/>
+            <a:ext cx="3226435" cy="1198880"/>
           </a:xfrm>
           <a:prstGeom prst="rect">
             <a:avLst/>
@@ -10810,7 +9720,7 @@
             </a:scene3d>
           </a:bodyPr>
           <a:p>
-            <a:pPr algn="l"/>
+            <a:pPr algn="ctr"/>
             <a:r>
               <a:rPr lang="en-US" altLang="en-US" sz="2400" b="1">
                 <a:solidFill>
@@ -10824,7 +9734,7 @@
                   </a:outerShdw>
                 </a:effectLst>
               </a:rPr>
-              <a:t>high = mid - 1</a:t>
+              <a:t>20 == 30 ?</a:t>
             </a:r>
             <a:endParaRPr lang="en-US" altLang="en-US" sz="2400" b="1">
               <a:solidFill>
@@ -10840,11 +9750,11 @@
             </a:endParaRPr>
           </a:p>
           <a:p>
-            <a:pPr algn="l"/>
+            <a:pPr algn="ctr"/>
             <a:r>
               <a:rPr lang="en-US" altLang="en-US" sz="2400" b="1">
                 <a:solidFill>
-                  <a:schemeClr val="accent1"/>
+                  <a:srgbClr val="FF0000"/>
                 </a:solidFill>
                 <a:effectLst>
                   <a:outerShdw blurRad="38100" dist="25400" dir="5400000" algn="ctr" rotWithShape="0">
@@ -10854,10 +9764,25 @@
                   </a:outerShdw>
                 </a:effectLst>
               </a:rPr>
-              <a:t>         = </a:t>
-            </a:r>
-            <a:r>
-              <a:rPr lang="" altLang="en-US" sz="2400" b="1">
+              <a:t>20 &lt; 30 ?</a:t>
+            </a:r>
+            <a:endParaRPr lang="en-US" altLang="en-US" sz="2400" b="1">
+              <a:solidFill>
+                <a:srgbClr val="FF0000"/>
+              </a:solidFill>
+              <a:effectLst>
+                <a:outerShdw blurRad="38100" dist="25400" dir="5400000" algn="ctr" rotWithShape="0">
+                  <a:srgbClr val="6E747A">
+                    <a:alpha val="43000"/>
+                  </a:srgbClr>
+                </a:outerShdw>
+              </a:effectLst>
+            </a:endParaRPr>
+          </a:p>
+          <a:p>
+            <a:pPr algn="ctr"/>
+            <a:r>
+              <a:rPr lang="en-US" altLang="en-US" sz="2400" b="1">
                 <a:solidFill>
                   <a:schemeClr val="accent1"/>
                 </a:solidFill>
@@ -10869,260 +9794,9 @@
                   </a:outerShdw>
                 </a:effectLst>
               </a:rPr>
-              <a:t>2</a:t>
-            </a:r>
-            <a:r>
-              <a:rPr lang="en-US" altLang="en-US" sz="2400" b="1">
-                <a:solidFill>
-                  <a:schemeClr val="accent1"/>
-                </a:solidFill>
-                <a:effectLst>
-                  <a:outerShdw blurRad="38100" dist="25400" dir="5400000" algn="ctr" rotWithShape="0">
-                    <a:srgbClr val="6E747A">
-                      <a:alpha val="43000"/>
-                    </a:srgbClr>
-                  </a:outerShdw>
-                </a:effectLst>
-              </a:rPr>
-              <a:t> - 1</a:t>
+              <a:t>20 &gt; 30 ?</a:t>
             </a:r>
             <a:endParaRPr lang="en-US" altLang="en-US" sz="2400" b="1">
-              <a:solidFill>
-                <a:schemeClr val="accent1"/>
-              </a:solidFill>
-              <a:effectLst>
-                <a:outerShdw blurRad="38100" dist="25400" dir="5400000" algn="ctr" rotWithShape="0">
-                  <a:srgbClr val="6E747A">
-                    <a:alpha val="43000"/>
-                  </a:srgbClr>
-                </a:outerShdw>
-              </a:effectLst>
-            </a:endParaRPr>
-          </a:p>
-          <a:p>
-            <a:pPr algn="l"/>
-            <a:r>
-              <a:rPr lang="en-US" altLang="en-US" sz="2400" b="1">
-                <a:solidFill>
-                  <a:schemeClr val="accent1"/>
-                </a:solidFill>
-                <a:effectLst>
-                  <a:outerShdw blurRad="38100" dist="25400" dir="5400000" algn="ctr" rotWithShape="0">
-                    <a:srgbClr val="6E747A">
-                      <a:alpha val="43000"/>
-                    </a:srgbClr>
-                  </a:outerShdw>
-                </a:effectLst>
-              </a:rPr>
-              <a:t>         = </a:t>
-            </a:r>
-            <a:r>
-              <a:rPr lang="" altLang="en-US" sz="2400" b="1">
-                <a:solidFill>
-                  <a:schemeClr val="accent1"/>
-                </a:solidFill>
-                <a:effectLst>
-                  <a:outerShdw blurRad="38100" dist="25400" dir="5400000" algn="ctr" rotWithShape="0">
-                    <a:srgbClr val="6E747A">
-                      <a:alpha val="43000"/>
-                    </a:srgbClr>
-                  </a:outerShdw>
-                </a:effectLst>
-              </a:rPr>
-              <a:t>1</a:t>
-            </a:r>
-            <a:endParaRPr lang="" altLang="en-US" sz="2400" b="1">
-              <a:solidFill>
-                <a:schemeClr val="accent1"/>
-              </a:solidFill>
-              <a:effectLst>
-                <a:outerShdw blurRad="38100" dist="25400" dir="5400000" algn="ctr" rotWithShape="0">
-                  <a:srgbClr val="6E747A">
-                    <a:alpha val="43000"/>
-                  </a:srgbClr>
-                </a:outerShdw>
-              </a:effectLst>
-            </a:endParaRPr>
-          </a:p>
-        </p:txBody>
-      </p:sp>
-      <p:sp>
-        <p:nvSpPr>
-          <p:cNvPr id="12" name="Text Box 11"/>
-          <p:cNvSpPr txBox="1"/>
-          <p:nvPr/>
-        </p:nvSpPr>
-        <p:spPr>
-          <a:xfrm>
-            <a:off x="1272540" y="5082540"/>
-            <a:ext cx="3226435" cy="1198880"/>
-          </a:xfrm>
-          <a:prstGeom prst="rect">
-            <a:avLst/>
-          </a:prstGeom>
-          <a:noFill/>
-        </p:spPr>
-        <p:txBody>
-          <a:bodyPr wrap="square" rtlCol="0">
-            <a:spAutoFit/>
-            <a:scene3d>
-              <a:camera prst="orthographicFront"/>
-              <a:lightRig rig="threePt" dir="t"/>
-            </a:scene3d>
-          </a:bodyPr>
-          <a:p>
-            <a:pPr algn="l"/>
-            <a:r>
-              <a:rPr lang="en-US" altLang="en-US" sz="2400" b="1">
-                <a:solidFill>
-                  <a:schemeClr val="accent1"/>
-                </a:solidFill>
-                <a:effectLst>
-                  <a:outerShdw blurRad="38100" dist="25400" dir="5400000" algn="ctr" rotWithShape="0">
-                    <a:srgbClr val="6E747A">
-                      <a:alpha val="43000"/>
-                    </a:srgbClr>
-                  </a:outerShdw>
-                </a:effectLst>
-              </a:rPr>
-              <a:t>mid = (low + high) / 2</a:t>
-            </a:r>
-            <a:endParaRPr lang="en-US" altLang="en-US" sz="2400" b="1">
-              <a:solidFill>
-                <a:schemeClr val="accent1"/>
-              </a:solidFill>
-              <a:effectLst>
-                <a:outerShdw blurRad="38100" dist="25400" dir="5400000" algn="ctr" rotWithShape="0">
-                  <a:srgbClr val="6E747A">
-                    <a:alpha val="43000"/>
-                  </a:srgbClr>
-                </a:outerShdw>
-              </a:effectLst>
-            </a:endParaRPr>
-          </a:p>
-          <a:p>
-            <a:pPr algn="l"/>
-            <a:r>
-              <a:rPr lang="en-US" altLang="en-US" sz="2400" b="1">
-                <a:solidFill>
-                  <a:schemeClr val="accent1"/>
-                </a:solidFill>
-                <a:effectLst>
-                  <a:outerShdw blurRad="38100" dist="25400" dir="5400000" algn="ctr" rotWithShape="0">
-                    <a:srgbClr val="6E747A">
-                      <a:alpha val="43000"/>
-                    </a:srgbClr>
-                  </a:outerShdw>
-                </a:effectLst>
-              </a:rPr>
-              <a:t>       = (0 </a:t>
-            </a:r>
-            <a:r>
-              <a:rPr lang="" altLang="en-US" sz="2400" b="1">
-                <a:solidFill>
-                  <a:schemeClr val="accent1"/>
-                </a:solidFill>
-                <a:effectLst>
-                  <a:outerShdw blurRad="38100" dist="25400" dir="5400000" algn="ctr" rotWithShape="0">
-                    <a:srgbClr val="6E747A">
-                      <a:alpha val="43000"/>
-                    </a:srgbClr>
-                  </a:outerShdw>
-                </a:effectLst>
-              </a:rPr>
-              <a:t>+</a:t>
-            </a:r>
-            <a:r>
-              <a:rPr lang="en-US" altLang="en-US" sz="2400" b="1">
-                <a:solidFill>
-                  <a:schemeClr val="accent1"/>
-                </a:solidFill>
-                <a:effectLst>
-                  <a:outerShdw blurRad="38100" dist="25400" dir="5400000" algn="ctr" rotWithShape="0">
-                    <a:srgbClr val="6E747A">
-                      <a:alpha val="43000"/>
-                    </a:srgbClr>
-                  </a:outerShdw>
-                </a:effectLst>
-              </a:rPr>
-              <a:t> </a:t>
-            </a:r>
-            <a:r>
-              <a:rPr lang="" altLang="en-US" sz="2400" b="1">
-                <a:solidFill>
-                  <a:schemeClr val="accent1"/>
-                </a:solidFill>
-                <a:effectLst>
-                  <a:outerShdw blurRad="38100" dist="25400" dir="5400000" algn="ctr" rotWithShape="0">
-                    <a:srgbClr val="6E747A">
-                      <a:alpha val="43000"/>
-                    </a:srgbClr>
-                  </a:outerShdw>
-                </a:effectLst>
-              </a:rPr>
-              <a:t>1</a:t>
-            </a:r>
-            <a:r>
-              <a:rPr lang="en-US" altLang="en-US" sz="2400" b="1">
-                <a:solidFill>
-                  <a:schemeClr val="accent1"/>
-                </a:solidFill>
-                <a:effectLst>
-                  <a:outerShdw blurRad="38100" dist="25400" dir="5400000" algn="ctr" rotWithShape="0">
-                    <a:srgbClr val="6E747A">
-                      <a:alpha val="43000"/>
-                    </a:srgbClr>
-                  </a:outerShdw>
-                </a:effectLst>
-              </a:rPr>
-              <a:t>) / 2</a:t>
-            </a:r>
-            <a:endParaRPr lang="en-US" altLang="en-US" sz="2400" b="1">
-              <a:solidFill>
-                <a:schemeClr val="accent1"/>
-              </a:solidFill>
-              <a:effectLst>
-                <a:outerShdw blurRad="38100" dist="25400" dir="5400000" algn="ctr" rotWithShape="0">
-                  <a:srgbClr val="6E747A">
-                    <a:alpha val="43000"/>
-                  </a:srgbClr>
-                </a:outerShdw>
-              </a:effectLst>
-            </a:endParaRPr>
-          </a:p>
-          <a:p>
-            <a:pPr algn="l"/>
-            <a:r>
-              <a:rPr lang="en-US" altLang="en-US" sz="2400" b="1">
-                <a:solidFill>
-                  <a:schemeClr val="accent1"/>
-                </a:solidFill>
-                <a:effectLst>
-                  <a:outerShdw blurRad="38100" dist="25400" dir="5400000" algn="ctr" rotWithShape="0">
-                    <a:srgbClr val="6E747A">
-                      <a:alpha val="43000"/>
-                    </a:srgbClr>
-                  </a:outerShdw>
-                </a:effectLst>
-              </a:rPr>
-              <a:t>       = </a:t>
-            </a:r>
-            <a:r>
-              <a:rPr lang="" altLang="en-US" sz="2400" b="1">
-                <a:solidFill>
-                  <a:schemeClr val="accent1"/>
-                </a:solidFill>
-                <a:effectLst>
-                  <a:outerShdw blurRad="38100" dist="25400" dir="5400000" algn="ctr" rotWithShape="0">
-                    <a:srgbClr val="6E747A">
-                      <a:alpha val="43000"/>
-                    </a:srgbClr>
-                  </a:outerShdw>
-                </a:effectLst>
-              </a:rPr>
-              <a:t>0</a:t>
-            </a:r>
-            <a:endParaRPr lang="" altLang="en-US" sz="2400" b="1">
               <a:solidFill>
                 <a:schemeClr val="accent1"/>
               </a:solidFill>
@@ -11234,6 +9908,108 @@
         </p:spPr>
         <p:style>
           <a:lnRef idx="2">
+            <a:schemeClr val="accent5">
+              <a:shade val="50000"/>
+            </a:schemeClr>
+          </a:lnRef>
+          <a:fillRef idx="1">
+            <a:schemeClr val="accent5"/>
+          </a:fillRef>
+          <a:effectRef idx="0">
+            <a:schemeClr val="accent5"/>
+          </a:effectRef>
+          <a:fontRef idx="minor">
+            <a:schemeClr val="lt1"/>
+          </a:fontRef>
+        </p:style>
+        <p:txBody>
+          <a:bodyPr rtlCol="0" anchor="ctr"/>
+          <a:p>
+            <a:pPr algn="ctr"/>
+            <a:r>
+              <a:rPr lang="en-US" altLang="en-US" sz="2800" b="1">
+                <a:solidFill>
+                  <a:schemeClr val="bg1"/>
+                </a:solidFill>
+              </a:rPr>
+              <a:t>10</a:t>
+            </a:r>
+            <a:endParaRPr lang="en-US" altLang="en-US" sz="2800" b="1">
+              <a:solidFill>
+                <a:schemeClr val="bg1"/>
+              </a:solidFill>
+            </a:endParaRPr>
+          </a:p>
+        </p:txBody>
+      </p:sp>
+      <p:sp>
+        <p:nvSpPr>
+          <p:cNvPr id="5" name="Rectangle 4"/>
+          <p:cNvSpPr/>
+          <p:nvPr/>
+        </p:nvSpPr>
+        <p:spPr>
+          <a:xfrm>
+            <a:off x="2265680" y="3792220"/>
+            <a:ext cx="993140" cy="993140"/>
+          </a:xfrm>
+          <a:prstGeom prst="rect">
+            <a:avLst/>
+          </a:prstGeom>
+        </p:spPr>
+        <p:style>
+          <a:lnRef idx="2">
+            <a:schemeClr val="accent6"/>
+          </a:lnRef>
+          <a:fillRef idx="1">
+            <a:schemeClr val="lt1"/>
+          </a:fillRef>
+          <a:effectRef idx="0">
+            <a:schemeClr val="accent6"/>
+          </a:effectRef>
+          <a:fontRef idx="minor">
+            <a:schemeClr val="dk1"/>
+          </a:fontRef>
+        </p:style>
+        <p:txBody>
+          <a:bodyPr rtlCol="0" anchor="ctr"/>
+          <a:p>
+            <a:pPr algn="ctr"/>
+            <a:r>
+              <a:rPr lang="en-US" altLang="en-US" sz="2800" b="1">
+                <a:solidFill>
+                  <a:schemeClr val="accent1"/>
+                </a:solidFill>
+                <a:sym typeface="+mn-ea"/>
+              </a:rPr>
+              <a:t>20</a:t>
+            </a:r>
+            <a:endParaRPr lang="en-US" altLang="en-US" sz="2800" b="1">
+              <a:solidFill>
+                <a:schemeClr val="accent1"/>
+              </a:solidFill>
+              <a:sym typeface="+mn-ea"/>
+            </a:endParaRPr>
+          </a:p>
+        </p:txBody>
+      </p:sp>
+      <p:sp>
+        <p:nvSpPr>
+          <p:cNvPr id="6" name="Rectangle 5"/>
+          <p:cNvSpPr/>
+          <p:nvPr/>
+        </p:nvSpPr>
+        <p:spPr>
+          <a:xfrm>
+            <a:off x="3258820" y="3792220"/>
+            <a:ext cx="993140" cy="993140"/>
+          </a:xfrm>
+          <a:prstGeom prst="rect">
+            <a:avLst/>
+          </a:prstGeom>
+        </p:spPr>
+        <p:style>
+          <a:lnRef idx="2">
             <a:schemeClr val="accent6">
               <a:shade val="50000"/>
             </a:schemeClr>
@@ -11257,26 +10033,79 @@
                 <a:solidFill>
                   <a:schemeClr val="bg1"/>
                 </a:solidFill>
-              </a:rPr>
-              <a:t>10</a:t>
+                <a:sym typeface="+mn-ea"/>
+              </a:rPr>
+              <a:t>30</a:t>
             </a:r>
             <a:endParaRPr lang="en-US" altLang="en-US" sz="2800" b="1">
               <a:solidFill>
                 <a:schemeClr val="bg1"/>
               </a:solidFill>
-            </a:endParaRPr>
-          </a:p>
-        </p:txBody>
-      </p:sp>
-      <p:sp>
-        <p:nvSpPr>
-          <p:cNvPr id="5" name="Rectangle 4"/>
-          <p:cNvSpPr/>
-          <p:nvPr/>
-        </p:nvSpPr>
-        <p:spPr>
-          <a:xfrm>
-            <a:off x="2265680" y="3792220"/>
+              <a:sym typeface="+mn-ea"/>
+            </a:endParaRPr>
+          </a:p>
+        </p:txBody>
+      </p:sp>
+      <p:sp>
+        <p:nvSpPr>
+          <p:cNvPr id="7" name="Rectangle 6"/>
+          <p:cNvSpPr/>
+          <p:nvPr/>
+        </p:nvSpPr>
+        <p:spPr>
+          <a:xfrm>
+            <a:off x="4251960" y="3792220"/>
+            <a:ext cx="993140" cy="993140"/>
+          </a:xfrm>
+          <a:prstGeom prst="rect">
+            <a:avLst/>
+          </a:prstGeom>
+        </p:spPr>
+        <p:style>
+          <a:lnRef idx="2">
+            <a:schemeClr val="accent6"/>
+          </a:lnRef>
+          <a:fillRef idx="1">
+            <a:schemeClr val="lt1"/>
+          </a:fillRef>
+          <a:effectRef idx="0">
+            <a:schemeClr val="accent6"/>
+          </a:effectRef>
+          <a:fontRef idx="minor">
+            <a:schemeClr val="dk1"/>
+          </a:fontRef>
+        </p:style>
+        <p:txBody>
+          <a:bodyPr rtlCol="0" anchor="ctr"/>
+          <a:p>
+            <a:pPr algn="ctr"/>
+            <a:r>
+              <a:rPr lang="en-US" altLang="en-US" sz="2800" b="1">
+                <a:solidFill>
+                  <a:schemeClr val="accent1"/>
+                </a:solidFill>
+                <a:sym typeface="+mn-ea"/>
+              </a:rPr>
+              <a:t>40</a:t>
+            </a:r>
+            <a:endParaRPr lang="en-US" altLang="en-US" sz="2800" b="1">
+              <a:solidFill>
+                <a:schemeClr val="accent1"/>
+              </a:solidFill>
+              <a:sym typeface="+mn-ea"/>
+            </a:endParaRPr>
+          </a:p>
+        </p:txBody>
+      </p:sp>
+      <p:sp>
+        <p:nvSpPr>
+          <p:cNvPr id="8" name="Rectangle 7"/>
+          <p:cNvSpPr/>
+          <p:nvPr/>
+        </p:nvSpPr>
+        <p:spPr>
+          <a:xfrm>
+            <a:off x="5245100" y="3792220"/>
             <a:ext cx="993140" cy="993140"/>
           </a:xfrm>
           <a:prstGeom prst="rect">
@@ -11310,164 +10139,11 @@
                 </a:solidFill>
                 <a:sym typeface="+mn-ea"/>
               </a:rPr>
-              <a:t>20</a:t>
+              <a:t>50</a:t>
             </a:r>
             <a:endParaRPr lang="en-US" altLang="en-US" sz="2800" b="1">
               <a:solidFill>
                 <a:schemeClr val="bg1"/>
-              </a:solidFill>
-              <a:sym typeface="+mn-ea"/>
-            </a:endParaRPr>
-          </a:p>
-        </p:txBody>
-      </p:sp>
-      <p:sp>
-        <p:nvSpPr>
-          <p:cNvPr id="6" name="Rectangle 5"/>
-          <p:cNvSpPr/>
-          <p:nvPr/>
-        </p:nvSpPr>
-        <p:spPr>
-          <a:xfrm>
-            <a:off x="3258820" y="3792220"/>
-            <a:ext cx="993140" cy="993140"/>
-          </a:xfrm>
-          <a:prstGeom prst="rect">
-            <a:avLst/>
-          </a:prstGeom>
-        </p:spPr>
-        <p:style>
-          <a:lnRef idx="2">
-            <a:schemeClr val="accent6"/>
-          </a:lnRef>
-          <a:fillRef idx="1">
-            <a:schemeClr val="lt1"/>
-          </a:fillRef>
-          <a:effectRef idx="0">
-            <a:schemeClr val="accent6"/>
-          </a:effectRef>
-          <a:fontRef idx="minor">
-            <a:schemeClr val="dk1"/>
-          </a:fontRef>
-        </p:style>
-        <p:txBody>
-          <a:bodyPr rtlCol="0" anchor="ctr"/>
-          <a:p>
-            <a:pPr algn="ctr"/>
-            <a:r>
-              <a:rPr lang="en-US" altLang="en-US" sz="2800" b="1">
-                <a:solidFill>
-                  <a:schemeClr val="accent1"/>
-                </a:solidFill>
-                <a:sym typeface="+mn-ea"/>
-              </a:rPr>
-              <a:t>30</a:t>
-            </a:r>
-            <a:endParaRPr lang="en-US" altLang="en-US" sz="2800" b="1">
-              <a:solidFill>
-                <a:schemeClr val="accent1"/>
-              </a:solidFill>
-              <a:sym typeface="+mn-ea"/>
-            </a:endParaRPr>
-          </a:p>
-        </p:txBody>
-      </p:sp>
-      <p:sp>
-        <p:nvSpPr>
-          <p:cNvPr id="7" name="Rectangle 6"/>
-          <p:cNvSpPr/>
-          <p:nvPr/>
-        </p:nvSpPr>
-        <p:spPr>
-          <a:xfrm>
-            <a:off x="4251960" y="3792220"/>
-            <a:ext cx="993140" cy="993140"/>
-          </a:xfrm>
-          <a:prstGeom prst="rect">
-            <a:avLst/>
-          </a:prstGeom>
-        </p:spPr>
-        <p:style>
-          <a:lnRef idx="2">
-            <a:schemeClr val="accent6"/>
-          </a:lnRef>
-          <a:fillRef idx="1">
-            <a:schemeClr val="lt1"/>
-          </a:fillRef>
-          <a:effectRef idx="0">
-            <a:schemeClr val="accent6"/>
-          </a:effectRef>
-          <a:fontRef idx="minor">
-            <a:schemeClr val="dk1"/>
-          </a:fontRef>
-        </p:style>
-        <p:txBody>
-          <a:bodyPr rtlCol="0" anchor="ctr"/>
-          <a:p>
-            <a:pPr algn="ctr"/>
-            <a:r>
-              <a:rPr lang="en-US" altLang="en-US" sz="2800" b="1">
-                <a:solidFill>
-                  <a:schemeClr val="accent1"/>
-                </a:solidFill>
-                <a:sym typeface="+mn-ea"/>
-              </a:rPr>
-              <a:t>40</a:t>
-            </a:r>
-            <a:endParaRPr lang="en-US" altLang="en-US" sz="2800" b="1">
-              <a:solidFill>
-                <a:schemeClr val="accent1"/>
-              </a:solidFill>
-              <a:sym typeface="+mn-ea"/>
-            </a:endParaRPr>
-          </a:p>
-        </p:txBody>
-      </p:sp>
-      <p:sp>
-        <p:nvSpPr>
-          <p:cNvPr id="8" name="Rectangle 7"/>
-          <p:cNvSpPr/>
-          <p:nvPr/>
-        </p:nvSpPr>
-        <p:spPr>
-          <a:xfrm>
-            <a:off x="5245100" y="3792220"/>
-            <a:ext cx="993140" cy="993140"/>
-          </a:xfrm>
-          <a:prstGeom prst="rect">
-            <a:avLst/>
-          </a:prstGeom>
-        </p:spPr>
-        <p:style>
-          <a:lnRef idx="2">
-            <a:schemeClr val="accent6"/>
-          </a:lnRef>
-          <a:fillRef idx="1">
-            <a:schemeClr val="lt1"/>
-          </a:fillRef>
-          <a:effectRef idx="0">
-            <a:schemeClr val="accent6"/>
-          </a:effectRef>
-          <a:fontRef idx="minor">
-            <a:schemeClr val="dk1"/>
-          </a:fontRef>
-        </p:style>
-        <p:txBody>
-          <a:bodyPr rtlCol="0" anchor="ctr"/>
-          <a:p>
-            <a:pPr algn="ctr"/>
-            <a:r>
-              <a:rPr lang="en-US" altLang="en-US" sz="2800" b="1">
-                <a:solidFill>
-                  <a:schemeClr val="accent1"/>
-                </a:solidFill>
-                <a:sym typeface="+mn-ea"/>
-              </a:rPr>
-              <a:t>50</a:t>
-            </a:r>
-            <a:endParaRPr lang="en-US" altLang="en-US" sz="2800" b="1">
-              <a:solidFill>
-                <a:schemeClr val="accent1"/>
               </a:solidFill>
               <a:sym typeface="+mn-ea"/>
             </a:endParaRPr>
@@ -12555,14 +11231,14 @@
       </p:sp>
       <p:sp>
         <p:nvSpPr>
-          <p:cNvPr id="12" name="Text Box 11"/>
+          <p:cNvPr id="10" name="Text Box 9"/>
           <p:cNvSpPr txBox="1"/>
           <p:nvPr/>
         </p:nvSpPr>
         <p:spPr>
           <a:xfrm>
-            <a:off x="1272540" y="5082540"/>
-            <a:ext cx="3226435" cy="1198880"/>
+            <a:off x="4871720" y="5082540"/>
+            <a:ext cx="2233295" cy="1198880"/>
           </a:xfrm>
           <a:prstGeom prst="rect">
             <a:avLst/>
@@ -12580,7 +11256,7 @@
           <a:p>
             <a:pPr algn="l"/>
             <a:r>
-              <a:rPr lang="" altLang="en-US" sz="2400" b="1">
+              <a:rPr lang="en-US" altLang="en-US" sz="2400" b="1">
                 <a:solidFill>
                   <a:schemeClr val="accent1"/>
                 </a:solidFill>
@@ -12592,9 +11268,9 @@
                   </a:outerShdw>
                 </a:effectLst>
               </a:rPr>
-              <a:t>20 == 10</a:t>
-            </a:r>
-            <a:endParaRPr lang="" altLang="en-US" sz="2400" b="1">
+              <a:t>high = mid - 1</a:t>
+            </a:r>
+            <a:endParaRPr lang="en-US" altLang="en-US" sz="2400" b="1">
               <a:solidFill>
                 <a:schemeClr val="accent1"/>
               </a:solidFill>
@@ -12610,7 +11286,7 @@
           <a:p>
             <a:pPr algn="l"/>
             <a:r>
-              <a:rPr lang="" altLang="en-US" sz="2400" b="1">
+              <a:rPr lang="en-US" altLang="en-US" sz="2400" b="1">
                 <a:solidFill>
                   <a:schemeClr val="accent1"/>
                 </a:solidFill>
@@ -12622,9 +11298,9 @@
                   </a:outerShdw>
                 </a:effectLst>
               </a:rPr>
-              <a:t>20 &lt; 10</a:t>
-            </a:r>
-            <a:endParaRPr lang="" altLang="en-US" sz="2400" b="1">
+              <a:t>         = 2 - 1</a:t>
+            </a:r>
+            <a:endParaRPr lang="en-US" altLang="en-US" sz="2400" b="1">
               <a:solidFill>
                 <a:schemeClr val="accent1"/>
               </a:solidFill>
@@ -12640,9 +11316,9 @@
           <a:p>
             <a:pPr algn="l"/>
             <a:r>
-              <a:rPr lang="" altLang="en-US" sz="2400" b="1">
-                <a:solidFill>
-                  <a:srgbClr val="FF0000"/>
+              <a:rPr lang="en-US" altLang="en-US" sz="2400" b="1">
+                <a:solidFill>
+                  <a:schemeClr val="accent1"/>
                 </a:solidFill>
                 <a:effectLst>
                   <a:outerShdw blurRad="38100" dist="25400" dir="5400000" algn="ctr" rotWithShape="0">
@@ -12652,11 +11328,127 @@
                   </a:outerShdw>
                 </a:effectLst>
               </a:rPr>
-              <a:t>20 &gt; 10</a:t>
-            </a:r>
-            <a:endParaRPr lang="" altLang="en-US" sz="2400" b="1">
-              <a:solidFill>
-                <a:srgbClr val="FF0000"/>
+              <a:t>         = 1</a:t>
+            </a:r>
+            <a:endParaRPr lang="en-US" altLang="en-US" sz="2400" b="1">
+              <a:solidFill>
+                <a:schemeClr val="accent1"/>
+              </a:solidFill>
+              <a:effectLst>
+                <a:outerShdw blurRad="38100" dist="25400" dir="5400000" algn="ctr" rotWithShape="0">
+                  <a:srgbClr val="6E747A">
+                    <a:alpha val="43000"/>
+                  </a:srgbClr>
+                </a:outerShdw>
+              </a:effectLst>
+            </a:endParaRPr>
+          </a:p>
+        </p:txBody>
+      </p:sp>
+      <p:sp>
+        <p:nvSpPr>
+          <p:cNvPr id="12" name="Text Box 11"/>
+          <p:cNvSpPr txBox="1"/>
+          <p:nvPr/>
+        </p:nvSpPr>
+        <p:spPr>
+          <a:xfrm>
+            <a:off x="1272540" y="5082540"/>
+            <a:ext cx="3226435" cy="1198880"/>
+          </a:xfrm>
+          <a:prstGeom prst="rect">
+            <a:avLst/>
+          </a:prstGeom>
+          <a:noFill/>
+        </p:spPr>
+        <p:txBody>
+          <a:bodyPr wrap="square" rtlCol="0">
+            <a:spAutoFit/>
+            <a:scene3d>
+              <a:camera prst="orthographicFront"/>
+              <a:lightRig rig="threePt" dir="t"/>
+            </a:scene3d>
+          </a:bodyPr>
+          <a:p>
+            <a:pPr algn="l"/>
+            <a:r>
+              <a:rPr lang="en-US" altLang="en-US" sz="2400" b="1">
+                <a:solidFill>
+                  <a:schemeClr val="accent1"/>
+                </a:solidFill>
+                <a:effectLst>
+                  <a:outerShdw blurRad="38100" dist="25400" dir="5400000" algn="ctr" rotWithShape="0">
+                    <a:srgbClr val="6E747A">
+                      <a:alpha val="43000"/>
+                    </a:srgbClr>
+                  </a:outerShdw>
+                </a:effectLst>
+              </a:rPr>
+              <a:t>mid = (low + high) / 2</a:t>
+            </a:r>
+            <a:endParaRPr lang="en-US" altLang="en-US" sz="2400" b="1">
+              <a:solidFill>
+                <a:schemeClr val="accent1"/>
+              </a:solidFill>
+              <a:effectLst>
+                <a:outerShdw blurRad="38100" dist="25400" dir="5400000" algn="ctr" rotWithShape="0">
+                  <a:srgbClr val="6E747A">
+                    <a:alpha val="43000"/>
+                  </a:srgbClr>
+                </a:outerShdw>
+              </a:effectLst>
+            </a:endParaRPr>
+          </a:p>
+          <a:p>
+            <a:pPr algn="l"/>
+            <a:r>
+              <a:rPr lang="en-US" altLang="en-US" sz="2400" b="1">
+                <a:solidFill>
+                  <a:schemeClr val="accent1"/>
+                </a:solidFill>
+                <a:effectLst>
+                  <a:outerShdw blurRad="38100" dist="25400" dir="5400000" algn="ctr" rotWithShape="0">
+                    <a:srgbClr val="6E747A">
+                      <a:alpha val="43000"/>
+                    </a:srgbClr>
+                  </a:outerShdw>
+                </a:effectLst>
+              </a:rPr>
+              <a:t>       = (0 + 1) / 2</a:t>
+            </a:r>
+            <a:endParaRPr lang="en-US" altLang="en-US" sz="2400" b="1">
+              <a:solidFill>
+                <a:schemeClr val="accent1"/>
+              </a:solidFill>
+              <a:effectLst>
+                <a:outerShdw blurRad="38100" dist="25400" dir="5400000" algn="ctr" rotWithShape="0">
+                  <a:srgbClr val="6E747A">
+                    <a:alpha val="43000"/>
+                  </a:srgbClr>
+                </a:outerShdw>
+              </a:effectLst>
+            </a:endParaRPr>
+          </a:p>
+          <a:p>
+            <a:pPr algn="l"/>
+            <a:r>
+              <a:rPr lang="en-US" altLang="en-US" sz="2400" b="1">
+                <a:solidFill>
+                  <a:schemeClr val="accent1"/>
+                </a:solidFill>
+                <a:effectLst>
+                  <a:outerShdw blurRad="38100" dist="25400" dir="5400000" algn="ctr" rotWithShape="0">
+                    <a:srgbClr val="6E747A">
+                      <a:alpha val="43000"/>
+                    </a:srgbClr>
+                  </a:outerShdw>
+                </a:effectLst>
+              </a:rPr>
+              <a:t>       = 0</a:t>
+            </a:r>
+            <a:endParaRPr lang="en-US" altLang="en-US" sz="2400" b="1">
+              <a:solidFill>
+                <a:schemeClr val="accent1"/>
               </a:solidFill>
               <a:effectLst>
                 <a:outerShdw blurRad="38100" dist="25400" dir="5400000" algn="ctr" rotWithShape="0">
@@ -13263,14 +12055,14 @@
       </p:sp>
       <p:sp>
         <p:nvSpPr>
-          <p:cNvPr id="10" name="Text Box 9"/>
+          <p:cNvPr id="12" name="Text Box 11"/>
           <p:cNvSpPr txBox="1"/>
           <p:nvPr/>
         </p:nvSpPr>
         <p:spPr>
           <a:xfrm>
-            <a:off x="4871720" y="5082540"/>
-            <a:ext cx="2233295" cy="1198880"/>
+            <a:off x="1272540" y="5082540"/>
+            <a:ext cx="3226435" cy="1198880"/>
           </a:xfrm>
           <a:prstGeom prst="rect">
             <a:avLst/>
@@ -13288,7 +12080,7 @@
           <a:p>
             <a:pPr algn="l"/>
             <a:r>
-              <a:rPr lang="" altLang="en-US" sz="2400" b="1">
+              <a:rPr lang="en-US" altLang="en-US" sz="2400" b="1">
                 <a:solidFill>
                   <a:schemeClr val="accent1"/>
                 </a:solidFill>
@@ -13300,8 +12092,23 @@
                   </a:outerShdw>
                 </a:effectLst>
               </a:rPr>
-              <a:t>low </a:t>
-            </a:r>
+              <a:t>20 == 10</a:t>
+            </a:r>
+            <a:endParaRPr lang="en-US" altLang="en-US" sz="2400" b="1">
+              <a:solidFill>
+                <a:schemeClr val="accent1"/>
+              </a:solidFill>
+              <a:effectLst>
+                <a:outerShdw blurRad="38100" dist="25400" dir="5400000" algn="ctr" rotWithShape="0">
+                  <a:srgbClr val="6E747A">
+                    <a:alpha val="43000"/>
+                  </a:srgbClr>
+                </a:outerShdw>
+              </a:effectLst>
+            </a:endParaRPr>
+          </a:p>
+          <a:p>
+            <a:pPr algn="l"/>
             <a:r>
               <a:rPr lang="en-US" altLang="en-US" sz="2400" b="1">
                 <a:solidFill>
@@ -13315,12 +12122,27 @@
                   </a:outerShdw>
                 </a:effectLst>
               </a:rPr>
-              <a:t>= mid </a:t>
-            </a:r>
-            <a:r>
-              <a:rPr lang="" altLang="en-US" sz="2400" b="1">
-                <a:solidFill>
-                  <a:schemeClr val="accent1"/>
+              <a:t>20 &lt; 10</a:t>
+            </a:r>
+            <a:endParaRPr lang="en-US" altLang="en-US" sz="2400" b="1">
+              <a:solidFill>
+                <a:schemeClr val="accent1"/>
+              </a:solidFill>
+              <a:effectLst>
+                <a:outerShdw blurRad="38100" dist="25400" dir="5400000" algn="ctr" rotWithShape="0">
+                  <a:srgbClr val="6E747A">
+                    <a:alpha val="43000"/>
+                  </a:srgbClr>
+                </a:outerShdw>
+              </a:effectLst>
+            </a:endParaRPr>
+          </a:p>
+          <a:p>
+            <a:pPr algn="l"/>
+            <a:r>
+              <a:rPr lang="en-US" altLang="en-US" sz="2400" b="1">
+                <a:solidFill>
+                  <a:srgbClr val="FF0000"/>
                 </a:solidFill>
                 <a:effectLst>
                   <a:outerShdw blurRad="38100" dist="25400" dir="5400000" algn="ctr" rotWithShape="0">
@@ -13330,322 +12152,11 @@
                   </a:outerShdw>
                 </a:effectLst>
               </a:rPr>
-              <a:t>+</a:t>
-            </a:r>
-            <a:r>
-              <a:rPr lang="en-US" altLang="en-US" sz="2400" b="1">
-                <a:solidFill>
-                  <a:schemeClr val="accent1"/>
-                </a:solidFill>
-                <a:effectLst>
-                  <a:outerShdw blurRad="38100" dist="25400" dir="5400000" algn="ctr" rotWithShape="0">
-                    <a:srgbClr val="6E747A">
-                      <a:alpha val="43000"/>
-                    </a:srgbClr>
-                  </a:outerShdw>
-                </a:effectLst>
-              </a:rPr>
-              <a:t> 1</a:t>
+              <a:t>20 &gt; 10</a:t>
             </a:r>
             <a:endParaRPr lang="en-US" altLang="en-US" sz="2400" b="1">
               <a:solidFill>
-                <a:schemeClr val="accent1"/>
-              </a:solidFill>
-              <a:effectLst>
-                <a:outerShdw blurRad="38100" dist="25400" dir="5400000" algn="ctr" rotWithShape="0">
-                  <a:srgbClr val="6E747A">
-                    <a:alpha val="43000"/>
-                  </a:srgbClr>
-                </a:outerShdw>
-              </a:effectLst>
-            </a:endParaRPr>
-          </a:p>
-          <a:p>
-            <a:pPr algn="l"/>
-            <a:r>
-              <a:rPr lang="en-US" altLang="en-US" sz="2400" b="1">
-                <a:solidFill>
-                  <a:schemeClr val="accent1"/>
-                </a:solidFill>
-                <a:effectLst>
-                  <a:outerShdw blurRad="38100" dist="25400" dir="5400000" algn="ctr" rotWithShape="0">
-                    <a:srgbClr val="6E747A">
-                      <a:alpha val="43000"/>
-                    </a:srgbClr>
-                  </a:outerShdw>
-                </a:effectLst>
-              </a:rPr>
-              <a:t>         = </a:t>
-            </a:r>
-            <a:r>
-              <a:rPr lang="" altLang="en-US" sz="2400" b="1">
-                <a:solidFill>
-                  <a:schemeClr val="accent1"/>
-                </a:solidFill>
-                <a:effectLst>
-                  <a:outerShdw blurRad="38100" dist="25400" dir="5400000" algn="ctr" rotWithShape="0">
-                    <a:srgbClr val="6E747A">
-                      <a:alpha val="43000"/>
-                    </a:srgbClr>
-                  </a:outerShdw>
-                </a:effectLst>
-              </a:rPr>
-              <a:t>0</a:t>
-            </a:r>
-            <a:r>
-              <a:rPr lang="en-US" altLang="en-US" sz="2400" b="1">
-                <a:solidFill>
-                  <a:schemeClr val="accent1"/>
-                </a:solidFill>
-                <a:effectLst>
-                  <a:outerShdw blurRad="38100" dist="25400" dir="5400000" algn="ctr" rotWithShape="0">
-                    <a:srgbClr val="6E747A">
-                      <a:alpha val="43000"/>
-                    </a:srgbClr>
-                  </a:outerShdw>
-                </a:effectLst>
-              </a:rPr>
-              <a:t> </a:t>
-            </a:r>
-            <a:r>
-              <a:rPr lang="" altLang="en-US" sz="2400" b="1">
-                <a:solidFill>
-                  <a:schemeClr val="accent1"/>
-                </a:solidFill>
-                <a:effectLst>
-                  <a:outerShdw blurRad="38100" dist="25400" dir="5400000" algn="ctr" rotWithShape="0">
-                    <a:srgbClr val="6E747A">
-                      <a:alpha val="43000"/>
-                    </a:srgbClr>
-                  </a:outerShdw>
-                </a:effectLst>
-              </a:rPr>
-              <a:t>+</a:t>
-            </a:r>
-            <a:r>
-              <a:rPr lang="en-US" altLang="en-US" sz="2400" b="1">
-                <a:solidFill>
-                  <a:schemeClr val="accent1"/>
-                </a:solidFill>
-                <a:effectLst>
-                  <a:outerShdw blurRad="38100" dist="25400" dir="5400000" algn="ctr" rotWithShape="0">
-                    <a:srgbClr val="6E747A">
-                      <a:alpha val="43000"/>
-                    </a:srgbClr>
-                  </a:outerShdw>
-                </a:effectLst>
-              </a:rPr>
-              <a:t> 1</a:t>
-            </a:r>
-            <a:endParaRPr lang="en-US" altLang="en-US" sz="2400" b="1">
-              <a:solidFill>
-                <a:schemeClr val="accent1"/>
-              </a:solidFill>
-              <a:effectLst>
-                <a:outerShdw blurRad="38100" dist="25400" dir="5400000" algn="ctr" rotWithShape="0">
-                  <a:srgbClr val="6E747A">
-                    <a:alpha val="43000"/>
-                  </a:srgbClr>
-                </a:outerShdw>
-              </a:effectLst>
-            </a:endParaRPr>
-          </a:p>
-          <a:p>
-            <a:pPr algn="l"/>
-            <a:r>
-              <a:rPr lang="en-US" altLang="en-US" sz="2400" b="1">
-                <a:solidFill>
-                  <a:schemeClr val="accent1"/>
-                </a:solidFill>
-                <a:effectLst>
-                  <a:outerShdw blurRad="38100" dist="25400" dir="5400000" algn="ctr" rotWithShape="0">
-                    <a:srgbClr val="6E747A">
-                      <a:alpha val="43000"/>
-                    </a:srgbClr>
-                  </a:outerShdw>
-                </a:effectLst>
-              </a:rPr>
-              <a:t>         = </a:t>
-            </a:r>
-            <a:r>
-              <a:rPr lang="" altLang="en-US" sz="2400" b="1">
-                <a:solidFill>
-                  <a:schemeClr val="accent1"/>
-                </a:solidFill>
-                <a:effectLst>
-                  <a:outerShdw blurRad="38100" dist="25400" dir="5400000" algn="ctr" rotWithShape="0">
-                    <a:srgbClr val="6E747A">
-                      <a:alpha val="43000"/>
-                    </a:srgbClr>
-                  </a:outerShdw>
-                </a:effectLst>
-              </a:rPr>
-              <a:t>1</a:t>
-            </a:r>
-            <a:endParaRPr lang="" altLang="en-US" sz="2400" b="1">
-              <a:solidFill>
-                <a:schemeClr val="accent1"/>
-              </a:solidFill>
-              <a:effectLst>
-                <a:outerShdw blurRad="38100" dist="25400" dir="5400000" algn="ctr" rotWithShape="0">
-                  <a:srgbClr val="6E747A">
-                    <a:alpha val="43000"/>
-                  </a:srgbClr>
-                </a:outerShdw>
-              </a:effectLst>
-            </a:endParaRPr>
-          </a:p>
-        </p:txBody>
-      </p:sp>
-      <p:sp>
-        <p:nvSpPr>
-          <p:cNvPr id="12" name="Text Box 11"/>
-          <p:cNvSpPr txBox="1"/>
-          <p:nvPr/>
-        </p:nvSpPr>
-        <p:spPr>
-          <a:xfrm>
-            <a:off x="1272540" y="5082540"/>
-            <a:ext cx="3226435" cy="1198880"/>
-          </a:xfrm>
-          <a:prstGeom prst="rect">
-            <a:avLst/>
-          </a:prstGeom>
-          <a:noFill/>
-        </p:spPr>
-        <p:txBody>
-          <a:bodyPr wrap="square" rtlCol="0">
-            <a:spAutoFit/>
-            <a:scene3d>
-              <a:camera prst="orthographicFront"/>
-              <a:lightRig rig="threePt" dir="t"/>
-            </a:scene3d>
-          </a:bodyPr>
-          <a:p>
-            <a:pPr algn="l"/>
-            <a:r>
-              <a:rPr lang="en-US" altLang="en-US" sz="2400" b="1">
-                <a:solidFill>
-                  <a:schemeClr val="accent1"/>
-                </a:solidFill>
-                <a:effectLst>
-                  <a:outerShdw blurRad="38100" dist="25400" dir="5400000" algn="ctr" rotWithShape="0">
-                    <a:srgbClr val="6E747A">
-                      <a:alpha val="43000"/>
-                    </a:srgbClr>
-                  </a:outerShdw>
-                </a:effectLst>
-              </a:rPr>
-              <a:t>mid = (low + high) / 2</a:t>
-            </a:r>
-            <a:endParaRPr lang="en-US" altLang="en-US" sz="2400" b="1">
-              <a:solidFill>
-                <a:schemeClr val="accent1"/>
-              </a:solidFill>
-              <a:effectLst>
-                <a:outerShdw blurRad="38100" dist="25400" dir="5400000" algn="ctr" rotWithShape="0">
-                  <a:srgbClr val="6E747A">
-                    <a:alpha val="43000"/>
-                  </a:srgbClr>
-                </a:outerShdw>
-              </a:effectLst>
-            </a:endParaRPr>
-          </a:p>
-          <a:p>
-            <a:pPr algn="l"/>
-            <a:r>
-              <a:rPr lang="en-US" altLang="en-US" sz="2400" b="1">
-                <a:solidFill>
-                  <a:schemeClr val="accent1"/>
-                </a:solidFill>
-                <a:effectLst>
-                  <a:outerShdw blurRad="38100" dist="25400" dir="5400000" algn="ctr" rotWithShape="0">
-                    <a:srgbClr val="6E747A">
-                      <a:alpha val="43000"/>
-                    </a:srgbClr>
-                  </a:outerShdw>
-                </a:effectLst>
-              </a:rPr>
-              <a:t>       = (</a:t>
-            </a:r>
-            <a:r>
-              <a:rPr lang="" altLang="en-US" sz="2400" b="1">
-                <a:solidFill>
-                  <a:schemeClr val="accent1"/>
-                </a:solidFill>
-                <a:effectLst>
-                  <a:outerShdw blurRad="38100" dist="25400" dir="5400000" algn="ctr" rotWithShape="0">
-                    <a:srgbClr val="6E747A">
-                      <a:alpha val="43000"/>
-                    </a:srgbClr>
-                  </a:outerShdw>
-                </a:effectLst>
-              </a:rPr>
-              <a:t>1</a:t>
-            </a:r>
-            <a:r>
-              <a:rPr lang="en-US" altLang="en-US" sz="2400" b="1">
-                <a:solidFill>
-                  <a:schemeClr val="accent1"/>
-                </a:solidFill>
-                <a:effectLst>
-                  <a:outerShdw blurRad="38100" dist="25400" dir="5400000" algn="ctr" rotWithShape="0">
-                    <a:srgbClr val="6E747A">
-                      <a:alpha val="43000"/>
-                    </a:srgbClr>
-                  </a:outerShdw>
-                </a:effectLst>
-              </a:rPr>
-              <a:t> + 1) / 2</a:t>
-            </a:r>
-            <a:endParaRPr lang="en-US" altLang="en-US" sz="2400" b="1">
-              <a:solidFill>
-                <a:schemeClr val="accent1"/>
-              </a:solidFill>
-              <a:effectLst>
-                <a:outerShdw blurRad="38100" dist="25400" dir="5400000" algn="ctr" rotWithShape="0">
-                  <a:srgbClr val="6E747A">
-                    <a:alpha val="43000"/>
-                  </a:srgbClr>
-                </a:outerShdw>
-              </a:effectLst>
-            </a:endParaRPr>
-          </a:p>
-          <a:p>
-            <a:pPr algn="l"/>
-            <a:r>
-              <a:rPr lang="en-US" altLang="en-US" sz="2400" b="1">
-                <a:solidFill>
-                  <a:schemeClr val="accent1"/>
-                </a:solidFill>
-                <a:effectLst>
-                  <a:outerShdw blurRad="38100" dist="25400" dir="5400000" algn="ctr" rotWithShape="0">
-                    <a:srgbClr val="6E747A">
-                      <a:alpha val="43000"/>
-                    </a:srgbClr>
-                  </a:outerShdw>
-                </a:effectLst>
-              </a:rPr>
-              <a:t>       = </a:t>
-            </a:r>
-            <a:r>
-              <a:rPr lang="" altLang="en-US" sz="2400" b="1">
-                <a:solidFill>
-                  <a:schemeClr val="accent1"/>
-                </a:solidFill>
-                <a:effectLst>
-                  <a:outerShdw blurRad="38100" dist="25400" dir="5400000" algn="ctr" rotWithShape="0">
-                    <a:srgbClr val="6E747A">
-                      <a:alpha val="43000"/>
-                    </a:srgbClr>
-                  </a:outerShdw>
-                </a:effectLst>
-              </a:rPr>
-              <a:t>1</a:t>
-            </a:r>
-            <a:endParaRPr lang="" altLang="en-US" sz="2400" b="1">
-              <a:solidFill>
-                <a:schemeClr val="accent1"/>
+                <a:srgbClr val="FF0000"/>
               </a:solidFill>
               <a:effectLst>
                 <a:outerShdw blurRad="38100" dist="25400" dir="5400000" algn="ctr" rotWithShape="0">
@@ -13755,6 +12266,57 @@
         </p:spPr>
         <p:style>
           <a:lnRef idx="2">
+            <a:schemeClr val="accent6">
+              <a:shade val="50000"/>
+            </a:schemeClr>
+          </a:lnRef>
+          <a:fillRef idx="1">
+            <a:schemeClr val="accent6"/>
+          </a:fillRef>
+          <a:effectRef idx="0">
+            <a:schemeClr val="accent6"/>
+          </a:effectRef>
+          <a:fontRef idx="minor">
+            <a:schemeClr val="lt1"/>
+          </a:fontRef>
+        </p:style>
+        <p:txBody>
+          <a:bodyPr rtlCol="0" anchor="ctr"/>
+          <a:p>
+            <a:pPr algn="ctr"/>
+            <a:r>
+              <a:rPr lang="en-US" altLang="en-US" sz="2800" b="1">
+                <a:solidFill>
+                  <a:schemeClr val="bg1"/>
+                </a:solidFill>
+              </a:rPr>
+              <a:t>10</a:t>
+            </a:r>
+            <a:endParaRPr lang="en-US" altLang="en-US" sz="2800" b="1">
+              <a:solidFill>
+                <a:schemeClr val="bg1"/>
+              </a:solidFill>
+            </a:endParaRPr>
+          </a:p>
+        </p:txBody>
+      </p:sp>
+      <p:sp>
+        <p:nvSpPr>
+          <p:cNvPr id="5" name="Rectangle 4"/>
+          <p:cNvSpPr/>
+          <p:nvPr/>
+        </p:nvSpPr>
+        <p:spPr>
+          <a:xfrm>
+            <a:off x="2265680" y="3792220"/>
+            <a:ext cx="993140" cy="993140"/>
+          </a:xfrm>
+          <a:prstGeom prst="rect">
+            <a:avLst/>
+          </a:prstGeom>
+        </p:spPr>
+        <p:style>
+          <a:lnRef idx="2">
             <a:schemeClr val="accent5">
               <a:shade val="50000"/>
             </a:schemeClr>
@@ -13764,57 +12326,6 @@
           </a:fillRef>
           <a:effectRef idx="0">
             <a:schemeClr val="accent5"/>
-          </a:effectRef>
-          <a:fontRef idx="minor">
-            <a:schemeClr val="lt1"/>
-          </a:fontRef>
-        </p:style>
-        <p:txBody>
-          <a:bodyPr rtlCol="0" anchor="ctr"/>
-          <a:p>
-            <a:pPr algn="ctr"/>
-            <a:r>
-              <a:rPr lang="en-US" altLang="en-US" sz="2800" b="1">
-                <a:solidFill>
-                  <a:schemeClr val="bg1"/>
-                </a:solidFill>
-              </a:rPr>
-              <a:t>10</a:t>
-            </a:r>
-            <a:endParaRPr lang="en-US" altLang="en-US" sz="2800" b="1">
-              <a:solidFill>
-                <a:schemeClr val="bg1"/>
-              </a:solidFill>
-            </a:endParaRPr>
-          </a:p>
-        </p:txBody>
-      </p:sp>
-      <p:sp>
-        <p:nvSpPr>
-          <p:cNvPr id="5" name="Rectangle 4"/>
-          <p:cNvSpPr/>
-          <p:nvPr/>
-        </p:nvSpPr>
-        <p:spPr>
-          <a:xfrm>
-            <a:off x="2265680" y="3792220"/>
-            <a:ext cx="993140" cy="993140"/>
-          </a:xfrm>
-          <a:prstGeom prst="rect">
-            <a:avLst/>
-          </a:prstGeom>
-        </p:spPr>
-        <p:style>
-          <a:lnRef idx="2">
-            <a:schemeClr val="accent6">
-              <a:shade val="50000"/>
-            </a:schemeClr>
-          </a:lnRef>
-          <a:fillRef idx="1">
-            <a:schemeClr val="accent6"/>
-          </a:fillRef>
-          <a:effectRef idx="0">
-            <a:schemeClr val="accent6"/>
           </a:effectRef>
           <a:fontRef idx="minor">
             <a:schemeClr val="lt1"/>
@@ -15076,14 +13587,14 @@
       </p:sp>
       <p:sp>
         <p:nvSpPr>
-          <p:cNvPr id="12" name="Text Box 11"/>
+          <p:cNvPr id="10" name="Text Box 9"/>
           <p:cNvSpPr txBox="1"/>
           <p:nvPr/>
         </p:nvSpPr>
         <p:spPr>
           <a:xfrm>
-            <a:off x="1272540" y="5082540"/>
-            <a:ext cx="3226435" cy="1198880"/>
+            <a:off x="4871720" y="5082540"/>
+            <a:ext cx="2233295" cy="1198880"/>
           </a:xfrm>
           <a:prstGeom prst="rect">
             <a:avLst/>
@@ -15101,9 +13612,9 @@
           <a:p>
             <a:pPr algn="l"/>
             <a:r>
-              <a:rPr lang="" altLang="en-US" sz="2400" b="1">
-                <a:solidFill>
-                  <a:srgbClr val="FF0000"/>
+              <a:rPr lang="en-US" altLang="en-US" sz="2400" b="1">
+                <a:solidFill>
+                  <a:schemeClr val="accent1"/>
                 </a:solidFill>
                 <a:effectLst>
                   <a:outerShdw blurRad="38100" dist="25400" dir="5400000" algn="ctr" rotWithShape="0">
@@ -15113,9 +13624,9 @@
                   </a:outerShdw>
                 </a:effectLst>
               </a:rPr>
-              <a:t>20 == 20</a:t>
-            </a:r>
-            <a:endParaRPr lang="" altLang="en-US" sz="2400" b="1">
+              <a:t>low = mid + 1</a:t>
+            </a:r>
+            <a:endParaRPr lang="en-US" altLang="en-US" sz="2400" b="1">
               <a:solidFill>
                 <a:schemeClr val="accent1"/>
               </a:solidFill>
@@ -15131,7 +13642,7 @@
           <a:p>
             <a:pPr algn="l"/>
             <a:r>
-              <a:rPr lang="" altLang="en-US" sz="2400" b="1">
+              <a:rPr lang="en-US" altLang="en-US" sz="2400" b="1">
                 <a:solidFill>
                   <a:schemeClr val="accent1"/>
                 </a:solidFill>
@@ -15143,9 +13654,9 @@
                   </a:outerShdw>
                 </a:effectLst>
               </a:rPr>
-              <a:t>20 &lt; 20</a:t>
-            </a:r>
-            <a:endParaRPr lang="" altLang="en-US" sz="2400" b="1">
+              <a:t>         = 0 + 1</a:t>
+            </a:r>
+            <a:endParaRPr lang="en-US" altLang="en-US" sz="2400" b="1">
               <a:solidFill>
                 <a:schemeClr val="accent1"/>
               </a:solidFill>
@@ -15161,7 +13672,7 @@
           <a:p>
             <a:pPr algn="l"/>
             <a:r>
-              <a:rPr lang="" altLang="en-US" sz="2400" b="1">
+              <a:rPr lang="en-US" altLang="en-US" sz="2400" b="1">
                 <a:solidFill>
                   <a:schemeClr val="accent1"/>
                 </a:solidFill>
@@ -15173,9 +13684,125 @@
                   </a:outerShdw>
                 </a:effectLst>
               </a:rPr>
-              <a:t>20 &gt; 20</a:t>
-            </a:r>
-            <a:endParaRPr lang="" altLang="en-US" sz="2400" b="1">
+              <a:t>         = 1</a:t>
+            </a:r>
+            <a:endParaRPr lang="en-US" altLang="en-US" sz="2400" b="1">
+              <a:solidFill>
+                <a:schemeClr val="accent1"/>
+              </a:solidFill>
+              <a:effectLst>
+                <a:outerShdw blurRad="38100" dist="25400" dir="5400000" algn="ctr" rotWithShape="0">
+                  <a:srgbClr val="6E747A">
+                    <a:alpha val="43000"/>
+                  </a:srgbClr>
+                </a:outerShdw>
+              </a:effectLst>
+            </a:endParaRPr>
+          </a:p>
+        </p:txBody>
+      </p:sp>
+      <p:sp>
+        <p:nvSpPr>
+          <p:cNvPr id="12" name="Text Box 11"/>
+          <p:cNvSpPr txBox="1"/>
+          <p:nvPr/>
+        </p:nvSpPr>
+        <p:spPr>
+          <a:xfrm>
+            <a:off x="1272540" y="5082540"/>
+            <a:ext cx="3226435" cy="1198880"/>
+          </a:xfrm>
+          <a:prstGeom prst="rect">
+            <a:avLst/>
+          </a:prstGeom>
+          <a:noFill/>
+        </p:spPr>
+        <p:txBody>
+          <a:bodyPr wrap="square" rtlCol="0">
+            <a:spAutoFit/>
+            <a:scene3d>
+              <a:camera prst="orthographicFront"/>
+              <a:lightRig rig="threePt" dir="t"/>
+            </a:scene3d>
+          </a:bodyPr>
+          <a:p>
+            <a:pPr algn="l"/>
+            <a:r>
+              <a:rPr lang="en-US" altLang="en-US" sz="2400" b="1">
+                <a:solidFill>
+                  <a:schemeClr val="accent1"/>
+                </a:solidFill>
+                <a:effectLst>
+                  <a:outerShdw blurRad="38100" dist="25400" dir="5400000" algn="ctr" rotWithShape="0">
+                    <a:srgbClr val="6E747A">
+                      <a:alpha val="43000"/>
+                    </a:srgbClr>
+                  </a:outerShdw>
+                </a:effectLst>
+              </a:rPr>
+              <a:t>mid = (low + high) / 2</a:t>
+            </a:r>
+            <a:endParaRPr lang="en-US" altLang="en-US" sz="2400" b="1">
+              <a:solidFill>
+                <a:schemeClr val="accent1"/>
+              </a:solidFill>
+              <a:effectLst>
+                <a:outerShdw blurRad="38100" dist="25400" dir="5400000" algn="ctr" rotWithShape="0">
+                  <a:srgbClr val="6E747A">
+                    <a:alpha val="43000"/>
+                  </a:srgbClr>
+                </a:outerShdw>
+              </a:effectLst>
+            </a:endParaRPr>
+          </a:p>
+          <a:p>
+            <a:pPr algn="l"/>
+            <a:r>
+              <a:rPr lang="en-US" altLang="en-US" sz="2400" b="1">
+                <a:solidFill>
+                  <a:schemeClr val="accent1"/>
+                </a:solidFill>
+                <a:effectLst>
+                  <a:outerShdw blurRad="38100" dist="25400" dir="5400000" algn="ctr" rotWithShape="0">
+                    <a:srgbClr val="6E747A">
+                      <a:alpha val="43000"/>
+                    </a:srgbClr>
+                  </a:outerShdw>
+                </a:effectLst>
+              </a:rPr>
+              <a:t>       = (1 + 1) / 2</a:t>
+            </a:r>
+            <a:endParaRPr lang="en-US" altLang="en-US" sz="2400" b="1">
+              <a:solidFill>
+                <a:schemeClr val="accent1"/>
+              </a:solidFill>
+              <a:effectLst>
+                <a:outerShdw blurRad="38100" dist="25400" dir="5400000" algn="ctr" rotWithShape="0">
+                  <a:srgbClr val="6E747A">
+                    <a:alpha val="43000"/>
+                  </a:srgbClr>
+                </a:outerShdw>
+              </a:effectLst>
+            </a:endParaRPr>
+          </a:p>
+          <a:p>
+            <a:pPr algn="l"/>
+            <a:r>
+              <a:rPr lang="en-US" altLang="en-US" sz="2400" b="1">
+                <a:solidFill>
+                  <a:schemeClr val="accent1"/>
+                </a:solidFill>
+                <a:effectLst>
+                  <a:outerShdw blurRad="38100" dist="25400" dir="5400000" algn="ctr" rotWithShape="0">
+                    <a:srgbClr val="6E747A">
+                      <a:alpha val="43000"/>
+                    </a:srgbClr>
+                  </a:outerShdw>
+                </a:effectLst>
+              </a:rPr>
+              <a:t>       = 1</a:t>
+            </a:r>
+            <a:endParaRPr lang="en-US" altLang="en-US" sz="2400" b="1">
               <a:solidFill>
                 <a:schemeClr val="accent1"/>
               </a:solidFill>
@@ -15222,9 +13849,10 @@
         <p:txBody>
           <a:bodyPr/>
           <a:p>
+            <a:pPr algn="ctr"/>
             <a:r>
               <a:rPr lang="en-US" altLang="en-US"/>
-              <a:t>Implementation</a:t>
+              <a:t>Binary Search</a:t>
             </a:r>
             <a:endParaRPr lang="en-US" altLang="en-US"/>
           </a:p>
@@ -15240,6 +13868,713 @@
             <p:ph idx="1"/>
           </p:nvPr>
         </p:nvSpPr>
+        <p:spPr/>
+        <p:txBody>
+          <a:bodyPr/>
+          <a:p>
+            <a:pPr marL="0" indent="0">
+              <a:buNone/>
+            </a:pPr>
+            <a:r>
+              <a:rPr lang="en-US" altLang="en-US">
+                <a:sym typeface="+mn-ea"/>
+              </a:rPr>
+              <a:t>Data : [10, 20, 30, 40, 50, 60, 70, 80, 90, 100]</a:t>
+            </a:r>
+            <a:endParaRPr lang="en-US" altLang="en-US"/>
+          </a:p>
+          <a:p>
+            <a:pPr marL="0" indent="0">
+              <a:buNone/>
+            </a:pPr>
+            <a:r>
+              <a:rPr lang="en-US" altLang="en-US">
+                <a:sym typeface="+mn-ea"/>
+              </a:rPr>
+              <a:t>Cari  : 20</a:t>
+            </a:r>
+            <a:endParaRPr lang="en-US" altLang="en-US"/>
+          </a:p>
+        </p:txBody>
+      </p:sp>
+      <p:sp>
+        <p:nvSpPr>
+          <p:cNvPr id="4" name="Rectangle 3"/>
+          <p:cNvSpPr/>
+          <p:nvPr/>
+        </p:nvSpPr>
+        <p:spPr>
+          <a:xfrm>
+            <a:off x="1272540" y="3792220"/>
+            <a:ext cx="993140" cy="993140"/>
+          </a:xfrm>
+          <a:prstGeom prst="rect">
+            <a:avLst/>
+          </a:prstGeom>
+        </p:spPr>
+        <p:style>
+          <a:lnRef idx="2">
+            <a:schemeClr val="accent5">
+              <a:shade val="50000"/>
+            </a:schemeClr>
+          </a:lnRef>
+          <a:fillRef idx="1">
+            <a:schemeClr val="accent5"/>
+          </a:fillRef>
+          <a:effectRef idx="0">
+            <a:schemeClr val="accent5"/>
+          </a:effectRef>
+          <a:fontRef idx="minor">
+            <a:schemeClr val="lt1"/>
+          </a:fontRef>
+        </p:style>
+        <p:txBody>
+          <a:bodyPr rtlCol="0" anchor="ctr"/>
+          <a:p>
+            <a:pPr algn="ctr"/>
+            <a:r>
+              <a:rPr lang="en-US" altLang="en-US" sz="2800" b="1">
+                <a:solidFill>
+                  <a:schemeClr val="bg1"/>
+                </a:solidFill>
+              </a:rPr>
+              <a:t>10</a:t>
+            </a:r>
+            <a:endParaRPr lang="en-US" altLang="en-US" sz="2800" b="1">
+              <a:solidFill>
+                <a:schemeClr val="bg1"/>
+              </a:solidFill>
+            </a:endParaRPr>
+          </a:p>
+        </p:txBody>
+      </p:sp>
+      <p:sp>
+        <p:nvSpPr>
+          <p:cNvPr id="5" name="Rectangle 4"/>
+          <p:cNvSpPr/>
+          <p:nvPr/>
+        </p:nvSpPr>
+        <p:spPr>
+          <a:xfrm>
+            <a:off x="2265680" y="3792220"/>
+            <a:ext cx="993140" cy="993140"/>
+          </a:xfrm>
+          <a:prstGeom prst="rect">
+            <a:avLst/>
+          </a:prstGeom>
+        </p:spPr>
+        <p:style>
+          <a:lnRef idx="2">
+            <a:schemeClr val="accent6">
+              <a:shade val="50000"/>
+            </a:schemeClr>
+          </a:lnRef>
+          <a:fillRef idx="1">
+            <a:schemeClr val="accent6"/>
+          </a:fillRef>
+          <a:effectRef idx="0">
+            <a:schemeClr val="accent6"/>
+          </a:effectRef>
+          <a:fontRef idx="minor">
+            <a:schemeClr val="lt1"/>
+          </a:fontRef>
+        </p:style>
+        <p:txBody>
+          <a:bodyPr rtlCol="0" anchor="ctr"/>
+          <a:p>
+            <a:pPr algn="ctr"/>
+            <a:r>
+              <a:rPr lang="en-US" altLang="en-US" sz="2800" b="1">
+                <a:solidFill>
+                  <a:schemeClr val="bg1"/>
+                </a:solidFill>
+                <a:sym typeface="+mn-ea"/>
+              </a:rPr>
+              <a:t>20</a:t>
+            </a:r>
+            <a:endParaRPr lang="en-US" altLang="en-US" sz="2800" b="1">
+              <a:solidFill>
+                <a:schemeClr val="bg1"/>
+              </a:solidFill>
+              <a:sym typeface="+mn-ea"/>
+            </a:endParaRPr>
+          </a:p>
+        </p:txBody>
+      </p:sp>
+      <p:sp>
+        <p:nvSpPr>
+          <p:cNvPr id="6" name="Rectangle 5"/>
+          <p:cNvSpPr/>
+          <p:nvPr/>
+        </p:nvSpPr>
+        <p:spPr>
+          <a:xfrm>
+            <a:off x="3258820" y="3792220"/>
+            <a:ext cx="993140" cy="993140"/>
+          </a:xfrm>
+          <a:prstGeom prst="rect">
+            <a:avLst/>
+          </a:prstGeom>
+        </p:spPr>
+        <p:style>
+          <a:lnRef idx="2">
+            <a:schemeClr val="accent6"/>
+          </a:lnRef>
+          <a:fillRef idx="1">
+            <a:schemeClr val="lt1"/>
+          </a:fillRef>
+          <a:effectRef idx="0">
+            <a:schemeClr val="accent6"/>
+          </a:effectRef>
+          <a:fontRef idx="minor">
+            <a:schemeClr val="dk1"/>
+          </a:fontRef>
+        </p:style>
+        <p:txBody>
+          <a:bodyPr rtlCol="0" anchor="ctr"/>
+          <a:p>
+            <a:pPr algn="ctr"/>
+            <a:r>
+              <a:rPr lang="en-US" altLang="en-US" sz="2800" b="1">
+                <a:solidFill>
+                  <a:schemeClr val="accent1"/>
+                </a:solidFill>
+                <a:sym typeface="+mn-ea"/>
+              </a:rPr>
+              <a:t>30</a:t>
+            </a:r>
+            <a:endParaRPr lang="en-US" altLang="en-US" sz="2800" b="1">
+              <a:solidFill>
+                <a:schemeClr val="accent1"/>
+              </a:solidFill>
+              <a:sym typeface="+mn-ea"/>
+            </a:endParaRPr>
+          </a:p>
+        </p:txBody>
+      </p:sp>
+      <p:sp>
+        <p:nvSpPr>
+          <p:cNvPr id="7" name="Rectangle 6"/>
+          <p:cNvSpPr/>
+          <p:nvPr/>
+        </p:nvSpPr>
+        <p:spPr>
+          <a:xfrm>
+            <a:off x="4251960" y="3792220"/>
+            <a:ext cx="993140" cy="993140"/>
+          </a:xfrm>
+          <a:prstGeom prst="rect">
+            <a:avLst/>
+          </a:prstGeom>
+        </p:spPr>
+        <p:style>
+          <a:lnRef idx="2">
+            <a:schemeClr val="accent6"/>
+          </a:lnRef>
+          <a:fillRef idx="1">
+            <a:schemeClr val="lt1"/>
+          </a:fillRef>
+          <a:effectRef idx="0">
+            <a:schemeClr val="accent6"/>
+          </a:effectRef>
+          <a:fontRef idx="minor">
+            <a:schemeClr val="dk1"/>
+          </a:fontRef>
+        </p:style>
+        <p:txBody>
+          <a:bodyPr rtlCol="0" anchor="ctr"/>
+          <a:p>
+            <a:pPr algn="ctr"/>
+            <a:r>
+              <a:rPr lang="en-US" altLang="en-US" sz="2800" b="1">
+                <a:solidFill>
+                  <a:schemeClr val="accent1"/>
+                </a:solidFill>
+                <a:sym typeface="+mn-ea"/>
+              </a:rPr>
+              <a:t>40</a:t>
+            </a:r>
+            <a:endParaRPr lang="en-US" altLang="en-US" sz="2800" b="1">
+              <a:solidFill>
+                <a:schemeClr val="accent1"/>
+              </a:solidFill>
+              <a:sym typeface="+mn-ea"/>
+            </a:endParaRPr>
+          </a:p>
+        </p:txBody>
+      </p:sp>
+      <p:sp>
+        <p:nvSpPr>
+          <p:cNvPr id="8" name="Rectangle 7"/>
+          <p:cNvSpPr/>
+          <p:nvPr/>
+        </p:nvSpPr>
+        <p:spPr>
+          <a:xfrm>
+            <a:off x="5245100" y="3792220"/>
+            <a:ext cx="993140" cy="993140"/>
+          </a:xfrm>
+          <a:prstGeom prst="rect">
+            <a:avLst/>
+          </a:prstGeom>
+        </p:spPr>
+        <p:style>
+          <a:lnRef idx="2">
+            <a:schemeClr val="accent6"/>
+          </a:lnRef>
+          <a:fillRef idx="1">
+            <a:schemeClr val="lt1"/>
+          </a:fillRef>
+          <a:effectRef idx="0">
+            <a:schemeClr val="accent6"/>
+          </a:effectRef>
+          <a:fontRef idx="minor">
+            <a:schemeClr val="dk1"/>
+          </a:fontRef>
+        </p:style>
+        <p:txBody>
+          <a:bodyPr rtlCol="0" anchor="ctr"/>
+          <a:p>
+            <a:pPr algn="ctr"/>
+            <a:r>
+              <a:rPr lang="en-US" altLang="en-US" sz="2800" b="1">
+                <a:solidFill>
+                  <a:schemeClr val="accent1"/>
+                </a:solidFill>
+                <a:sym typeface="+mn-ea"/>
+              </a:rPr>
+              <a:t>50</a:t>
+            </a:r>
+            <a:endParaRPr lang="en-US" altLang="en-US" sz="2800" b="1">
+              <a:solidFill>
+                <a:schemeClr val="accent1"/>
+              </a:solidFill>
+              <a:sym typeface="+mn-ea"/>
+            </a:endParaRPr>
+          </a:p>
+        </p:txBody>
+      </p:sp>
+      <p:sp>
+        <p:nvSpPr>
+          <p:cNvPr id="9" name="Rectangle 8"/>
+          <p:cNvSpPr/>
+          <p:nvPr/>
+        </p:nvSpPr>
+        <p:spPr>
+          <a:xfrm>
+            <a:off x="6238240" y="3792220"/>
+            <a:ext cx="993140" cy="993140"/>
+          </a:xfrm>
+          <a:prstGeom prst="rect">
+            <a:avLst/>
+          </a:prstGeom>
+        </p:spPr>
+        <p:style>
+          <a:lnRef idx="2">
+            <a:schemeClr val="accent6"/>
+          </a:lnRef>
+          <a:fillRef idx="1">
+            <a:schemeClr val="lt1"/>
+          </a:fillRef>
+          <a:effectRef idx="0">
+            <a:schemeClr val="accent6"/>
+          </a:effectRef>
+          <a:fontRef idx="minor">
+            <a:schemeClr val="dk1"/>
+          </a:fontRef>
+        </p:style>
+        <p:txBody>
+          <a:bodyPr rtlCol="0" anchor="ctr"/>
+          <a:p>
+            <a:pPr algn="ctr"/>
+            <a:r>
+              <a:rPr lang="en-US" altLang="en-US" sz="2800" b="1">
+                <a:solidFill>
+                  <a:schemeClr val="accent1"/>
+                </a:solidFill>
+                <a:sym typeface="+mn-ea"/>
+              </a:rPr>
+              <a:t>60</a:t>
+            </a:r>
+            <a:endParaRPr lang="en-US" altLang="en-US" sz="2800" b="1">
+              <a:solidFill>
+                <a:schemeClr val="accent1"/>
+              </a:solidFill>
+              <a:sym typeface="+mn-ea"/>
+            </a:endParaRPr>
+          </a:p>
+        </p:txBody>
+      </p:sp>
+      <p:sp>
+        <p:nvSpPr>
+          <p:cNvPr id="11" name="Rectangle 10"/>
+          <p:cNvSpPr/>
+          <p:nvPr/>
+        </p:nvSpPr>
+        <p:spPr>
+          <a:xfrm>
+            <a:off x="7231380" y="3792220"/>
+            <a:ext cx="993140" cy="993140"/>
+          </a:xfrm>
+          <a:prstGeom prst="rect">
+            <a:avLst/>
+          </a:prstGeom>
+        </p:spPr>
+        <p:style>
+          <a:lnRef idx="2">
+            <a:schemeClr val="accent6"/>
+          </a:lnRef>
+          <a:fillRef idx="1">
+            <a:schemeClr val="lt1"/>
+          </a:fillRef>
+          <a:effectRef idx="0">
+            <a:schemeClr val="accent6"/>
+          </a:effectRef>
+          <a:fontRef idx="minor">
+            <a:schemeClr val="dk1"/>
+          </a:fontRef>
+        </p:style>
+        <p:txBody>
+          <a:bodyPr rtlCol="0" anchor="ctr"/>
+          <a:p>
+            <a:pPr algn="ctr"/>
+            <a:r>
+              <a:rPr lang="en-US" altLang="en-US" sz="2800" b="1">
+                <a:solidFill>
+                  <a:schemeClr val="accent1"/>
+                </a:solidFill>
+                <a:sym typeface="+mn-ea"/>
+              </a:rPr>
+              <a:t>70</a:t>
+            </a:r>
+            <a:endParaRPr lang="en-US" altLang="en-US" sz="2800" b="1">
+              <a:solidFill>
+                <a:schemeClr val="accent1"/>
+              </a:solidFill>
+              <a:sym typeface="+mn-ea"/>
+            </a:endParaRPr>
+          </a:p>
+        </p:txBody>
+      </p:sp>
+      <p:sp>
+        <p:nvSpPr>
+          <p:cNvPr id="16" name="Rectangle 15"/>
+          <p:cNvSpPr/>
+          <p:nvPr/>
+        </p:nvSpPr>
+        <p:spPr>
+          <a:xfrm>
+            <a:off x="8224520" y="3792220"/>
+            <a:ext cx="993140" cy="993140"/>
+          </a:xfrm>
+          <a:prstGeom prst="rect">
+            <a:avLst/>
+          </a:prstGeom>
+        </p:spPr>
+        <p:style>
+          <a:lnRef idx="2">
+            <a:schemeClr val="accent6"/>
+          </a:lnRef>
+          <a:fillRef idx="1">
+            <a:schemeClr val="lt1"/>
+          </a:fillRef>
+          <a:effectRef idx="0">
+            <a:schemeClr val="accent6"/>
+          </a:effectRef>
+          <a:fontRef idx="minor">
+            <a:schemeClr val="dk1"/>
+          </a:fontRef>
+        </p:style>
+        <p:txBody>
+          <a:bodyPr rtlCol="0" anchor="ctr"/>
+          <a:p>
+            <a:pPr algn="ctr"/>
+            <a:r>
+              <a:rPr lang="en-US" altLang="en-US" sz="2800" b="1">
+                <a:solidFill>
+                  <a:schemeClr val="accent1"/>
+                </a:solidFill>
+                <a:sym typeface="+mn-ea"/>
+              </a:rPr>
+              <a:t>80</a:t>
+            </a:r>
+            <a:endParaRPr lang="en-US" altLang="en-US" sz="2800" b="1">
+              <a:solidFill>
+                <a:schemeClr val="accent1"/>
+              </a:solidFill>
+              <a:sym typeface="+mn-ea"/>
+            </a:endParaRPr>
+          </a:p>
+        </p:txBody>
+      </p:sp>
+      <p:sp>
+        <p:nvSpPr>
+          <p:cNvPr id="17" name="Rectangle 16"/>
+          <p:cNvSpPr/>
+          <p:nvPr/>
+        </p:nvSpPr>
+        <p:spPr>
+          <a:xfrm>
+            <a:off x="9217660" y="3792220"/>
+            <a:ext cx="993140" cy="993140"/>
+          </a:xfrm>
+          <a:prstGeom prst="rect">
+            <a:avLst/>
+          </a:prstGeom>
+        </p:spPr>
+        <p:style>
+          <a:lnRef idx="2">
+            <a:schemeClr val="accent6"/>
+          </a:lnRef>
+          <a:fillRef idx="1">
+            <a:schemeClr val="lt1"/>
+          </a:fillRef>
+          <a:effectRef idx="0">
+            <a:schemeClr val="accent6"/>
+          </a:effectRef>
+          <a:fontRef idx="minor">
+            <a:schemeClr val="dk1"/>
+          </a:fontRef>
+        </p:style>
+        <p:txBody>
+          <a:bodyPr rtlCol="0" anchor="ctr"/>
+          <a:p>
+            <a:pPr algn="ctr"/>
+            <a:r>
+              <a:rPr lang="en-US" altLang="en-US" sz="2800" b="1">
+                <a:solidFill>
+                  <a:schemeClr val="accent1"/>
+                </a:solidFill>
+                <a:sym typeface="+mn-ea"/>
+              </a:rPr>
+              <a:t>90</a:t>
+            </a:r>
+            <a:endParaRPr lang="en-US" altLang="en-US" sz="2800" b="1">
+              <a:solidFill>
+                <a:schemeClr val="accent1"/>
+              </a:solidFill>
+              <a:sym typeface="+mn-ea"/>
+            </a:endParaRPr>
+          </a:p>
+        </p:txBody>
+      </p:sp>
+      <p:sp>
+        <p:nvSpPr>
+          <p:cNvPr id="18" name="Rectangle 17"/>
+          <p:cNvSpPr/>
+          <p:nvPr/>
+        </p:nvSpPr>
+        <p:spPr>
+          <a:xfrm>
+            <a:off x="10210800" y="3792220"/>
+            <a:ext cx="993140" cy="993140"/>
+          </a:xfrm>
+          <a:prstGeom prst="rect">
+            <a:avLst/>
+          </a:prstGeom>
+        </p:spPr>
+        <p:style>
+          <a:lnRef idx="2">
+            <a:schemeClr val="accent6"/>
+          </a:lnRef>
+          <a:fillRef idx="1">
+            <a:schemeClr val="lt1"/>
+          </a:fillRef>
+          <a:effectRef idx="0">
+            <a:schemeClr val="accent6"/>
+          </a:effectRef>
+          <a:fontRef idx="minor">
+            <a:schemeClr val="dk1"/>
+          </a:fontRef>
+        </p:style>
+        <p:txBody>
+          <a:bodyPr rtlCol="0" anchor="ctr"/>
+          <a:p>
+            <a:pPr algn="ctr"/>
+            <a:r>
+              <a:rPr lang="en-US" altLang="en-US" sz="2800" b="1">
+                <a:solidFill>
+                  <a:schemeClr val="accent1"/>
+                </a:solidFill>
+                <a:sym typeface="+mn-ea"/>
+              </a:rPr>
+              <a:t>100</a:t>
+            </a:r>
+            <a:endParaRPr lang="en-US" altLang="en-US" sz="2800" b="1">
+              <a:solidFill>
+                <a:schemeClr val="accent1"/>
+              </a:solidFill>
+              <a:sym typeface="+mn-ea"/>
+            </a:endParaRPr>
+          </a:p>
+        </p:txBody>
+      </p:sp>
+      <p:sp>
+        <p:nvSpPr>
+          <p:cNvPr id="12" name="Text Box 11"/>
+          <p:cNvSpPr txBox="1"/>
+          <p:nvPr/>
+        </p:nvSpPr>
+        <p:spPr>
+          <a:xfrm>
+            <a:off x="1272540" y="5082540"/>
+            <a:ext cx="3226435" cy="1198880"/>
+          </a:xfrm>
+          <a:prstGeom prst="rect">
+            <a:avLst/>
+          </a:prstGeom>
+          <a:noFill/>
+        </p:spPr>
+        <p:txBody>
+          <a:bodyPr wrap="square" rtlCol="0">
+            <a:spAutoFit/>
+            <a:scene3d>
+              <a:camera prst="orthographicFront"/>
+              <a:lightRig rig="threePt" dir="t"/>
+            </a:scene3d>
+          </a:bodyPr>
+          <a:p>
+            <a:pPr algn="l"/>
+            <a:r>
+              <a:rPr lang="en-US" altLang="en-US" sz="2400" b="1">
+                <a:solidFill>
+                  <a:srgbClr val="FF0000"/>
+                </a:solidFill>
+                <a:effectLst>
+                  <a:outerShdw blurRad="38100" dist="25400" dir="5400000" algn="ctr" rotWithShape="0">
+                    <a:srgbClr val="6E747A">
+                      <a:alpha val="43000"/>
+                    </a:srgbClr>
+                  </a:outerShdw>
+                </a:effectLst>
+              </a:rPr>
+              <a:t>20 == 20</a:t>
+            </a:r>
+            <a:endParaRPr lang="en-US" altLang="en-US" sz="2400" b="1">
+              <a:solidFill>
+                <a:schemeClr val="accent1"/>
+              </a:solidFill>
+              <a:effectLst>
+                <a:outerShdw blurRad="38100" dist="25400" dir="5400000" algn="ctr" rotWithShape="0">
+                  <a:srgbClr val="6E747A">
+                    <a:alpha val="43000"/>
+                  </a:srgbClr>
+                </a:outerShdw>
+              </a:effectLst>
+            </a:endParaRPr>
+          </a:p>
+          <a:p>
+            <a:pPr algn="l"/>
+            <a:r>
+              <a:rPr lang="en-US" altLang="en-US" sz="2400" b="1">
+                <a:solidFill>
+                  <a:schemeClr val="accent1"/>
+                </a:solidFill>
+                <a:effectLst>
+                  <a:outerShdw blurRad="38100" dist="25400" dir="5400000" algn="ctr" rotWithShape="0">
+                    <a:srgbClr val="6E747A">
+                      <a:alpha val="43000"/>
+                    </a:srgbClr>
+                  </a:outerShdw>
+                </a:effectLst>
+              </a:rPr>
+              <a:t>20 &lt; 20</a:t>
+            </a:r>
+            <a:endParaRPr lang="en-US" altLang="en-US" sz="2400" b="1">
+              <a:solidFill>
+                <a:schemeClr val="accent1"/>
+              </a:solidFill>
+              <a:effectLst>
+                <a:outerShdw blurRad="38100" dist="25400" dir="5400000" algn="ctr" rotWithShape="0">
+                  <a:srgbClr val="6E747A">
+                    <a:alpha val="43000"/>
+                  </a:srgbClr>
+                </a:outerShdw>
+              </a:effectLst>
+            </a:endParaRPr>
+          </a:p>
+          <a:p>
+            <a:pPr algn="l"/>
+            <a:r>
+              <a:rPr lang="en-US" altLang="en-US" sz="2400" b="1">
+                <a:solidFill>
+                  <a:schemeClr val="accent1"/>
+                </a:solidFill>
+                <a:effectLst>
+                  <a:outerShdw blurRad="38100" dist="25400" dir="5400000" algn="ctr" rotWithShape="0">
+                    <a:srgbClr val="6E747A">
+                      <a:alpha val="43000"/>
+                    </a:srgbClr>
+                  </a:outerShdw>
+                </a:effectLst>
+              </a:rPr>
+              <a:t>20 &gt; 20</a:t>
+            </a:r>
+            <a:endParaRPr lang="en-US" altLang="en-US" sz="2400" b="1">
+              <a:solidFill>
+                <a:schemeClr val="accent1"/>
+              </a:solidFill>
+              <a:effectLst>
+                <a:outerShdw blurRad="38100" dist="25400" dir="5400000" algn="ctr" rotWithShape="0">
+                  <a:srgbClr val="6E747A">
+                    <a:alpha val="43000"/>
+                  </a:srgbClr>
+                </a:outerShdw>
+              </a:effectLst>
+            </a:endParaRPr>
+          </a:p>
+        </p:txBody>
+      </p:sp>
+    </p:spTree>
+  </p:cSld>
+  <p:clrMapOvr>
+    <a:masterClrMapping/>
+  </p:clrMapOvr>
+</p:sld>
+</file>
+
+<file path=ppt/slides/slide27.xml><?xml version="1.0" encoding="utf-8"?>
+<p:sld xmlns:a="http://schemas.openxmlformats.org/drawingml/2006/main" xmlns:r="http://schemas.openxmlformats.org/officeDocument/2006/relationships" xmlns:p="http://schemas.openxmlformats.org/presentationml/2006/main">
+  <p:cSld>
+    <p:spTree>
+      <p:nvGrpSpPr>
+        <p:cNvPr id="1" name=""/>
+        <p:cNvGrpSpPr/>
+        <p:nvPr/>
+      </p:nvGrpSpPr>
+      <p:grpSpPr/>
+      <p:sp>
+        <p:nvSpPr>
+          <p:cNvPr id="2" name="Title 1"/>
+          <p:cNvSpPr>
+            <a:spLocks noGrp="1"/>
+          </p:cNvSpPr>
+          <p:nvPr>
+            <p:ph type="title"/>
+          </p:nvPr>
+        </p:nvSpPr>
+        <p:spPr/>
+        <p:txBody>
+          <a:bodyPr/>
+          <a:p>
+            <a:r>
+              <a:rPr lang="en-US" altLang="en-US"/>
+              <a:t>Implementation</a:t>
+            </a:r>
+            <a:endParaRPr lang="en-US" altLang="en-US"/>
+          </a:p>
+        </p:txBody>
+      </p:sp>
+      <p:sp>
+        <p:nvSpPr>
+          <p:cNvPr id="3" name="Content Placeholder 2"/>
+          <p:cNvSpPr>
+            <a:spLocks noGrp="1"/>
+          </p:cNvSpPr>
+          <p:nvPr>
+            <p:ph idx="1"/>
+          </p:nvPr>
+        </p:nvSpPr>
         <p:spPr>
           <a:xfrm>
             <a:off x="838200" y="1825625"/>
@@ -15339,14 +14674,14 @@
               <a:buNone/>
             </a:pPr>
             <a:r>
-              <a:rPr lang="" altLang="en-US" sz="2000">
+              <a:rPr lang="en-US" altLang="en-US" sz="2000">
                 <a:latin typeface="Courier New" panose="02070309020205020404" charset="0"/>
                 <a:cs typeface="Courier New" panose="02070309020205020404" charset="0"/>
               </a:rPr>
               <a:t>	</a:t>
             </a:r>
             <a:r>
-              <a:rPr lang="" altLang="en-US" sz="2000" b="1">
+              <a:rPr lang="en-US" altLang="en-US" sz="2000" b="1">
                 <a:latin typeface="Courier New" panose="02070309020205020404" charset="0"/>
                 <a:cs typeface="Courier New" panose="02070309020205020404" charset="0"/>
               </a:rPr>
@@ -15365,13 +14700,13 @@
               <a:buNone/>
             </a:pPr>
             <a:r>
-              <a:rPr lang="" altLang="en-US" sz="2000">
+              <a:rPr lang="en-US" altLang="en-US" sz="2000">
                 <a:latin typeface="Courier New" panose="02070309020205020404" charset="0"/>
                 <a:cs typeface="Courier New" panose="02070309020205020404" charset="0"/>
               </a:rPr>
               <a:t>    }</a:t>
             </a:r>
-            <a:endParaRPr lang="" altLang="en-US" sz="2000">
+            <a:endParaRPr lang="en-US" altLang="en-US" sz="2000">
               <a:latin typeface="Courier New" panose="02070309020205020404" charset="0"/>
               <a:cs typeface="Courier New" panose="02070309020205020404" charset="0"/>
             </a:endParaRPr>
@@ -15391,7 +14726,7 @@
               </a:rPr>
               <a:t>    return -1;</a:t>
             </a:r>
-            <a:endParaRPr lang="" altLang="en-US" sz="2000">
+            <a:endParaRPr lang="en-US" altLang="en-US" sz="2000">
               <a:latin typeface="Courier New" panose="02070309020205020404" charset="0"/>
               <a:cs typeface="Courier New" panose="02070309020205020404" charset="0"/>
             </a:endParaRPr>
@@ -15404,13 +14739,13 @@
               <a:buNone/>
             </a:pPr>
             <a:r>
-              <a:rPr lang="" altLang="en-US" sz="2000">
+              <a:rPr lang="en-US" altLang="en-US" sz="2000">
                 <a:latin typeface="Courier New" panose="02070309020205020404" charset="0"/>
                 <a:cs typeface="Courier New" panose="02070309020205020404" charset="0"/>
               </a:rPr>
               <a:t>}</a:t>
             </a:r>
-            <a:endParaRPr lang="" altLang="en-US" sz="2000">
+            <a:endParaRPr lang="en-US" altLang="en-US" sz="2000">
               <a:latin typeface="Courier New" panose="02070309020205020404" charset="0"/>
               <a:cs typeface="Courier New" panose="02070309020205020404" charset="0"/>
             </a:endParaRPr>
@@ -15615,7 +14950,7 @@
               <a:buNone/>
             </a:pPr>
             <a:r>
-              <a:rPr lang="" altLang="en-US" sz="2000" b="1">
+              <a:rPr lang="en-US" altLang="en-US" sz="2000" b="1">
                 <a:latin typeface="Courier New" panose="02070309020205020404" charset="0"/>
                 <a:cs typeface="Courier New" panose="02070309020205020404" charset="0"/>
                 <a:sym typeface="+mn-ea"/>
@@ -15761,15 +15096,7 @@
                 <a:cs typeface="Courier New" panose="02070309020205020404" charset="0"/>
                 <a:sym typeface="+mn-ea"/>
               </a:rPr>
-              <a:t>}</a:t>
-            </a:r>
-            <a:r>
-              <a:rPr lang="en-US" sz="2000">
-                <a:latin typeface="Courier New" panose="02070309020205020404" charset="0"/>
-                <a:cs typeface="Courier New" panose="02070309020205020404" charset="0"/>
-                <a:sym typeface="+mn-ea"/>
-              </a:rPr>
-              <a:t> </a:t>
+              <a:t>} </a:t>
             </a:r>
             <a:endParaRPr lang="en-US" sz="2000">
               <a:latin typeface="Courier New" panose="02070309020205020404" charset="0"/>
@@ -15878,15 +15205,7 @@
             </a:pPr>
             <a:r>
               <a:rPr lang="en-US" altLang="en-US"/>
-              <a:t>Data : [</a:t>
-            </a:r>
-            <a:r>
-              <a:rPr lang="" altLang="en-US"/>
-              <a:t>2</a:t>
-            </a:r>
-            <a:r>
-              <a:rPr lang="en-US" altLang="en-US"/>
-              <a:t>0, 30, 15, 12, 10, 5]</a:t>
+              <a:t>Data : [20, 30, 15, 12, 10, 5]</a:t>
             </a:r>
             <a:endParaRPr lang="en-US" altLang="en-US"/>
           </a:p>
@@ -16230,14 +15549,14 @@
           </a:bodyPr>
           <a:p>
             <a:r>
-              <a:rPr lang="" altLang="en-US" sz="2800" b="1">
+              <a:rPr lang="en-US" altLang="en-US" sz="2800" b="1">
                 <a:solidFill>
                   <a:schemeClr val="accent1"/>
                 </a:solidFill>
               </a:rPr>
               <a:t>12 == 20 ?</a:t>
             </a:r>
-            <a:endParaRPr lang="" altLang="en-US" sz="2800" b="1">
+            <a:endParaRPr lang="en-US" altLang="en-US" sz="2800" b="1">
               <a:solidFill>
                 <a:schemeClr val="accent1"/>
               </a:solidFill>
@@ -16305,15 +15624,7 @@
             </a:pPr>
             <a:r>
               <a:rPr lang="en-US" altLang="en-US"/>
-              <a:t>Data : [</a:t>
-            </a:r>
-            <a:r>
-              <a:rPr lang="" altLang="en-US"/>
-              <a:t>2</a:t>
-            </a:r>
-            <a:r>
-              <a:rPr lang="en-US" altLang="en-US"/>
-              <a:t>0, 30, 15, 12, 10, 5]</a:t>
+              <a:t>Data : [20, 30, 15, 12, 10, 5]</a:t>
             </a:r>
             <a:endParaRPr lang="en-US" altLang="en-US"/>
           </a:p>
@@ -16662,23 +15973,7 @@
                   <a:schemeClr val="accent1"/>
                 </a:solidFill>
               </a:rPr>
-              <a:t>12 == </a:t>
-            </a:r>
-            <a:r>
-              <a:rPr lang="" altLang="en-US" sz="2800" b="1">
-                <a:solidFill>
-                  <a:schemeClr val="accent1"/>
-                </a:solidFill>
-              </a:rPr>
-              <a:t>3</a:t>
-            </a:r>
-            <a:r>
-              <a:rPr lang="en-US" altLang="en-US" sz="2800" b="1">
-                <a:solidFill>
-                  <a:schemeClr val="accent1"/>
-                </a:solidFill>
-              </a:rPr>
-              <a:t>0 ?</a:t>
+              <a:t>12 == 30 ?</a:t>
             </a:r>
             <a:endParaRPr lang="en-US" altLang="en-US" sz="2800" b="1">
               <a:solidFill>
@@ -16748,15 +16043,7 @@
             </a:pPr>
             <a:r>
               <a:rPr lang="en-US" altLang="en-US"/>
-              <a:t>Data : [</a:t>
-            </a:r>
-            <a:r>
-              <a:rPr lang="" altLang="en-US"/>
-              <a:t>2</a:t>
-            </a:r>
-            <a:r>
-              <a:rPr lang="en-US" altLang="en-US"/>
-              <a:t>0, 30, 15, 12, 10, 5]</a:t>
+              <a:t>Data : [20, 30, 15, 12, 10, 5]</a:t>
             </a:r>
             <a:endParaRPr lang="en-US" altLang="en-US"/>
           </a:p>
@@ -16855,22 +16142,13 @@
           <a:p>
             <a:pPr algn="ctr"/>
             <a:r>
-              <a:rPr lang="" altLang="en-US" sz="2800" b="1">
+              <a:rPr lang="en-US" altLang="en-US" sz="2800" b="1">
                 <a:solidFill>
                   <a:schemeClr val="accent1"/>
                 </a:solidFill>
                 <a:sym typeface="+mn-ea"/>
               </a:rPr>
-              <a:t>3</a:t>
-            </a:r>
-            <a:r>
-              <a:rPr lang="en-US" altLang="en-US" sz="2800" b="1">
-                <a:solidFill>
-                  <a:schemeClr val="accent1"/>
-                </a:solidFill>
-                <a:sym typeface="+mn-ea"/>
-              </a:rPr>
-              <a:t>0</a:t>
+              <a:t>30</a:t>
             </a:r>
             <a:endParaRPr lang="en-US" altLang="en-US" sz="2800" b="1">
               <a:solidFill>
@@ -16917,7 +16195,7 @@
           <a:p>
             <a:pPr algn="ctr"/>
             <a:r>
-              <a:rPr lang="" altLang="en-US" sz="2800" b="1">
+              <a:rPr lang="en-US" altLang="en-US" sz="2800" b="1">
                 <a:solidFill>
                   <a:schemeClr val="bg1"/>
                 </a:solidFill>
@@ -16925,7 +16203,7 @@
               </a:rPr>
               <a:t>15</a:t>
             </a:r>
-            <a:endParaRPr lang="" altLang="en-US" sz="2800" b="1">
+            <a:endParaRPr lang="en-US" altLang="en-US" sz="2800" b="1">
               <a:solidFill>
                 <a:schemeClr val="bg1"/>
               </a:solidFill>
@@ -17114,23 +16392,7 @@
                   <a:schemeClr val="accent1"/>
                 </a:solidFill>
               </a:rPr>
-              <a:t>1</a:t>
-            </a:r>
-            <a:r>
-              <a:rPr lang="" altLang="en-US" sz="2800" b="1">
-                <a:solidFill>
-                  <a:schemeClr val="accent1"/>
-                </a:solidFill>
-              </a:rPr>
-              <a:t>5</a:t>
-            </a:r>
-            <a:r>
-              <a:rPr lang="en-US" altLang="en-US" sz="2800" b="1">
-                <a:solidFill>
-                  <a:schemeClr val="accent1"/>
-                </a:solidFill>
-              </a:rPr>
-              <a:t> == 30 ?</a:t>
+              <a:t>12 == 15 ?</a:t>
             </a:r>
             <a:endParaRPr lang="en-US" altLang="en-US" sz="2800" b="1">
               <a:solidFill>
@@ -17200,15 +16462,7 @@
             </a:pPr>
             <a:r>
               <a:rPr lang="en-US" altLang="en-US"/>
-              <a:t>Data : [</a:t>
-            </a:r>
-            <a:r>
-              <a:rPr lang="" altLang="en-US"/>
-              <a:t>2</a:t>
-            </a:r>
-            <a:r>
-              <a:rPr lang="en-US" altLang="en-US"/>
-              <a:t>0, 30, 15, 12, 10, 5]</a:t>
+              <a:t>Data : [20, 30, 15, 12, 10, 5]</a:t>
             </a:r>
             <a:endParaRPr lang="en-US" altLang="en-US"/>
           </a:p>
@@ -17358,7 +16612,7 @@
           <a:p>
             <a:pPr algn="ctr"/>
             <a:r>
-              <a:rPr lang="" altLang="en-US" sz="2800" b="1">
+              <a:rPr lang="en-US" altLang="en-US" sz="2800" b="1">
                 <a:solidFill>
                   <a:schemeClr val="accent1"/>
                 </a:solidFill>
@@ -17366,7 +16620,7 @@
               </a:rPr>
               <a:t>15</a:t>
             </a:r>
-            <a:endParaRPr lang="" altLang="en-US" sz="2800" b="1">
+            <a:endParaRPr lang="en-US" altLang="en-US" sz="2800" b="1">
               <a:solidFill>
                 <a:schemeClr val="accent1"/>
               </a:solidFill>
@@ -17417,18 +16671,9 @@
                 </a:solidFill>
                 <a:sym typeface="+mn-ea"/>
               </a:rPr>
-              <a:t>1</a:t>
-            </a:r>
-            <a:r>
-              <a:rPr lang="" altLang="en-US" sz="2800" b="1">
-                <a:solidFill>
-                  <a:schemeClr val="bg1"/>
-                </a:solidFill>
-                <a:sym typeface="+mn-ea"/>
-              </a:rPr>
-              <a:t>2</a:t>
-            </a:r>
-            <a:endParaRPr lang="" altLang="en-US" sz="2800" b="1">
+              <a:t>12</a:t>
+            </a:r>
+            <a:endParaRPr lang="en-US" altLang="en-US" sz="2800" b="1">
               <a:solidFill>
                 <a:schemeClr val="bg1"/>
               </a:solidFill>
@@ -17566,23 +16811,7 @@
                   <a:schemeClr val="accent1"/>
                 </a:solidFill>
               </a:rPr>
-              <a:t>1</a:t>
-            </a:r>
-            <a:r>
-              <a:rPr lang="" altLang="en-US" sz="2800" b="1">
-                <a:solidFill>
-                  <a:schemeClr val="accent1"/>
-                </a:solidFill>
-              </a:rPr>
-              <a:t>2</a:t>
-            </a:r>
-            <a:r>
-              <a:rPr lang="en-US" altLang="en-US" sz="2800" b="1">
-                <a:solidFill>
-                  <a:schemeClr val="accent1"/>
-                </a:solidFill>
-              </a:rPr>
-              <a:t> == 30 ?</a:t>
+              <a:t>12 == 12 ?</a:t>
             </a:r>
             <a:endParaRPr lang="en-US" altLang="en-US" sz="2800" b="1">
               <a:solidFill>
@@ -17624,11 +16853,12 @@
         <p:txBody>
           <a:bodyPr/>
           <a:p>
-            <a:r>
-              <a:rPr lang="" altLang="en-US"/>
-              <a:t>Implementation</a:t>
-            </a:r>
-            <a:endParaRPr lang="" altLang="en-US"/>
+            <a:pPr algn="ctr"/>
+            <a:r>
+              <a:rPr lang="en-US" altLang="en-US"/>
+              <a:t>Sequential Search</a:t>
+            </a:r>
+            <a:endParaRPr lang="en-US" altLang="en-US"/>
           </a:p>
         </p:txBody>
       </p:sp>
@@ -17644,329 +16874,331 @@
         </p:nvSpPr>
         <p:spPr/>
         <p:txBody>
-          <a:bodyPr>
-            <a:normAutofit fontScale="90000" lnSpcReduction="20000"/>
-          </a:bodyPr>
+          <a:bodyPr/>
           <a:p>
             <a:pPr marL="0" indent="0">
-              <a:lnSpc>
-                <a:spcPct val="100000"/>
-              </a:lnSpc>
               <a:buNone/>
             </a:pPr>
             <a:r>
-              <a:rPr lang="en-US" b="1">
-                <a:latin typeface="Courier New" panose="02070309020205020404" charset="0"/>
-                <a:cs typeface="Courier New" panose="02070309020205020404" charset="0"/>
-              </a:rPr>
-              <a:t>int</a:t>
-            </a:r>
-            <a:r>
-              <a:rPr lang="en-US">
-                <a:latin typeface="Courier New" panose="02070309020205020404" charset="0"/>
-                <a:cs typeface="Courier New" panose="02070309020205020404" charset="0"/>
-              </a:rPr>
-              <a:t> linearSearch(</a:t>
-            </a:r>
-            <a:r>
-              <a:rPr lang="en-US" b="1">
-                <a:latin typeface="Courier New" panose="02070309020205020404" charset="0"/>
-                <a:cs typeface="Courier New" panose="02070309020205020404" charset="0"/>
-              </a:rPr>
-              <a:t>int</a:t>
-            </a:r>
-            <a:r>
-              <a:rPr lang="en-US">
-                <a:latin typeface="Courier New" panose="02070309020205020404" charset="0"/>
-                <a:cs typeface="Courier New" panose="02070309020205020404" charset="0"/>
-              </a:rPr>
-              <a:t> arr[], </a:t>
-            </a:r>
-            <a:r>
-              <a:rPr lang="en-US" b="1">
-                <a:latin typeface="Courier New" panose="02070309020205020404" charset="0"/>
-                <a:cs typeface="Courier New" panose="02070309020205020404" charset="0"/>
-              </a:rPr>
-              <a:t>int</a:t>
-            </a:r>
-            <a:r>
-              <a:rPr lang="en-US">
-                <a:latin typeface="Courier New" panose="02070309020205020404" charset="0"/>
-                <a:cs typeface="Courier New" panose="02070309020205020404" charset="0"/>
-              </a:rPr>
-              <a:t> data) {</a:t>
-            </a:r>
-            <a:endParaRPr lang="en-US">
-              <a:latin typeface="Courier New" panose="02070309020205020404" charset="0"/>
-              <a:cs typeface="Courier New" panose="02070309020205020404" charset="0"/>
-            </a:endParaRPr>
+              <a:rPr lang="en-US" altLang="en-US"/>
+              <a:t>Data : [20, 30, 15, 12, 10, 5]</a:t>
+            </a:r>
+            <a:endParaRPr lang="en-US" altLang="en-US"/>
           </a:p>
           <a:p>
             <a:pPr marL="0" indent="0">
-              <a:lnSpc>
-                <a:spcPct val="100000"/>
-              </a:lnSpc>
               <a:buNone/>
             </a:pPr>
             <a:r>
-              <a:rPr lang="en-US">
-                <a:solidFill>
-                  <a:schemeClr val="bg2">
-                    <a:lumMod val="50000"/>
-                  </a:schemeClr>
-                </a:solidFill>
-                <a:latin typeface="Courier New" panose="02070309020205020404" charset="0"/>
-                <a:cs typeface="Courier New" panose="02070309020205020404" charset="0"/>
-              </a:rPr>
-              <a:t>    </a:t>
-            </a:r>
-            <a:r>
-              <a:rPr lang="" altLang="en-US">
-                <a:solidFill>
-                  <a:schemeClr val="bg2">
-                    <a:lumMod val="50000"/>
-                  </a:schemeClr>
-                </a:solidFill>
-                <a:latin typeface="Courier New" panose="02070309020205020404" charset="0"/>
-                <a:cs typeface="Courier New" panose="02070309020205020404" charset="0"/>
-              </a:rPr>
-              <a:t>// Cari secara urut</a:t>
-            </a:r>
-            <a:endParaRPr lang="en-US">
-              <a:solidFill>
-                <a:schemeClr val="bg2">
-                  <a:lumMod val="75000"/>
-                </a:schemeClr>
-              </a:solidFill>
-              <a:latin typeface="Courier New" panose="02070309020205020404" charset="0"/>
-              <a:cs typeface="Courier New" panose="02070309020205020404" charset="0"/>
-            </a:endParaRPr>
-          </a:p>
-          <a:p>
-            <a:pPr marL="0" indent="0">
-              <a:lnSpc>
-                <a:spcPct val="100000"/>
-              </a:lnSpc>
-              <a:buNone/>
-            </a:pPr>
-            <a:r>
-              <a:rPr lang="en-US">
-                <a:latin typeface="Courier New" panose="02070309020205020404" charset="0"/>
-                <a:cs typeface="Courier New" panose="02070309020205020404" charset="0"/>
-              </a:rPr>
-              <a:t>    </a:t>
-            </a:r>
-            <a:r>
-              <a:rPr lang="en-US" b="1">
-                <a:latin typeface="Courier New" panose="02070309020205020404" charset="0"/>
-                <a:cs typeface="Courier New" panose="02070309020205020404" charset="0"/>
-              </a:rPr>
-              <a:t>for</a:t>
-            </a:r>
-            <a:r>
-              <a:rPr lang="en-US">
-                <a:latin typeface="Courier New" panose="02070309020205020404" charset="0"/>
-                <a:cs typeface="Courier New" panose="02070309020205020404" charset="0"/>
-              </a:rPr>
-              <a:t>(</a:t>
-            </a:r>
-            <a:r>
-              <a:rPr lang="en-US" b="1">
-                <a:latin typeface="Courier New" panose="02070309020205020404" charset="0"/>
-                <a:cs typeface="Courier New" panose="02070309020205020404" charset="0"/>
-              </a:rPr>
-              <a:t>int</a:t>
-            </a:r>
-            <a:r>
-              <a:rPr lang="en-US">
-                <a:latin typeface="Courier New" panose="02070309020205020404" charset="0"/>
-                <a:cs typeface="Courier New" panose="02070309020205020404" charset="0"/>
-              </a:rPr>
-              <a:t> i=0; i&lt;n; i++) {</a:t>
-            </a:r>
-            <a:endParaRPr lang="en-US">
-              <a:latin typeface="Courier New" panose="02070309020205020404" charset="0"/>
-              <a:cs typeface="Courier New" panose="02070309020205020404" charset="0"/>
-            </a:endParaRPr>
-          </a:p>
-          <a:p>
-            <a:pPr marL="0" indent="0">
-              <a:lnSpc>
-                <a:spcPct val="100000"/>
-              </a:lnSpc>
-              <a:buNone/>
-            </a:pPr>
-            <a:r>
-              <a:rPr lang="" altLang="en-US">
-                <a:solidFill>
-                  <a:schemeClr val="bg2">
-                    <a:lumMod val="50000"/>
-                  </a:schemeClr>
-                </a:solidFill>
-                <a:latin typeface="Courier New" panose="02070309020205020404" charset="0"/>
-                <a:cs typeface="Courier New" panose="02070309020205020404" charset="0"/>
-              </a:rPr>
-              <a:t>	   // Ketemu, return index.</a:t>
-            </a:r>
-            <a:endParaRPr lang="en-US">
-              <a:latin typeface="Courier New" panose="02070309020205020404" charset="0"/>
-              <a:cs typeface="Courier New" panose="02070309020205020404" charset="0"/>
-            </a:endParaRPr>
-          </a:p>
-          <a:p>
-            <a:pPr marL="0" indent="0">
-              <a:lnSpc>
-                <a:spcPct val="100000"/>
-              </a:lnSpc>
-              <a:buNone/>
-            </a:pPr>
-            <a:r>
-              <a:rPr lang="en-US">
-                <a:latin typeface="Courier New" panose="02070309020205020404" charset="0"/>
-                <a:cs typeface="Courier New" panose="02070309020205020404" charset="0"/>
-              </a:rPr>
-              <a:t>        </a:t>
-            </a:r>
-            <a:r>
-              <a:rPr lang="en-US" b="1">
-                <a:latin typeface="Courier New" panose="02070309020205020404" charset="0"/>
-                <a:cs typeface="Courier New" panose="02070309020205020404" charset="0"/>
-              </a:rPr>
-              <a:t>if</a:t>
-            </a:r>
-            <a:r>
-              <a:rPr lang="en-US">
-                <a:latin typeface="Courier New" panose="02070309020205020404" charset="0"/>
-                <a:cs typeface="Courier New" panose="02070309020205020404" charset="0"/>
-              </a:rPr>
-              <a:t>(arr[i] == data) {</a:t>
-            </a:r>
-            <a:endParaRPr lang="en-US">
-              <a:latin typeface="Courier New" panose="02070309020205020404" charset="0"/>
-              <a:cs typeface="Courier New" panose="02070309020205020404" charset="0"/>
-            </a:endParaRPr>
-          </a:p>
-          <a:p>
-            <a:pPr marL="0" indent="0">
-              <a:lnSpc>
-                <a:spcPct val="100000"/>
-              </a:lnSpc>
-              <a:buNone/>
-            </a:pPr>
-            <a:r>
-              <a:rPr lang="en-US">
-                <a:latin typeface="Courier New" panose="02070309020205020404" charset="0"/>
-                <a:cs typeface="Courier New" panose="02070309020205020404" charset="0"/>
-              </a:rPr>
-              <a:t>            </a:t>
-            </a:r>
-            <a:r>
-              <a:rPr lang="en-US" b="1">
-                <a:latin typeface="Courier New" panose="02070309020205020404" charset="0"/>
-                <a:cs typeface="Courier New" panose="02070309020205020404" charset="0"/>
-              </a:rPr>
-              <a:t>return</a:t>
-            </a:r>
-            <a:r>
-              <a:rPr lang="en-US">
-                <a:latin typeface="Courier New" panose="02070309020205020404" charset="0"/>
-                <a:cs typeface="Courier New" panose="02070309020205020404" charset="0"/>
-              </a:rPr>
-              <a:t> i;</a:t>
-            </a:r>
-            <a:endParaRPr lang="en-US">
-              <a:latin typeface="Courier New" panose="02070309020205020404" charset="0"/>
-              <a:cs typeface="Courier New" panose="02070309020205020404" charset="0"/>
-            </a:endParaRPr>
-          </a:p>
-          <a:p>
-            <a:pPr marL="0" indent="0">
-              <a:lnSpc>
-                <a:spcPct val="100000"/>
-              </a:lnSpc>
-              <a:buNone/>
-            </a:pPr>
-            <a:r>
-              <a:rPr lang="en-US">
-                <a:latin typeface="Courier New" panose="02070309020205020404" charset="0"/>
-                <a:cs typeface="Courier New" panose="02070309020205020404" charset="0"/>
-              </a:rPr>
-              <a:t>        }</a:t>
-            </a:r>
-            <a:endParaRPr lang="en-US">
-              <a:latin typeface="Courier New" panose="02070309020205020404" charset="0"/>
-              <a:cs typeface="Courier New" panose="02070309020205020404" charset="0"/>
-            </a:endParaRPr>
-          </a:p>
-          <a:p>
-            <a:pPr marL="0" indent="0">
-              <a:lnSpc>
-                <a:spcPct val="100000"/>
-              </a:lnSpc>
-              <a:buNone/>
-            </a:pPr>
-            <a:r>
-              <a:rPr lang="en-US">
-                <a:latin typeface="Courier New" panose="02070309020205020404" charset="0"/>
-                <a:cs typeface="Courier New" panose="02070309020205020404" charset="0"/>
-              </a:rPr>
-              <a:t>    }</a:t>
-            </a:r>
-            <a:endParaRPr lang="en-US">
-              <a:latin typeface="Courier New" panose="02070309020205020404" charset="0"/>
-              <a:cs typeface="Courier New" panose="02070309020205020404" charset="0"/>
-            </a:endParaRPr>
-          </a:p>
-          <a:p>
-            <a:pPr marL="0" indent="0">
-              <a:lnSpc>
-                <a:spcPct val="100000"/>
-              </a:lnSpc>
-              <a:buNone/>
-            </a:pPr>
-            <a:r>
-              <a:rPr lang="en-US">
-                <a:latin typeface="Courier New" panose="02070309020205020404" charset="0"/>
-                <a:cs typeface="Courier New" panose="02070309020205020404" charset="0"/>
-              </a:rPr>
-              <a:t>    </a:t>
-            </a:r>
-            <a:r>
-              <a:rPr lang="en-US" b="1">
-                <a:latin typeface="Courier New" panose="02070309020205020404" charset="0"/>
-                <a:cs typeface="Courier New" panose="02070309020205020404" charset="0"/>
-              </a:rPr>
-              <a:t>return</a:t>
-            </a:r>
-            <a:r>
-              <a:rPr lang="en-US">
-                <a:latin typeface="Courier New" panose="02070309020205020404" charset="0"/>
-                <a:cs typeface="Courier New" panose="02070309020205020404" charset="0"/>
-              </a:rPr>
-              <a:t> -1;</a:t>
-            </a:r>
-            <a:endParaRPr lang="en-US">
-              <a:latin typeface="Courier New" panose="02070309020205020404" charset="0"/>
-              <a:cs typeface="Courier New" panose="02070309020205020404" charset="0"/>
-            </a:endParaRPr>
-          </a:p>
-          <a:p>
-            <a:pPr marL="0" indent="0">
-              <a:lnSpc>
-                <a:spcPct val="100000"/>
-              </a:lnSpc>
-              <a:buNone/>
-            </a:pPr>
-            <a:r>
-              <a:rPr lang="en-US">
-                <a:latin typeface="Courier New" panose="02070309020205020404" charset="0"/>
-                <a:cs typeface="Courier New" panose="02070309020205020404" charset="0"/>
-              </a:rPr>
-              <a:t>}</a:t>
-            </a:r>
-            <a:endParaRPr lang="en-US">
-              <a:latin typeface="Courier New" panose="02070309020205020404" charset="0"/>
-              <a:cs typeface="Courier New" panose="02070309020205020404" charset="0"/>
+              <a:rPr lang="en-US" altLang="en-US"/>
+              <a:t>Cari  : 12</a:t>
+            </a:r>
+            <a:endParaRPr lang="en-US" altLang="en-US"/>
+          </a:p>
+        </p:txBody>
+      </p:sp>
+      <p:sp>
+        <p:nvSpPr>
+          <p:cNvPr id="4" name="Rectangle 3"/>
+          <p:cNvSpPr/>
+          <p:nvPr/>
+        </p:nvSpPr>
+        <p:spPr>
+          <a:xfrm>
+            <a:off x="3059430" y="3775710"/>
+            <a:ext cx="993140" cy="993140"/>
+          </a:xfrm>
+          <a:prstGeom prst="rect">
+            <a:avLst/>
+          </a:prstGeom>
+        </p:spPr>
+        <p:style>
+          <a:lnRef idx="2">
+            <a:schemeClr val="accent6"/>
+          </a:lnRef>
+          <a:fillRef idx="1">
+            <a:schemeClr val="lt1"/>
+          </a:fillRef>
+          <a:effectRef idx="0">
+            <a:schemeClr val="accent6"/>
+          </a:effectRef>
+          <a:fontRef idx="minor">
+            <a:schemeClr val="dk1"/>
+          </a:fontRef>
+        </p:style>
+        <p:txBody>
+          <a:bodyPr rtlCol="0" anchor="ctr"/>
+          <a:p>
+            <a:pPr algn="ctr"/>
+            <a:r>
+              <a:rPr lang="en-US" altLang="en-US" sz="2800" b="1">
+                <a:solidFill>
+                  <a:schemeClr val="accent1"/>
+                </a:solidFill>
+              </a:rPr>
+              <a:t>20</a:t>
+            </a:r>
+            <a:endParaRPr lang="en-US" altLang="en-US" sz="2800" b="1">
+              <a:solidFill>
+                <a:schemeClr val="accent1"/>
+              </a:solidFill>
+            </a:endParaRPr>
+          </a:p>
+        </p:txBody>
+      </p:sp>
+      <p:sp>
+        <p:nvSpPr>
+          <p:cNvPr id="5" name="Rectangle 4"/>
+          <p:cNvSpPr/>
+          <p:nvPr/>
+        </p:nvSpPr>
+        <p:spPr>
+          <a:xfrm>
+            <a:off x="4052570" y="3775710"/>
+            <a:ext cx="993140" cy="993140"/>
+          </a:xfrm>
+          <a:prstGeom prst="rect">
+            <a:avLst/>
+          </a:prstGeom>
+        </p:spPr>
+        <p:style>
+          <a:lnRef idx="2">
+            <a:schemeClr val="accent6"/>
+          </a:lnRef>
+          <a:fillRef idx="1">
+            <a:schemeClr val="lt1"/>
+          </a:fillRef>
+          <a:effectRef idx="0">
+            <a:schemeClr val="accent6"/>
+          </a:effectRef>
+          <a:fontRef idx="minor">
+            <a:schemeClr val="dk1"/>
+          </a:fontRef>
+        </p:style>
+        <p:txBody>
+          <a:bodyPr rtlCol="0" anchor="ctr"/>
+          <a:p>
+            <a:pPr algn="ctr"/>
+            <a:r>
+              <a:rPr lang="en-US" altLang="en-US" sz="2800" b="1">
+                <a:solidFill>
+                  <a:schemeClr val="accent1"/>
+                </a:solidFill>
+                <a:sym typeface="+mn-ea"/>
+              </a:rPr>
+              <a:t>30</a:t>
+            </a:r>
+            <a:endParaRPr lang="en-US" altLang="en-US" sz="2800" b="1">
+              <a:solidFill>
+                <a:schemeClr val="bg1"/>
+              </a:solidFill>
+              <a:sym typeface="+mn-ea"/>
+            </a:endParaRPr>
+          </a:p>
+        </p:txBody>
+      </p:sp>
+      <p:sp>
+        <p:nvSpPr>
+          <p:cNvPr id="6" name="Rectangle 5"/>
+          <p:cNvSpPr/>
+          <p:nvPr/>
+        </p:nvSpPr>
+        <p:spPr>
+          <a:xfrm>
+            <a:off x="5045710" y="3775710"/>
+            <a:ext cx="993140" cy="993140"/>
+          </a:xfrm>
+          <a:prstGeom prst="rect">
+            <a:avLst/>
+          </a:prstGeom>
+        </p:spPr>
+        <p:style>
+          <a:lnRef idx="2">
+            <a:schemeClr val="accent6"/>
+          </a:lnRef>
+          <a:fillRef idx="1">
+            <a:schemeClr val="lt1"/>
+          </a:fillRef>
+          <a:effectRef idx="0">
+            <a:schemeClr val="accent6"/>
+          </a:effectRef>
+          <a:fontRef idx="minor">
+            <a:schemeClr val="dk1"/>
+          </a:fontRef>
+        </p:style>
+        <p:txBody>
+          <a:bodyPr rtlCol="0" anchor="ctr"/>
+          <a:p>
+            <a:pPr algn="ctr"/>
+            <a:r>
+              <a:rPr lang="en-US" altLang="en-US" sz="2800" b="1">
+                <a:solidFill>
+                  <a:schemeClr val="accent1"/>
+                </a:solidFill>
+                <a:sym typeface="+mn-ea"/>
+              </a:rPr>
+              <a:t>15</a:t>
+            </a:r>
+            <a:endParaRPr lang="en-US" altLang="en-US" sz="2800" b="1">
+              <a:solidFill>
+                <a:schemeClr val="accent1"/>
+              </a:solidFill>
+              <a:sym typeface="+mn-ea"/>
+            </a:endParaRPr>
+          </a:p>
+        </p:txBody>
+      </p:sp>
+      <p:sp>
+        <p:nvSpPr>
+          <p:cNvPr id="7" name="Rectangle 6"/>
+          <p:cNvSpPr/>
+          <p:nvPr/>
+        </p:nvSpPr>
+        <p:spPr>
+          <a:xfrm>
+            <a:off x="6038850" y="3775710"/>
+            <a:ext cx="993140" cy="993140"/>
+          </a:xfrm>
+          <a:prstGeom prst="rect">
+            <a:avLst/>
+          </a:prstGeom>
+        </p:spPr>
+        <p:style>
+          <a:lnRef idx="2">
+            <a:schemeClr val="accent5">
+              <a:shade val="50000"/>
+            </a:schemeClr>
+          </a:lnRef>
+          <a:fillRef idx="1">
+            <a:schemeClr val="accent5"/>
+          </a:fillRef>
+          <a:effectRef idx="0">
+            <a:schemeClr val="accent5"/>
+          </a:effectRef>
+          <a:fontRef idx="minor">
+            <a:schemeClr val="lt1"/>
+          </a:fontRef>
+        </p:style>
+        <p:txBody>
+          <a:bodyPr rtlCol="0" anchor="ctr"/>
+          <a:p>
+            <a:pPr algn="ctr"/>
+            <a:r>
+              <a:rPr lang="en-US" altLang="en-US" sz="2800" b="1">
+                <a:solidFill>
+                  <a:schemeClr val="bg1"/>
+                </a:solidFill>
+                <a:sym typeface="+mn-ea"/>
+              </a:rPr>
+              <a:t>12</a:t>
+            </a:r>
+            <a:endParaRPr lang="en-US" altLang="en-US" sz="2800" b="1">
+              <a:solidFill>
+                <a:schemeClr val="bg1"/>
+              </a:solidFill>
+              <a:sym typeface="+mn-ea"/>
+            </a:endParaRPr>
+          </a:p>
+        </p:txBody>
+      </p:sp>
+      <p:sp>
+        <p:nvSpPr>
+          <p:cNvPr id="8" name="Rectangle 7"/>
+          <p:cNvSpPr/>
+          <p:nvPr/>
+        </p:nvSpPr>
+        <p:spPr>
+          <a:xfrm>
+            <a:off x="7031990" y="3775710"/>
+            <a:ext cx="993140" cy="993140"/>
+          </a:xfrm>
+          <a:prstGeom prst="rect">
+            <a:avLst/>
+          </a:prstGeom>
+        </p:spPr>
+        <p:style>
+          <a:lnRef idx="2">
+            <a:schemeClr val="accent6"/>
+          </a:lnRef>
+          <a:fillRef idx="1">
+            <a:schemeClr val="lt1"/>
+          </a:fillRef>
+          <a:effectRef idx="0">
+            <a:schemeClr val="accent6"/>
+          </a:effectRef>
+          <a:fontRef idx="minor">
+            <a:schemeClr val="dk1"/>
+          </a:fontRef>
+        </p:style>
+        <p:txBody>
+          <a:bodyPr rtlCol="0" anchor="ctr"/>
+          <a:p>
+            <a:pPr algn="ctr"/>
+            <a:r>
+              <a:rPr lang="en-US" altLang="en-US" sz="2800" b="1">
+                <a:solidFill>
+                  <a:schemeClr val="accent1"/>
+                </a:solidFill>
+                <a:sym typeface="+mn-ea"/>
+              </a:rPr>
+              <a:t>10</a:t>
+            </a:r>
+            <a:endParaRPr lang="en-US" altLang="en-US" sz="2800" b="1">
+              <a:solidFill>
+                <a:schemeClr val="accent1"/>
+              </a:solidFill>
+              <a:sym typeface="+mn-ea"/>
+            </a:endParaRPr>
+          </a:p>
+        </p:txBody>
+      </p:sp>
+      <p:sp>
+        <p:nvSpPr>
+          <p:cNvPr id="9" name="Rectangle 8"/>
+          <p:cNvSpPr/>
+          <p:nvPr/>
+        </p:nvSpPr>
+        <p:spPr>
+          <a:xfrm>
+            <a:off x="8025130" y="3775710"/>
+            <a:ext cx="993140" cy="993140"/>
+          </a:xfrm>
+          <a:prstGeom prst="rect">
+            <a:avLst/>
+          </a:prstGeom>
+        </p:spPr>
+        <p:style>
+          <a:lnRef idx="2">
+            <a:schemeClr val="accent6"/>
+          </a:lnRef>
+          <a:fillRef idx="1">
+            <a:schemeClr val="lt1"/>
+          </a:fillRef>
+          <a:effectRef idx="0">
+            <a:schemeClr val="accent6"/>
+          </a:effectRef>
+          <a:fontRef idx="minor">
+            <a:schemeClr val="dk1"/>
+          </a:fontRef>
+        </p:style>
+        <p:txBody>
+          <a:bodyPr rtlCol="0" anchor="ctr"/>
+          <a:p>
+            <a:pPr algn="ctr"/>
+            <a:r>
+              <a:rPr lang="en-US" altLang="en-US" sz="2800" b="1">
+                <a:solidFill>
+                  <a:schemeClr val="accent1"/>
+                </a:solidFill>
+                <a:sym typeface="+mn-ea"/>
+              </a:rPr>
+              <a:t>5</a:t>
+            </a:r>
+            <a:endParaRPr lang="en-US" altLang="en-US" sz="2800" b="1">
+              <a:solidFill>
+                <a:schemeClr val="accent1"/>
+              </a:solidFill>
+              <a:sym typeface="+mn-ea"/>
             </a:endParaRPr>
           </a:p>
         </p:txBody>
@@ -18003,10 +17235,9 @@
         <p:txBody>
           <a:bodyPr/>
           <a:p>
-            <a:pPr algn="ctr"/>
             <a:r>
               <a:rPr lang="en-US" altLang="en-US"/>
-              <a:t>Sequential Search</a:t>
+              <a:t>Implementation</a:t>
             </a:r>
             <a:endParaRPr lang="en-US" altLang="en-US"/>
           </a:p>
@@ -18024,339 +17255,329 @@
         </p:nvSpPr>
         <p:spPr/>
         <p:txBody>
-          <a:bodyPr/>
+          <a:bodyPr>
+            <a:normAutofit fontScale="90000" lnSpcReduction="20000"/>
+          </a:bodyPr>
           <a:p>
             <a:pPr marL="0" indent="0">
+              <a:lnSpc>
+                <a:spcPct val="100000"/>
+              </a:lnSpc>
               <a:buNone/>
             </a:pPr>
             <a:r>
-              <a:rPr lang="en-US" altLang="en-US"/>
-              <a:t>Data : [</a:t>
-            </a:r>
-            <a:r>
-              <a:rPr lang="" altLang="en-US"/>
-              <a:t>2</a:t>
-            </a:r>
-            <a:r>
-              <a:rPr lang="en-US" altLang="en-US"/>
-              <a:t>0, 30, 15, 12, 10, 5]</a:t>
-            </a:r>
-            <a:endParaRPr lang="en-US" altLang="en-US"/>
+              <a:rPr lang="en-US" b="1">
+                <a:latin typeface="Courier New" panose="02070309020205020404" charset="0"/>
+                <a:cs typeface="Courier New" panose="02070309020205020404" charset="0"/>
+              </a:rPr>
+              <a:t>int</a:t>
+            </a:r>
+            <a:r>
+              <a:rPr lang="en-US">
+                <a:latin typeface="Courier New" panose="02070309020205020404" charset="0"/>
+                <a:cs typeface="Courier New" panose="02070309020205020404" charset="0"/>
+              </a:rPr>
+              <a:t> linearSearch(</a:t>
+            </a:r>
+            <a:r>
+              <a:rPr lang="en-US" b="1">
+                <a:latin typeface="Courier New" panose="02070309020205020404" charset="0"/>
+                <a:cs typeface="Courier New" panose="02070309020205020404" charset="0"/>
+              </a:rPr>
+              <a:t>int</a:t>
+            </a:r>
+            <a:r>
+              <a:rPr lang="en-US">
+                <a:latin typeface="Courier New" panose="02070309020205020404" charset="0"/>
+                <a:cs typeface="Courier New" panose="02070309020205020404" charset="0"/>
+              </a:rPr>
+              <a:t> arr[], </a:t>
+            </a:r>
+            <a:r>
+              <a:rPr lang="en-US" b="1">
+                <a:latin typeface="Courier New" panose="02070309020205020404" charset="0"/>
+                <a:cs typeface="Courier New" panose="02070309020205020404" charset="0"/>
+              </a:rPr>
+              <a:t>int</a:t>
+            </a:r>
+            <a:r>
+              <a:rPr lang="en-US">
+                <a:latin typeface="Courier New" panose="02070309020205020404" charset="0"/>
+                <a:cs typeface="Courier New" panose="02070309020205020404" charset="0"/>
+              </a:rPr>
+              <a:t> data) {</a:t>
+            </a:r>
+            <a:endParaRPr lang="en-US">
+              <a:latin typeface="Courier New" panose="02070309020205020404" charset="0"/>
+              <a:cs typeface="Courier New" panose="02070309020205020404" charset="0"/>
+            </a:endParaRPr>
           </a:p>
           <a:p>
             <a:pPr marL="0" indent="0">
+              <a:lnSpc>
+                <a:spcPct val="100000"/>
+              </a:lnSpc>
               <a:buNone/>
             </a:pPr>
             <a:r>
-              <a:rPr lang="en-US" altLang="en-US"/>
-              <a:t>Cari  : 12</a:t>
-            </a:r>
-            <a:endParaRPr lang="en-US" altLang="en-US"/>
-          </a:p>
-        </p:txBody>
-      </p:sp>
-      <p:sp>
-        <p:nvSpPr>
-          <p:cNvPr id="4" name="Rectangle 3"/>
-          <p:cNvSpPr/>
-          <p:nvPr/>
-        </p:nvSpPr>
-        <p:spPr>
-          <a:xfrm>
-            <a:off x="3059430" y="3775710"/>
-            <a:ext cx="993140" cy="993140"/>
-          </a:xfrm>
-          <a:prstGeom prst="rect">
-            <a:avLst/>
-          </a:prstGeom>
-        </p:spPr>
-        <p:style>
-          <a:lnRef idx="2">
-            <a:schemeClr val="accent6"/>
-          </a:lnRef>
-          <a:fillRef idx="1">
-            <a:schemeClr val="lt1"/>
-          </a:fillRef>
-          <a:effectRef idx="0">
-            <a:schemeClr val="accent6"/>
-          </a:effectRef>
-          <a:fontRef idx="minor">
-            <a:schemeClr val="dk1"/>
-          </a:fontRef>
-        </p:style>
-        <p:txBody>
-          <a:bodyPr rtlCol="0" anchor="ctr"/>
-          <a:p>
-            <a:pPr algn="ctr"/>
-            <a:r>
-              <a:rPr lang="en-US" altLang="en-US" sz="2800" b="1">
-                <a:solidFill>
-                  <a:schemeClr val="accent1"/>
-                </a:solidFill>
-              </a:rPr>
-              <a:t>20</a:t>
-            </a:r>
-            <a:endParaRPr lang="en-US" altLang="en-US" sz="2800" b="1">
-              <a:solidFill>
-                <a:schemeClr val="accent1"/>
-              </a:solidFill>
-            </a:endParaRPr>
-          </a:p>
-        </p:txBody>
-      </p:sp>
-      <p:sp>
-        <p:nvSpPr>
-          <p:cNvPr id="5" name="Rectangle 4"/>
-          <p:cNvSpPr/>
-          <p:nvPr/>
-        </p:nvSpPr>
-        <p:spPr>
-          <a:xfrm>
-            <a:off x="4052570" y="3775710"/>
-            <a:ext cx="993140" cy="993140"/>
-          </a:xfrm>
-          <a:prstGeom prst="rect">
-            <a:avLst/>
-          </a:prstGeom>
-        </p:spPr>
-        <p:style>
-          <a:lnRef idx="2">
-            <a:schemeClr val="accent6"/>
-          </a:lnRef>
-          <a:fillRef idx="1">
-            <a:schemeClr val="lt1"/>
-          </a:fillRef>
-          <a:effectRef idx="0">
-            <a:schemeClr val="accent6"/>
-          </a:effectRef>
-          <a:fontRef idx="minor">
-            <a:schemeClr val="dk1"/>
-          </a:fontRef>
-        </p:style>
-        <p:txBody>
-          <a:bodyPr rtlCol="0" anchor="ctr"/>
-          <a:p>
-            <a:pPr algn="ctr"/>
-            <a:r>
-              <a:rPr lang="en-US" altLang="en-US" sz="2800" b="1">
-                <a:solidFill>
-                  <a:schemeClr val="accent1"/>
-                </a:solidFill>
-                <a:sym typeface="+mn-ea"/>
-              </a:rPr>
-              <a:t>30</a:t>
-            </a:r>
-            <a:endParaRPr lang="en-US" altLang="en-US" sz="2800" b="1">
-              <a:solidFill>
-                <a:schemeClr val="bg1"/>
-              </a:solidFill>
-              <a:sym typeface="+mn-ea"/>
-            </a:endParaRPr>
-          </a:p>
-        </p:txBody>
-      </p:sp>
-      <p:sp>
-        <p:nvSpPr>
-          <p:cNvPr id="6" name="Rectangle 5"/>
-          <p:cNvSpPr/>
-          <p:nvPr/>
-        </p:nvSpPr>
-        <p:spPr>
-          <a:xfrm>
-            <a:off x="5045710" y="3775710"/>
-            <a:ext cx="993140" cy="993140"/>
-          </a:xfrm>
-          <a:prstGeom prst="rect">
-            <a:avLst/>
-          </a:prstGeom>
-        </p:spPr>
-        <p:style>
-          <a:lnRef idx="2">
-            <a:schemeClr val="accent6"/>
-          </a:lnRef>
-          <a:fillRef idx="1">
-            <a:schemeClr val="lt1"/>
-          </a:fillRef>
-          <a:effectRef idx="0">
-            <a:schemeClr val="accent6"/>
-          </a:effectRef>
-          <a:fontRef idx="minor">
-            <a:schemeClr val="dk1"/>
-          </a:fontRef>
-        </p:style>
-        <p:txBody>
-          <a:bodyPr rtlCol="0" anchor="ctr"/>
-          <a:p>
-            <a:pPr algn="ctr"/>
-            <a:r>
-              <a:rPr lang="en-US" altLang="en-US" sz="2800" b="1">
-                <a:solidFill>
-                  <a:schemeClr val="accent1"/>
-                </a:solidFill>
-                <a:sym typeface="+mn-ea"/>
-              </a:rPr>
-              <a:t>15</a:t>
-            </a:r>
-            <a:endParaRPr lang="en-US" altLang="en-US" sz="2800" b="1">
-              <a:solidFill>
-                <a:schemeClr val="accent1"/>
-              </a:solidFill>
-              <a:sym typeface="+mn-ea"/>
-            </a:endParaRPr>
-          </a:p>
-        </p:txBody>
-      </p:sp>
-      <p:sp>
-        <p:nvSpPr>
-          <p:cNvPr id="7" name="Rectangle 6"/>
-          <p:cNvSpPr/>
-          <p:nvPr/>
-        </p:nvSpPr>
-        <p:spPr>
-          <a:xfrm>
-            <a:off x="6038850" y="3775710"/>
-            <a:ext cx="993140" cy="993140"/>
-          </a:xfrm>
-          <a:prstGeom prst="rect">
-            <a:avLst/>
-          </a:prstGeom>
-        </p:spPr>
-        <p:style>
-          <a:lnRef idx="2">
-            <a:schemeClr val="accent5">
-              <a:shade val="50000"/>
-            </a:schemeClr>
-          </a:lnRef>
-          <a:fillRef idx="1">
-            <a:schemeClr val="accent5"/>
-          </a:fillRef>
-          <a:effectRef idx="0">
-            <a:schemeClr val="accent5"/>
-          </a:effectRef>
-          <a:fontRef idx="minor">
-            <a:schemeClr val="lt1"/>
-          </a:fontRef>
-        </p:style>
-        <p:txBody>
-          <a:bodyPr rtlCol="0" anchor="ctr"/>
-          <a:p>
-            <a:pPr algn="ctr"/>
-            <a:r>
-              <a:rPr lang="en-US" altLang="en-US" sz="2800" b="1">
-                <a:solidFill>
-                  <a:schemeClr val="bg1"/>
-                </a:solidFill>
-                <a:sym typeface="+mn-ea"/>
-              </a:rPr>
-              <a:t>12</a:t>
-            </a:r>
-            <a:endParaRPr lang="en-US" altLang="en-US" sz="2800" b="1">
-              <a:solidFill>
-                <a:schemeClr val="bg1"/>
-              </a:solidFill>
-              <a:sym typeface="+mn-ea"/>
-            </a:endParaRPr>
-          </a:p>
-        </p:txBody>
-      </p:sp>
-      <p:sp>
-        <p:nvSpPr>
-          <p:cNvPr id="8" name="Rectangle 7"/>
-          <p:cNvSpPr/>
-          <p:nvPr/>
-        </p:nvSpPr>
-        <p:spPr>
-          <a:xfrm>
-            <a:off x="7031990" y="3775710"/>
-            <a:ext cx="993140" cy="993140"/>
-          </a:xfrm>
-          <a:prstGeom prst="rect">
-            <a:avLst/>
-          </a:prstGeom>
-        </p:spPr>
-        <p:style>
-          <a:lnRef idx="2">
-            <a:schemeClr val="accent6"/>
-          </a:lnRef>
-          <a:fillRef idx="1">
-            <a:schemeClr val="lt1"/>
-          </a:fillRef>
-          <a:effectRef idx="0">
-            <a:schemeClr val="accent6"/>
-          </a:effectRef>
-          <a:fontRef idx="minor">
-            <a:schemeClr val="dk1"/>
-          </a:fontRef>
-        </p:style>
-        <p:txBody>
-          <a:bodyPr rtlCol="0" anchor="ctr"/>
-          <a:p>
-            <a:pPr algn="ctr"/>
-            <a:r>
-              <a:rPr lang="en-US" altLang="en-US" sz="2800" b="1">
-                <a:solidFill>
-                  <a:schemeClr val="accent1"/>
-                </a:solidFill>
-                <a:sym typeface="+mn-ea"/>
-              </a:rPr>
-              <a:t>10</a:t>
-            </a:r>
-            <a:endParaRPr lang="en-US" altLang="en-US" sz="2800" b="1">
-              <a:solidFill>
-                <a:schemeClr val="accent1"/>
-              </a:solidFill>
-              <a:sym typeface="+mn-ea"/>
-            </a:endParaRPr>
-          </a:p>
-        </p:txBody>
-      </p:sp>
-      <p:sp>
-        <p:nvSpPr>
-          <p:cNvPr id="9" name="Rectangle 8"/>
-          <p:cNvSpPr/>
-          <p:nvPr/>
-        </p:nvSpPr>
-        <p:spPr>
-          <a:xfrm>
-            <a:off x="8025130" y="3775710"/>
-            <a:ext cx="993140" cy="993140"/>
-          </a:xfrm>
-          <a:prstGeom prst="rect">
-            <a:avLst/>
-          </a:prstGeom>
-        </p:spPr>
-        <p:style>
-          <a:lnRef idx="2">
-            <a:schemeClr val="accent6"/>
-          </a:lnRef>
-          <a:fillRef idx="1">
-            <a:schemeClr val="lt1"/>
-          </a:fillRef>
-          <a:effectRef idx="0">
-            <a:schemeClr val="accent6"/>
-          </a:effectRef>
-          <a:fontRef idx="minor">
-            <a:schemeClr val="dk1"/>
-          </a:fontRef>
-        </p:style>
-        <p:txBody>
-          <a:bodyPr rtlCol="0" anchor="ctr"/>
-          <a:p>
-            <a:pPr algn="ctr"/>
-            <a:r>
-              <a:rPr lang="en-US" altLang="en-US" sz="2800" b="1">
-                <a:solidFill>
-                  <a:schemeClr val="accent1"/>
-                </a:solidFill>
-                <a:sym typeface="+mn-ea"/>
-              </a:rPr>
-              <a:t>5</a:t>
-            </a:r>
-            <a:endParaRPr lang="en-US" altLang="en-US" sz="2800" b="1">
-              <a:solidFill>
-                <a:schemeClr val="accent1"/>
-              </a:solidFill>
-              <a:sym typeface="+mn-ea"/>
+              <a:rPr lang="en-US">
+                <a:solidFill>
+                  <a:schemeClr val="bg2">
+                    <a:lumMod val="50000"/>
+                  </a:schemeClr>
+                </a:solidFill>
+                <a:latin typeface="Courier New" panose="02070309020205020404" charset="0"/>
+                <a:cs typeface="Courier New" panose="02070309020205020404" charset="0"/>
+              </a:rPr>
+              <a:t>    </a:t>
+            </a:r>
+            <a:r>
+              <a:rPr lang="en-US" altLang="en-US">
+                <a:solidFill>
+                  <a:schemeClr val="bg2">
+                    <a:lumMod val="50000"/>
+                  </a:schemeClr>
+                </a:solidFill>
+                <a:latin typeface="Courier New" panose="02070309020205020404" charset="0"/>
+                <a:cs typeface="Courier New" panose="02070309020205020404" charset="0"/>
+              </a:rPr>
+              <a:t>// Cari secara urut</a:t>
+            </a:r>
+            <a:endParaRPr lang="en-US">
+              <a:solidFill>
+                <a:schemeClr val="bg2">
+                  <a:lumMod val="75000"/>
+                </a:schemeClr>
+              </a:solidFill>
+              <a:latin typeface="Courier New" panose="02070309020205020404" charset="0"/>
+              <a:cs typeface="Courier New" panose="02070309020205020404" charset="0"/>
+            </a:endParaRPr>
+          </a:p>
+          <a:p>
+            <a:pPr marL="0" indent="0">
+              <a:lnSpc>
+                <a:spcPct val="100000"/>
+              </a:lnSpc>
+              <a:buNone/>
+            </a:pPr>
+            <a:r>
+              <a:rPr lang="en-US">
+                <a:latin typeface="Courier New" panose="02070309020205020404" charset="0"/>
+                <a:cs typeface="Courier New" panose="02070309020205020404" charset="0"/>
+              </a:rPr>
+              <a:t>    </a:t>
+            </a:r>
+            <a:r>
+              <a:rPr lang="en-US" b="1">
+                <a:latin typeface="Courier New" panose="02070309020205020404" charset="0"/>
+                <a:cs typeface="Courier New" panose="02070309020205020404" charset="0"/>
+              </a:rPr>
+              <a:t>for</a:t>
+            </a:r>
+            <a:r>
+              <a:rPr lang="en-US">
+                <a:latin typeface="Courier New" panose="02070309020205020404" charset="0"/>
+                <a:cs typeface="Courier New" panose="02070309020205020404" charset="0"/>
+              </a:rPr>
+              <a:t>(</a:t>
+            </a:r>
+            <a:r>
+              <a:rPr lang="en-US" b="1">
+                <a:latin typeface="Courier New" panose="02070309020205020404" charset="0"/>
+                <a:cs typeface="Courier New" panose="02070309020205020404" charset="0"/>
+              </a:rPr>
+              <a:t>int</a:t>
+            </a:r>
+            <a:r>
+              <a:rPr lang="en-US">
+                <a:latin typeface="Courier New" panose="02070309020205020404" charset="0"/>
+                <a:cs typeface="Courier New" panose="02070309020205020404" charset="0"/>
+              </a:rPr>
+              <a:t> i=0; i&lt;n; i++) {</a:t>
+            </a:r>
+            <a:endParaRPr lang="en-US">
+              <a:latin typeface="Courier New" panose="02070309020205020404" charset="0"/>
+              <a:cs typeface="Courier New" panose="02070309020205020404" charset="0"/>
+            </a:endParaRPr>
+          </a:p>
+          <a:p>
+            <a:pPr marL="0" indent="0">
+              <a:lnSpc>
+                <a:spcPct val="100000"/>
+              </a:lnSpc>
+              <a:buNone/>
+            </a:pPr>
+            <a:r>
+              <a:rPr lang="en-US" altLang="en-US">
+                <a:solidFill>
+                  <a:schemeClr val="bg2">
+                    <a:lumMod val="50000"/>
+                  </a:schemeClr>
+                </a:solidFill>
+                <a:latin typeface="Courier New" panose="02070309020205020404" charset="0"/>
+                <a:cs typeface="Courier New" panose="02070309020205020404" charset="0"/>
+              </a:rPr>
+              <a:t>	   // Ketemu, return index.</a:t>
+            </a:r>
+            <a:endParaRPr lang="en-US">
+              <a:latin typeface="Courier New" panose="02070309020205020404" charset="0"/>
+              <a:cs typeface="Courier New" panose="02070309020205020404" charset="0"/>
+            </a:endParaRPr>
+          </a:p>
+          <a:p>
+            <a:pPr marL="0" indent="0">
+              <a:lnSpc>
+                <a:spcPct val="100000"/>
+              </a:lnSpc>
+              <a:buNone/>
+            </a:pPr>
+            <a:r>
+              <a:rPr lang="en-US">
+                <a:latin typeface="Courier New" panose="02070309020205020404" charset="0"/>
+                <a:cs typeface="Courier New" panose="02070309020205020404" charset="0"/>
+              </a:rPr>
+              <a:t>        </a:t>
+            </a:r>
+            <a:r>
+              <a:rPr lang="en-US" b="1">
+                <a:latin typeface="Courier New" panose="02070309020205020404" charset="0"/>
+                <a:cs typeface="Courier New" panose="02070309020205020404" charset="0"/>
+              </a:rPr>
+              <a:t>if</a:t>
+            </a:r>
+            <a:r>
+              <a:rPr lang="en-US">
+                <a:latin typeface="Courier New" panose="02070309020205020404" charset="0"/>
+                <a:cs typeface="Courier New" panose="02070309020205020404" charset="0"/>
+              </a:rPr>
+              <a:t>(arr[i] == data) {</a:t>
+            </a:r>
+            <a:endParaRPr lang="en-US">
+              <a:latin typeface="Courier New" panose="02070309020205020404" charset="0"/>
+              <a:cs typeface="Courier New" panose="02070309020205020404" charset="0"/>
+            </a:endParaRPr>
+          </a:p>
+          <a:p>
+            <a:pPr marL="0" indent="0">
+              <a:lnSpc>
+                <a:spcPct val="100000"/>
+              </a:lnSpc>
+              <a:buNone/>
+            </a:pPr>
+            <a:r>
+              <a:rPr lang="en-US">
+                <a:latin typeface="Courier New" panose="02070309020205020404" charset="0"/>
+                <a:cs typeface="Courier New" panose="02070309020205020404" charset="0"/>
+              </a:rPr>
+              <a:t>            </a:t>
+            </a:r>
+            <a:r>
+              <a:rPr lang="en-US" b="1">
+                <a:latin typeface="Courier New" panose="02070309020205020404" charset="0"/>
+                <a:cs typeface="Courier New" panose="02070309020205020404" charset="0"/>
+              </a:rPr>
+              <a:t>return</a:t>
+            </a:r>
+            <a:r>
+              <a:rPr lang="en-US">
+                <a:latin typeface="Courier New" panose="02070309020205020404" charset="0"/>
+                <a:cs typeface="Courier New" panose="02070309020205020404" charset="0"/>
+              </a:rPr>
+              <a:t> i;</a:t>
+            </a:r>
+            <a:endParaRPr lang="en-US">
+              <a:latin typeface="Courier New" panose="02070309020205020404" charset="0"/>
+              <a:cs typeface="Courier New" panose="02070309020205020404" charset="0"/>
+            </a:endParaRPr>
+          </a:p>
+          <a:p>
+            <a:pPr marL="0" indent="0">
+              <a:lnSpc>
+                <a:spcPct val="100000"/>
+              </a:lnSpc>
+              <a:buNone/>
+            </a:pPr>
+            <a:r>
+              <a:rPr lang="en-US">
+                <a:latin typeface="Courier New" panose="02070309020205020404" charset="0"/>
+                <a:cs typeface="Courier New" panose="02070309020205020404" charset="0"/>
+              </a:rPr>
+              <a:t>        }</a:t>
+            </a:r>
+            <a:endParaRPr lang="en-US">
+              <a:latin typeface="Courier New" panose="02070309020205020404" charset="0"/>
+              <a:cs typeface="Courier New" panose="02070309020205020404" charset="0"/>
+            </a:endParaRPr>
+          </a:p>
+          <a:p>
+            <a:pPr marL="0" indent="0">
+              <a:lnSpc>
+                <a:spcPct val="100000"/>
+              </a:lnSpc>
+              <a:buNone/>
+            </a:pPr>
+            <a:r>
+              <a:rPr lang="en-US">
+                <a:latin typeface="Courier New" panose="02070309020205020404" charset="0"/>
+                <a:cs typeface="Courier New" panose="02070309020205020404" charset="0"/>
+              </a:rPr>
+              <a:t>    }</a:t>
+            </a:r>
+            <a:endParaRPr lang="en-US">
+              <a:latin typeface="Courier New" panose="02070309020205020404" charset="0"/>
+              <a:cs typeface="Courier New" panose="02070309020205020404" charset="0"/>
+            </a:endParaRPr>
+          </a:p>
+          <a:p>
+            <a:pPr marL="0" indent="0">
+              <a:lnSpc>
+                <a:spcPct val="100000"/>
+              </a:lnSpc>
+              <a:buNone/>
+            </a:pPr>
+            <a:r>
+              <a:rPr lang="en-US">
+                <a:latin typeface="Courier New" panose="02070309020205020404" charset="0"/>
+                <a:cs typeface="Courier New" panose="02070309020205020404" charset="0"/>
+              </a:rPr>
+              <a:t>    </a:t>
+            </a:r>
+            <a:r>
+              <a:rPr lang="en-US" b="1">
+                <a:latin typeface="Courier New" panose="02070309020205020404" charset="0"/>
+                <a:cs typeface="Courier New" panose="02070309020205020404" charset="0"/>
+              </a:rPr>
+              <a:t>return</a:t>
+            </a:r>
+            <a:r>
+              <a:rPr lang="en-US">
+                <a:latin typeface="Courier New" panose="02070309020205020404" charset="0"/>
+                <a:cs typeface="Courier New" panose="02070309020205020404" charset="0"/>
+              </a:rPr>
+              <a:t> -1;</a:t>
+            </a:r>
+            <a:endParaRPr lang="en-US">
+              <a:latin typeface="Courier New" panose="02070309020205020404" charset="0"/>
+              <a:cs typeface="Courier New" panose="02070309020205020404" charset="0"/>
+            </a:endParaRPr>
+          </a:p>
+          <a:p>
+            <a:pPr marL="0" indent="0">
+              <a:lnSpc>
+                <a:spcPct val="100000"/>
+              </a:lnSpc>
+              <a:buNone/>
+            </a:pPr>
+            <a:r>
+              <a:rPr lang="en-US">
+                <a:latin typeface="Courier New" panose="02070309020205020404" charset="0"/>
+                <a:cs typeface="Courier New" panose="02070309020205020404" charset="0"/>
+              </a:rPr>
+              <a:t>}</a:t>
+            </a:r>
+            <a:endParaRPr lang="en-US">
+              <a:latin typeface="Courier New" panose="02070309020205020404" charset="0"/>
+              <a:cs typeface="Courier New" panose="02070309020205020404" charset="0"/>
             </a:endParaRPr>
           </a:p>
         </p:txBody>
@@ -18395,12 +17616,8 @@
           <a:p>
             <a:pPr algn="ctr"/>
             <a:r>
-              <a:rPr lang="" altLang="en-US"/>
-              <a:t>Binary</a:t>
-            </a:r>
-            <a:r>
               <a:rPr lang="en-US" altLang="en-US"/>
-              <a:t> Search</a:t>
+              <a:t>Binary Search</a:t>
             </a:r>
             <a:endParaRPr lang="en-US" altLang="en-US"/>
           </a:p>
@@ -18424,14 +17641,14 @@
               <a:buNone/>
             </a:pPr>
             <a:r>
-              <a:rPr lang="" altLang="en-US" b="1">
+              <a:rPr lang="en-US" altLang="en-US" b="1">
                 <a:solidFill>
                   <a:srgbClr val="FF0000"/>
                 </a:solidFill>
               </a:rPr>
               <a:t>HARUS URUT</a:t>
             </a:r>
-            <a:endParaRPr lang="" altLang="en-US" b="1">
+            <a:endParaRPr lang="en-US" altLang="en-US" b="1">
               <a:solidFill>
                 <a:srgbClr val="FF0000"/>
               </a:solidFill>
@@ -18441,7 +17658,7 @@
             <a:pPr marL="0" indent="0" algn="ctr">
               <a:buNone/>
             </a:pPr>
-            <a:endParaRPr lang="" altLang="en-US" b="1">
+            <a:endParaRPr lang="en-US" altLang="en-US" b="1">
               <a:solidFill>
                 <a:srgbClr val="FF0000"/>
               </a:solidFill>
@@ -18452,14 +17669,14 @@
               <a:buNone/>
             </a:pPr>
             <a:r>
-              <a:rPr lang="" altLang="en-US" b="1">
+              <a:rPr lang="en-US" altLang="en-US" b="1">
                 <a:solidFill>
                   <a:schemeClr val="tx1"/>
                 </a:solidFill>
               </a:rPr>
               <a:t>Cari : 40</a:t>
             </a:r>
-            <a:endParaRPr lang="" altLang="en-US" b="1">
+            <a:endParaRPr lang="en-US" altLang="en-US" b="1">
               <a:solidFill>
                 <a:schemeClr val="tx1"/>
               </a:solidFill>
@@ -18501,7 +17718,7 @@
           <a:p>
             <a:pPr algn="ctr"/>
             <a:r>
-              <a:rPr lang="" altLang="en-US" sz="2800" b="1">
+              <a:rPr lang="en-US" altLang="en-US" sz="2800" b="1">
                 <a:solidFill>
                   <a:schemeClr val="accent1"/>
                 </a:solidFill>
@@ -18509,7 +17726,7 @@
               </a:rPr>
               <a:t>20</a:t>
             </a:r>
-            <a:endParaRPr lang="" altLang="en-US" sz="2800" b="1">
+            <a:endParaRPr lang="en-US" altLang="en-US" sz="2800" b="1">
               <a:solidFill>
                 <a:schemeClr val="accent1"/>
               </a:solidFill>
@@ -18552,7 +17769,7 @@
           <a:p>
             <a:pPr algn="ctr"/>
             <a:r>
-              <a:rPr lang="" altLang="en-US" sz="2800" b="1">
+              <a:rPr lang="en-US" altLang="en-US" sz="2800" b="1">
                 <a:solidFill>
                   <a:schemeClr val="accent1"/>
                 </a:solidFill>
@@ -18560,7 +17777,7 @@
               </a:rPr>
               <a:t>30</a:t>
             </a:r>
-            <a:endParaRPr lang="" altLang="en-US" sz="2800" b="1">
+            <a:endParaRPr lang="en-US" altLang="en-US" sz="2800" b="1">
               <a:solidFill>
                 <a:schemeClr val="accent1"/>
               </a:solidFill>
@@ -18603,7 +17820,7 @@
           <a:p>
             <a:pPr algn="ctr"/>
             <a:r>
-              <a:rPr lang="" altLang="en-US" sz="2800" b="1">
+              <a:rPr lang="en-US" altLang="en-US" sz="2800" b="1">
                 <a:solidFill>
                   <a:schemeClr val="accent1"/>
                 </a:solidFill>
@@ -18611,7 +17828,7 @@
               </a:rPr>
               <a:t>40</a:t>
             </a:r>
-            <a:endParaRPr lang="" altLang="en-US" sz="2800" b="1">
+            <a:endParaRPr lang="en-US" altLang="en-US" sz="2800" b="1">
               <a:solidFill>
                 <a:schemeClr val="accent1"/>
               </a:solidFill>
@@ -18654,7 +17871,7 @@
           <a:p>
             <a:pPr algn="ctr"/>
             <a:r>
-              <a:rPr lang="" altLang="en-US" sz="2800" b="1">
+              <a:rPr lang="en-US" altLang="en-US" sz="2800" b="1">
                 <a:solidFill>
                   <a:schemeClr val="accent1"/>
                 </a:solidFill>
@@ -18662,7 +17879,7 @@
               </a:rPr>
               <a:t>50</a:t>
             </a:r>
-            <a:endParaRPr lang="" altLang="en-US" sz="2800" b="1">
+            <a:endParaRPr lang="en-US" altLang="en-US" sz="2800" b="1">
               <a:solidFill>
                 <a:schemeClr val="accent1"/>
               </a:solidFill>
@@ -18705,7 +17922,7 @@
           <a:p>
             <a:pPr algn="ctr"/>
             <a:r>
-              <a:rPr lang="" altLang="en-US" sz="2800" b="1">
+              <a:rPr lang="en-US" altLang="en-US" sz="2800" b="1">
                 <a:solidFill>
                   <a:schemeClr val="accent1"/>
                 </a:solidFill>
@@ -18713,7 +17930,7 @@
               </a:rPr>
               <a:t>70</a:t>
             </a:r>
-            <a:endParaRPr lang="" altLang="en-US" sz="2800" b="1">
+            <a:endParaRPr lang="en-US" altLang="en-US" sz="2800" b="1">
               <a:solidFill>
                 <a:schemeClr val="accent1"/>
               </a:solidFill>
@@ -18756,7 +17973,7 @@
           <a:p>
             <a:pPr algn="ctr"/>
             <a:r>
-              <a:rPr lang="" altLang="en-US" sz="2800" b="1">
+              <a:rPr lang="en-US" altLang="en-US" sz="2800" b="1">
                 <a:solidFill>
                   <a:schemeClr val="accent1"/>
                 </a:solidFill>
@@ -18764,7 +17981,7 @@
               </a:rPr>
               <a:t>80</a:t>
             </a:r>
-            <a:endParaRPr lang="" altLang="en-US" sz="2800" b="1">
+            <a:endParaRPr lang="en-US" altLang="en-US" sz="2800" b="1">
               <a:solidFill>
                 <a:schemeClr val="accent1"/>
               </a:solidFill>
@@ -18807,7 +18024,7 @@
           <a:p>
             <a:pPr algn="ctr"/>
             <a:r>
-              <a:rPr lang="" altLang="en-US" sz="2800" b="1">
+              <a:rPr lang="en-US" altLang="en-US" sz="2800" b="1">
                 <a:solidFill>
                   <a:schemeClr val="accent1"/>
                 </a:solidFill>
@@ -18815,7 +18032,7 @@
               </a:rPr>
               <a:t>90</a:t>
             </a:r>
-            <a:endParaRPr lang="" altLang="en-US" sz="2800" b="1">
+            <a:endParaRPr lang="en-US" altLang="en-US" sz="2800" b="1">
               <a:solidFill>
                 <a:schemeClr val="accent1"/>
               </a:solidFill>
